--- a/AngularJS/03_RESTPozivi/03 REST Pozivi.pptx
+++ b/AngularJS/03_RESTPozivi/03 REST Pozivi.pptx
@@ -8,11 +8,11 @@
     <p:sldId id="256" r:id="rId2"/>
     <p:sldId id="299" r:id="rId3"/>
     <p:sldId id="300" r:id="rId4"/>
-    <p:sldId id="304" r:id="rId5"/>
-    <p:sldId id="327" r:id="rId6"/>
-    <p:sldId id="305" r:id="rId7"/>
-    <p:sldId id="306" r:id="rId8"/>
-    <p:sldId id="307" r:id="rId9"/>
+    <p:sldId id="353" r:id="rId5"/>
+    <p:sldId id="304" r:id="rId6"/>
+    <p:sldId id="327" r:id="rId7"/>
+    <p:sldId id="305" r:id="rId8"/>
+    <p:sldId id="306" r:id="rId9"/>
     <p:sldId id="339" r:id="rId10"/>
     <p:sldId id="340" r:id="rId11"/>
     <p:sldId id="346" r:id="rId12"/>
@@ -21,32 +21,32 @@
     <p:sldId id="343" r:id="rId15"/>
     <p:sldId id="344" r:id="rId16"/>
     <p:sldId id="345" r:id="rId17"/>
-    <p:sldId id="347" r:id="rId18"/>
-    <p:sldId id="348" r:id="rId19"/>
-    <p:sldId id="349" r:id="rId20"/>
-    <p:sldId id="350" r:id="rId21"/>
-    <p:sldId id="351" r:id="rId22"/>
-    <p:sldId id="301" r:id="rId23"/>
-    <p:sldId id="309" r:id="rId24"/>
-    <p:sldId id="311" r:id="rId25"/>
-    <p:sldId id="312" r:id="rId26"/>
-    <p:sldId id="313" r:id="rId27"/>
-    <p:sldId id="314" r:id="rId28"/>
-    <p:sldId id="315" r:id="rId29"/>
-    <p:sldId id="316" r:id="rId30"/>
-    <p:sldId id="317" r:id="rId31"/>
-    <p:sldId id="319" r:id="rId32"/>
-    <p:sldId id="320" r:id="rId33"/>
-    <p:sldId id="321" r:id="rId34"/>
-    <p:sldId id="322" r:id="rId35"/>
-    <p:sldId id="323" r:id="rId36"/>
-    <p:sldId id="324" r:id="rId37"/>
-    <p:sldId id="325" r:id="rId38"/>
-    <p:sldId id="326" r:id="rId39"/>
-    <p:sldId id="328" r:id="rId40"/>
-    <p:sldId id="329" r:id="rId41"/>
-    <p:sldId id="330" r:id="rId42"/>
-    <p:sldId id="331" r:id="rId43"/>
+    <p:sldId id="354" r:id="rId18"/>
+    <p:sldId id="347" r:id="rId19"/>
+    <p:sldId id="348" r:id="rId20"/>
+    <p:sldId id="349" r:id="rId21"/>
+    <p:sldId id="350" r:id="rId22"/>
+    <p:sldId id="351" r:id="rId23"/>
+    <p:sldId id="301" r:id="rId24"/>
+    <p:sldId id="309" r:id="rId25"/>
+    <p:sldId id="311" r:id="rId26"/>
+    <p:sldId id="312" r:id="rId27"/>
+    <p:sldId id="313" r:id="rId28"/>
+    <p:sldId id="314" r:id="rId29"/>
+    <p:sldId id="315" r:id="rId30"/>
+    <p:sldId id="316" r:id="rId31"/>
+    <p:sldId id="317" r:id="rId32"/>
+    <p:sldId id="319" r:id="rId33"/>
+    <p:sldId id="320" r:id="rId34"/>
+    <p:sldId id="321" r:id="rId35"/>
+    <p:sldId id="322" r:id="rId36"/>
+    <p:sldId id="323" r:id="rId37"/>
+    <p:sldId id="324" r:id="rId38"/>
+    <p:sldId id="325" r:id="rId39"/>
+    <p:sldId id="326" r:id="rId40"/>
+    <p:sldId id="328" r:id="rId41"/>
+    <p:sldId id="329" r:id="rId42"/>
+    <p:sldId id="330" r:id="rId43"/>
     <p:sldId id="332" r:id="rId44"/>
     <p:sldId id="333" r:id="rId45"/>
     <p:sldId id="334" r:id="rId46"/>
@@ -337,7 +337,7 @@
           <a:p>
             <a:fld id="{2986D4BE-532F-443B-99AA-016C229502D5}" type="datetimeFigureOut">
               <a:rPr lang="en-GB" smtClean="0"/>
-              <a:t>28/11/2016</a:t>
+              <a:t>08/12/2016</a:t>
             </a:fld>
             <a:endParaRPr lang="en-GB"/>
           </a:p>
@@ -507,7 +507,7 @@
           <a:p>
             <a:fld id="{2986D4BE-532F-443B-99AA-016C229502D5}" type="datetimeFigureOut">
               <a:rPr lang="en-GB" smtClean="0"/>
-              <a:t>28/11/2016</a:t>
+              <a:t>08/12/2016</a:t>
             </a:fld>
             <a:endParaRPr lang="en-GB"/>
           </a:p>
@@ -687,7 +687,7 @@
           <a:p>
             <a:fld id="{2986D4BE-532F-443B-99AA-016C229502D5}" type="datetimeFigureOut">
               <a:rPr lang="en-GB" smtClean="0"/>
-              <a:t>28/11/2016</a:t>
+              <a:t>08/12/2016</a:t>
             </a:fld>
             <a:endParaRPr lang="en-GB"/>
           </a:p>
@@ -857,7 +857,7 @@
           <a:p>
             <a:fld id="{2986D4BE-532F-443B-99AA-016C229502D5}" type="datetimeFigureOut">
               <a:rPr lang="en-GB" smtClean="0"/>
-              <a:t>28/11/2016</a:t>
+              <a:t>08/12/2016</a:t>
             </a:fld>
             <a:endParaRPr lang="en-GB"/>
           </a:p>
@@ -1103,7 +1103,7 @@
           <a:p>
             <a:fld id="{2986D4BE-532F-443B-99AA-016C229502D5}" type="datetimeFigureOut">
               <a:rPr lang="en-GB" smtClean="0"/>
-              <a:t>28/11/2016</a:t>
+              <a:t>08/12/2016</a:t>
             </a:fld>
             <a:endParaRPr lang="en-GB"/>
           </a:p>
@@ -1391,7 +1391,7 @@
           <a:p>
             <a:fld id="{2986D4BE-532F-443B-99AA-016C229502D5}" type="datetimeFigureOut">
               <a:rPr lang="en-GB" smtClean="0"/>
-              <a:t>28/11/2016</a:t>
+              <a:t>08/12/2016</a:t>
             </a:fld>
             <a:endParaRPr lang="en-GB"/>
           </a:p>
@@ -1813,7 +1813,7 @@
           <a:p>
             <a:fld id="{2986D4BE-532F-443B-99AA-016C229502D5}" type="datetimeFigureOut">
               <a:rPr lang="en-GB" smtClean="0"/>
-              <a:t>28/11/2016</a:t>
+              <a:t>08/12/2016</a:t>
             </a:fld>
             <a:endParaRPr lang="en-GB"/>
           </a:p>
@@ -1931,7 +1931,7 @@
           <a:p>
             <a:fld id="{2986D4BE-532F-443B-99AA-016C229502D5}" type="datetimeFigureOut">
               <a:rPr lang="en-GB" smtClean="0"/>
-              <a:t>28/11/2016</a:t>
+              <a:t>08/12/2016</a:t>
             </a:fld>
             <a:endParaRPr lang="en-GB"/>
           </a:p>
@@ -2026,7 +2026,7 @@
           <a:p>
             <a:fld id="{2986D4BE-532F-443B-99AA-016C229502D5}" type="datetimeFigureOut">
               <a:rPr lang="en-GB" smtClean="0"/>
-              <a:t>28/11/2016</a:t>
+              <a:t>08/12/2016</a:t>
             </a:fld>
             <a:endParaRPr lang="en-GB"/>
           </a:p>
@@ -2303,7 +2303,7 @@
           <a:p>
             <a:fld id="{2986D4BE-532F-443B-99AA-016C229502D5}" type="datetimeFigureOut">
               <a:rPr lang="en-GB" smtClean="0"/>
-              <a:t>28/11/2016</a:t>
+              <a:t>08/12/2016</a:t>
             </a:fld>
             <a:endParaRPr lang="en-GB"/>
           </a:p>
@@ -2556,7 +2556,7 @@
           <a:p>
             <a:fld id="{2986D4BE-532F-443B-99AA-016C229502D5}" type="datetimeFigureOut">
               <a:rPr lang="en-GB" smtClean="0"/>
-              <a:t>28/11/2016</a:t>
+              <a:t>08/12/2016</a:t>
             </a:fld>
             <a:endParaRPr lang="en-GB"/>
           </a:p>
@@ -2769,7 +2769,7 @@
           <a:p>
             <a:fld id="{2986D4BE-532F-443B-99AA-016C229502D5}" type="datetimeFigureOut">
               <a:rPr lang="en-GB" smtClean="0"/>
-              <a:t>28/11/2016</a:t>
+              <a:t>08/12/2016</a:t>
             </a:fld>
             <a:endParaRPr lang="en-GB"/>
           </a:p>
@@ -3518,7 +3518,7 @@
         <p:spPr/>
         <p:txBody>
           <a:bodyPr>
-            <a:normAutofit fontScale="92500"/>
+            <a:normAutofit fontScale="92500" lnSpcReduction="10000"/>
           </a:bodyPr>
           <a:lstStyle/>
           <a:p>
@@ -3531,7 +3531,7 @@
             <a:pPr lvl="1"/>
             <a:r>
               <a:rPr lang="sr-Latn-RS" dirty="0" smtClean="0"/>
-              <a:t>Ne bi bilo smisla da šaljemo metapodatke</a:t>
+              <a:t>Ne bi bilo smisla da šaljemo metapodatke kao što je veličina stranice ili broj stranice</a:t>
             </a:r>
           </a:p>
           <a:p>
@@ -3840,7 +3840,7 @@
             </a:r>
             <a:r>
               <a:rPr lang="sr-Latn-RS" dirty="0" smtClean="0"/>
-              <a:t>– trebalo bi da radimo nad kopijama objekata</a:t>
+              <a:t>– trebalo bi da napravimo kopije objekata nad kojima ćemo raditi</a:t>
             </a:r>
           </a:p>
         </p:txBody>
@@ -4354,7 +4354,7 @@
                 <a:latin typeface="Courier New" panose="02070309020205020404" pitchFamily="49" charset="0"/>
                 <a:cs typeface="Courier New" panose="02070309020205020404" pitchFamily="49" charset="0"/>
               </a:rPr>
-              <a:t> //dodamo novu transform funkciju</a:t>
+              <a:t> //dodamo novu transform funkciju na kraj default liste</a:t>
             </a:r>
             <a:endParaRPr lang="en-GB" dirty="0">
               <a:latin typeface="Courier New" panose="02070309020205020404" pitchFamily="49" charset="0"/>
@@ -4615,334 +4615,98 @@
         </p:nvSpPr>
         <p:spPr/>
         <p:txBody>
-          <a:bodyPr/>
-          <a:lstStyle/>
-          <a:p>
+          <a:bodyPr>
+            <a:normAutofit fontScale="90000"/>
+          </a:bodyPr>
+          <a:lstStyle/>
+          <a:p>
+            <a:r>
+              <a:rPr lang="sr-Latn-RS" dirty="0" smtClean="0"/>
+              <a:t>Napomena - dve faze izvršavanja modula</a:t>
+            </a:r>
+            <a:endParaRPr lang="en-GB" dirty="0"/>
+          </a:p>
+        </p:txBody>
+      </p:sp>
+      <p:sp>
+        <p:nvSpPr>
+          <p:cNvPr id="3" name="Content Placeholder 2"/>
+          <p:cNvSpPr>
+            <a:spLocks noGrp="1"/>
+          </p:cNvSpPr>
+          <p:nvPr>
+            <p:ph idx="1"/>
+          </p:nvPr>
+        </p:nvSpPr>
+        <p:spPr/>
+        <p:txBody>
+          <a:bodyPr>
+            <a:normAutofit fontScale="92500" lnSpcReduction="10000"/>
+          </a:bodyPr>
+          <a:lstStyle/>
+          <a:p>
+            <a:r>
+              <a:rPr lang="sr-Latn-RS" dirty="0" smtClean="0"/>
+              <a:t>Modul u AngularJS (pa i modul postavljen u ng-app) ima dva bloka:</a:t>
+            </a:r>
+          </a:p>
+          <a:p>
+            <a:pPr marL="971550" lvl="1" indent="-514350">
+              <a:buFont typeface="+mj-lt"/>
+              <a:buAutoNum type="arabicPeriod"/>
+            </a:pPr>
+            <a:r>
+              <a:rPr lang="sr-Latn-RS" dirty="0" smtClean="0"/>
+              <a:t>Blok konfiguracije – config</a:t>
+            </a:r>
+          </a:p>
+          <a:p>
+            <a:pPr marL="1200150" lvl="2" indent="-342900"/>
             <a:r>
               <a:rPr lang="sr-Latn-RS" dirty="0"/>
-              <a:t>Paginacija i transformacija zahteva</a:t>
-            </a:r>
-            <a:endParaRPr lang="en-GB" dirty="0"/>
-          </a:p>
-        </p:txBody>
-      </p:sp>
-      <p:sp>
-        <p:nvSpPr>
-          <p:cNvPr id="3" name="Content Placeholder 2"/>
-          <p:cNvSpPr>
-            <a:spLocks noGrp="1"/>
-          </p:cNvSpPr>
-          <p:nvPr>
-            <p:ph idx="1"/>
-          </p:nvPr>
-        </p:nvSpPr>
-        <p:spPr/>
-        <p:txBody>
-          <a:bodyPr>
-            <a:noAutofit/>
-          </a:bodyPr>
-          <a:lstStyle/>
-          <a:p>
-            <a:pPr marL="0" indent="0">
-              <a:buNone/>
+              <a:t>I</a:t>
+            </a:r>
+            <a:r>
+              <a:rPr lang="sr-Latn-RS" dirty="0" smtClean="0"/>
+              <a:t>zvršava se u toku registracije provajdera i konfigurisanja aplikacije</a:t>
+            </a:r>
+          </a:p>
+          <a:p>
+            <a:pPr marL="1200150" lvl="2" indent="-342900"/>
+            <a:r>
+              <a:rPr lang="sr-Latn-RS" dirty="0" smtClean="0"/>
+              <a:t>Izdvajanje koda u ovaj blok sprečava da se servisi slučajno injektuju pre nego što su potpuno konfigurisani</a:t>
+            </a:r>
+          </a:p>
+          <a:p>
+            <a:pPr marL="971550" lvl="1" indent="-514350">
+              <a:buFont typeface="+mj-lt"/>
+              <a:buAutoNum type="arabicPeriod"/>
             </a:pPr>
             <a:r>
-              <a:rPr lang="en-GB" sz="2400" dirty="0" err="1">
-                <a:latin typeface="Courier New" panose="02070309020205020404" pitchFamily="49" charset="0"/>
-                <a:cs typeface="Courier New" panose="02070309020205020404" pitchFamily="49" charset="0"/>
-              </a:rPr>
-              <a:t>var</a:t>
-            </a:r>
-            <a:r>
-              <a:rPr lang="en-GB" sz="2400" dirty="0">
-                <a:latin typeface="Courier New" panose="02070309020205020404" pitchFamily="49" charset="0"/>
-                <a:cs typeface="Courier New" panose="02070309020205020404" pitchFamily="49" charset="0"/>
-              </a:rPr>
-              <a:t> </a:t>
-            </a:r>
-            <a:r>
-              <a:rPr lang="en-GB" sz="2400" dirty="0" err="1">
-                <a:latin typeface="Courier New" panose="02070309020205020404" pitchFamily="49" charset="0"/>
-                <a:cs typeface="Courier New" panose="02070309020205020404" pitchFamily="49" charset="0"/>
-              </a:rPr>
-              <a:t>prepareResponse</a:t>
-            </a:r>
-            <a:r>
-              <a:rPr lang="en-GB" sz="2400" dirty="0">
-                <a:latin typeface="Courier New" panose="02070309020205020404" pitchFamily="49" charset="0"/>
-                <a:cs typeface="Courier New" panose="02070309020205020404" pitchFamily="49" charset="0"/>
-              </a:rPr>
-              <a:t> = function (data) {</a:t>
-            </a:r>
-          </a:p>
-          <a:p>
-            <a:pPr marL="0" indent="0">
-              <a:buNone/>
-            </a:pPr>
-            <a:r>
-              <a:rPr lang="en-GB" sz="2400" dirty="0">
-                <a:latin typeface="Courier New" panose="02070309020205020404" pitchFamily="49" charset="0"/>
-                <a:cs typeface="Courier New" panose="02070309020205020404" pitchFamily="49" charset="0"/>
-              </a:rPr>
-              <a:t>	if(</a:t>
-            </a:r>
-            <a:r>
-              <a:rPr lang="en-GB" sz="2400" dirty="0" err="1">
-                <a:latin typeface="Courier New" panose="02070309020205020404" pitchFamily="49" charset="0"/>
-                <a:cs typeface="Courier New" panose="02070309020205020404" pitchFamily="49" charset="0"/>
-              </a:rPr>
-              <a:t>data.docs</a:t>
-            </a:r>
-            <a:r>
-              <a:rPr lang="en-GB" sz="2400" dirty="0" smtClean="0">
-                <a:latin typeface="Courier New" panose="02070309020205020404" pitchFamily="49" charset="0"/>
-                <a:cs typeface="Courier New" panose="02070309020205020404" pitchFamily="49" charset="0"/>
-              </a:rPr>
-              <a:t>){return </a:t>
-            </a:r>
-            <a:r>
-              <a:rPr lang="en-GB" sz="2400" dirty="0" err="1">
-                <a:latin typeface="Courier New" panose="02070309020205020404" pitchFamily="49" charset="0"/>
-                <a:cs typeface="Courier New" panose="02070309020205020404" pitchFamily="49" charset="0"/>
-              </a:rPr>
-              <a:t>data.docs</a:t>
-            </a:r>
-            <a:r>
-              <a:rPr lang="en-GB" sz="2400" dirty="0" smtClean="0">
-                <a:latin typeface="Courier New" panose="02070309020205020404" pitchFamily="49" charset="0"/>
-                <a:cs typeface="Courier New" panose="02070309020205020404" pitchFamily="49" charset="0"/>
-              </a:rPr>
-              <a:t>;}</a:t>
-            </a:r>
-            <a:endParaRPr lang="en-GB" sz="2400" dirty="0">
-              <a:latin typeface="Courier New" panose="02070309020205020404" pitchFamily="49" charset="0"/>
-              <a:cs typeface="Courier New" panose="02070309020205020404" pitchFamily="49" charset="0"/>
-            </a:endParaRPr>
-          </a:p>
-          <a:p>
-            <a:pPr marL="0" indent="0">
-              <a:buNone/>
-            </a:pPr>
-            <a:r>
-              <a:rPr lang="en-GB" sz="2400" dirty="0">
-                <a:latin typeface="Courier New" panose="02070309020205020404" pitchFamily="49" charset="0"/>
-                <a:cs typeface="Courier New" panose="02070309020205020404" pitchFamily="49" charset="0"/>
-              </a:rPr>
-              <a:t>	</a:t>
-            </a:r>
-            <a:r>
-              <a:rPr lang="en-GB" sz="2400" dirty="0" smtClean="0">
-                <a:latin typeface="Courier New" panose="02070309020205020404" pitchFamily="49" charset="0"/>
-                <a:cs typeface="Courier New" panose="02070309020205020404" pitchFamily="49" charset="0"/>
-              </a:rPr>
-              <a:t>else{return </a:t>
-            </a:r>
-            <a:r>
-              <a:rPr lang="en-GB" sz="2400" dirty="0">
-                <a:latin typeface="Courier New" panose="02070309020205020404" pitchFamily="49" charset="0"/>
-                <a:cs typeface="Courier New" panose="02070309020205020404" pitchFamily="49" charset="0"/>
-              </a:rPr>
-              <a:t>data</a:t>
-            </a:r>
-            <a:r>
-              <a:rPr lang="en-GB" sz="2400" dirty="0" smtClean="0">
-                <a:latin typeface="Courier New" panose="02070309020205020404" pitchFamily="49" charset="0"/>
-                <a:cs typeface="Courier New" panose="02070309020205020404" pitchFamily="49" charset="0"/>
-              </a:rPr>
-              <a:t>;}</a:t>
-            </a:r>
-            <a:endParaRPr lang="en-GB" sz="2400" dirty="0">
-              <a:latin typeface="Courier New" panose="02070309020205020404" pitchFamily="49" charset="0"/>
-              <a:cs typeface="Courier New" panose="02070309020205020404" pitchFamily="49" charset="0"/>
-            </a:endParaRPr>
-          </a:p>
-          <a:p>
-            <a:pPr marL="0" indent="0">
-              <a:buNone/>
-            </a:pPr>
-            <a:r>
-              <a:rPr lang="en-GB" sz="2400" dirty="0">
-                <a:latin typeface="Courier New" panose="02070309020205020404" pitchFamily="49" charset="0"/>
-                <a:cs typeface="Courier New" panose="02070309020205020404" pitchFamily="49" charset="0"/>
-              </a:rPr>
-              <a:t>}</a:t>
-            </a:r>
-          </a:p>
-          <a:p>
-            <a:pPr marL="0" indent="0">
-              <a:buNone/>
-            </a:pPr>
-            <a:r>
-              <a:rPr lang="sr-Latn-RS" sz="2400" dirty="0">
-                <a:latin typeface="Courier New" panose="02070309020205020404" pitchFamily="49" charset="0"/>
-                <a:cs typeface="Courier New" panose="02070309020205020404" pitchFamily="49" charset="0"/>
-              </a:rPr>
-              <a:t>a</a:t>
-            </a:r>
-            <a:r>
-              <a:rPr lang="en-GB" sz="2400" dirty="0" err="1" smtClean="0">
-                <a:latin typeface="Courier New" panose="02070309020205020404" pitchFamily="49" charset="0"/>
-                <a:cs typeface="Courier New" panose="02070309020205020404" pitchFamily="49" charset="0"/>
-              </a:rPr>
-              <a:t>pp.config</a:t>
-            </a:r>
-            <a:r>
-              <a:rPr lang="en-GB" sz="2400" dirty="0" smtClean="0">
-                <a:latin typeface="Courier New" panose="02070309020205020404" pitchFamily="49" charset="0"/>
-                <a:cs typeface="Courier New" panose="02070309020205020404" pitchFamily="49" charset="0"/>
-              </a:rPr>
-              <a:t>(function</a:t>
-            </a:r>
-            <a:r>
-              <a:rPr lang="en-GB" sz="2400" dirty="0">
-                <a:latin typeface="Courier New" panose="02070309020205020404" pitchFamily="49" charset="0"/>
-                <a:cs typeface="Courier New" panose="02070309020205020404" pitchFamily="49" charset="0"/>
-              </a:rPr>
-              <a:t>($</a:t>
-            </a:r>
-            <a:r>
-              <a:rPr lang="en-GB" sz="2400" dirty="0" err="1">
-                <a:latin typeface="Courier New" panose="02070309020205020404" pitchFamily="49" charset="0"/>
-                <a:cs typeface="Courier New" panose="02070309020205020404" pitchFamily="49" charset="0"/>
-              </a:rPr>
-              <a:t>httpProvider</a:t>
-            </a:r>
-            <a:r>
-              <a:rPr lang="en-GB" sz="2400" dirty="0">
-                <a:latin typeface="Courier New" panose="02070309020205020404" pitchFamily="49" charset="0"/>
-                <a:cs typeface="Courier New" panose="02070309020205020404" pitchFamily="49" charset="0"/>
-              </a:rPr>
-              <a:t>) {</a:t>
-            </a:r>
-          </a:p>
-          <a:p>
-            <a:pPr marL="0" indent="0">
-              <a:buNone/>
-            </a:pPr>
-            <a:r>
-              <a:rPr lang="sr-Latn-RS" sz="2400" dirty="0" smtClean="0">
-                <a:latin typeface="Courier New" panose="02070309020205020404" pitchFamily="49" charset="0"/>
-                <a:cs typeface="Courier New" panose="02070309020205020404" pitchFamily="49" charset="0"/>
-              </a:rPr>
-              <a:t>  </a:t>
-            </a:r>
-            <a:r>
-              <a:rPr lang="en-GB" sz="2400" dirty="0" smtClean="0">
-                <a:latin typeface="Courier New" panose="02070309020205020404" pitchFamily="49" charset="0"/>
-                <a:cs typeface="Courier New" panose="02070309020205020404" pitchFamily="49" charset="0"/>
-              </a:rPr>
-              <a:t>$</a:t>
-            </a:r>
-            <a:r>
-              <a:rPr lang="en-GB" sz="2400" dirty="0" err="1" smtClean="0">
-                <a:latin typeface="Courier New" panose="02070309020205020404" pitchFamily="49" charset="0"/>
-                <a:cs typeface="Courier New" panose="02070309020205020404" pitchFamily="49" charset="0"/>
-              </a:rPr>
-              <a:t>httpProvider.defaults</a:t>
-            </a:r>
-            <a:endParaRPr lang="sr-Latn-RS" sz="2400" dirty="0" smtClean="0">
-              <a:latin typeface="Courier New" panose="02070309020205020404" pitchFamily="49" charset="0"/>
-              <a:cs typeface="Courier New" panose="02070309020205020404" pitchFamily="49" charset="0"/>
-            </a:endParaRPr>
-          </a:p>
-          <a:p>
-            <a:pPr marL="0" indent="0">
-              <a:buNone/>
-            </a:pPr>
-            <a:r>
-              <a:rPr lang="sr-Latn-RS" sz="2400" dirty="0" smtClean="0">
-                <a:latin typeface="Courier New" panose="02070309020205020404" pitchFamily="49" charset="0"/>
-                <a:cs typeface="Courier New" panose="02070309020205020404" pitchFamily="49" charset="0"/>
-              </a:rPr>
-              <a:t>   </a:t>
-            </a:r>
-            <a:r>
-              <a:rPr lang="en-GB" sz="2400" dirty="0" smtClean="0">
-                <a:latin typeface="Courier New" panose="02070309020205020404" pitchFamily="49" charset="0"/>
-                <a:cs typeface="Courier New" panose="02070309020205020404" pitchFamily="49" charset="0"/>
-              </a:rPr>
-              <a:t>.</a:t>
-            </a:r>
-            <a:r>
-              <a:rPr lang="en-GB" sz="2400" dirty="0" err="1" smtClean="0">
-                <a:latin typeface="Courier New" panose="02070309020205020404" pitchFamily="49" charset="0"/>
-                <a:cs typeface="Courier New" panose="02070309020205020404" pitchFamily="49" charset="0"/>
-              </a:rPr>
-              <a:t>transformResponse.push</a:t>
-            </a:r>
-            <a:r>
-              <a:rPr lang="en-GB" sz="2400" dirty="0" smtClean="0">
-                <a:latin typeface="Courier New" panose="02070309020205020404" pitchFamily="49" charset="0"/>
-                <a:cs typeface="Courier New" panose="02070309020205020404" pitchFamily="49" charset="0"/>
-              </a:rPr>
-              <a:t>(</a:t>
-            </a:r>
-            <a:r>
-              <a:rPr lang="en-GB" sz="2400" dirty="0" err="1" smtClean="0">
-                <a:latin typeface="Courier New" panose="02070309020205020404" pitchFamily="49" charset="0"/>
-                <a:cs typeface="Courier New" panose="02070309020205020404" pitchFamily="49" charset="0"/>
-              </a:rPr>
-              <a:t>prepareResponse</a:t>
-            </a:r>
-            <a:r>
-              <a:rPr lang="en-GB" sz="2400" dirty="0">
-                <a:latin typeface="Courier New" panose="02070309020205020404" pitchFamily="49" charset="0"/>
-                <a:cs typeface="Courier New" panose="02070309020205020404" pitchFamily="49" charset="0"/>
-              </a:rPr>
-              <a:t>);</a:t>
-            </a:r>
-          </a:p>
-          <a:p>
-            <a:pPr marL="0" indent="0">
-              <a:buNone/>
-            </a:pPr>
-            <a:r>
-              <a:rPr lang="en-GB" sz="2400" dirty="0" smtClean="0">
-                <a:latin typeface="Courier New" panose="02070309020205020404" pitchFamily="49" charset="0"/>
-                <a:cs typeface="Courier New" panose="02070309020205020404" pitchFamily="49" charset="0"/>
-              </a:rPr>
-              <a:t>});</a:t>
-            </a:r>
-            <a:endParaRPr lang="en-GB" sz="2400" dirty="0">
-              <a:latin typeface="Courier New" panose="02070309020205020404" pitchFamily="49" charset="0"/>
-              <a:cs typeface="Courier New" panose="02070309020205020404" pitchFamily="49" charset="0"/>
-            </a:endParaRPr>
-          </a:p>
-          <a:p>
-            <a:pPr marL="0" indent="0">
-              <a:buNone/>
-            </a:pPr>
-            <a:endParaRPr lang="en-GB" sz="2400" dirty="0">
-              <a:latin typeface="Courier New" panose="02070309020205020404" pitchFamily="49" charset="0"/>
-              <a:cs typeface="Courier New" panose="02070309020205020404" pitchFamily="49" charset="0"/>
-            </a:endParaRPr>
-          </a:p>
-        </p:txBody>
-      </p:sp>
-      <p:sp>
-        <p:nvSpPr>
-          <p:cNvPr id="4" name="Rectangle 3"/>
-          <p:cNvSpPr/>
-          <p:nvPr/>
-        </p:nvSpPr>
-        <p:spPr>
-          <a:xfrm>
-            <a:off x="6480212" y="5877272"/>
-            <a:ext cx="2196244" cy="646331"/>
-          </a:xfrm>
-          <a:prstGeom prst="rect">
-            <a:avLst/>
-          </a:prstGeom>
-        </p:spPr>
-        <p:txBody>
-          <a:bodyPr wrap="square">
-            <a:spAutoFit/>
-          </a:bodyPr>
-          <a:lstStyle/>
-          <a:p>
-            <a:r>
-              <a:rPr lang="sr-Latn-RS" sz="3600" dirty="0" smtClean="0"/>
-              <a:t>Primer 1a</a:t>
+              <a:rPr lang="sr-Latn-RS" dirty="0" smtClean="0"/>
+              <a:t>Blok izvršavanja – run</a:t>
+            </a:r>
+          </a:p>
+          <a:p>
+            <a:pPr marL="1200150" lvl="2" indent="-342900"/>
+            <a:r>
+              <a:rPr lang="sr-Latn-RS" dirty="0" smtClean="0"/>
+              <a:t>Izvršava se nakon što se injektor kreira</a:t>
+            </a:r>
+          </a:p>
+          <a:p>
+            <a:pPr marL="1200150" lvl="2" indent="-342900"/>
+            <a:r>
+              <a:rPr lang="sr-Latn-RS" dirty="0" smtClean="0"/>
+              <a:t>U ovoj fazi nije moguće dalje konfigurisanje</a:t>
+            </a:r>
+          </a:p>
+          <a:p>
+            <a:pPr marL="400050"/>
+            <a:r>
+              <a:rPr lang="sr-Latn-RS" dirty="0" smtClean="0"/>
+              <a:t>Više o tome kasnije...</a:t>
             </a:r>
           </a:p>
         </p:txBody>
@@ -4950,7 +4714,7 @@
     </p:spTree>
     <p:extLst>
       <p:ext uri="{BB962C8B-B14F-4D97-AF65-F5344CB8AC3E}">
-        <p14:creationId xmlns:p14="http://schemas.microsoft.com/office/powerpoint/2010/main" val="1907737960"/>
+        <p14:creationId xmlns:p14="http://schemas.microsoft.com/office/powerpoint/2010/main" val="707704179"/>
       </p:ext>
     </p:extLst>
   </p:cSld>
@@ -5000,7 +4764,7 @@
           <a:lstStyle/>
           <a:p>
             <a:r>
-              <a:rPr lang="sr-Latn-RS" dirty="0" smtClean="0"/>
+              <a:rPr lang="sr-Latn-RS" dirty="0"/>
               <a:t>Paginacija i transformacija zahteva</a:t>
             </a:r>
             <a:endParaRPr lang="en-GB" dirty="0"/>
@@ -5019,35 +4783,357 @@
         </p:nvSpPr>
         <p:spPr/>
         <p:txBody>
-          <a:bodyPr/>
-          <a:lstStyle/>
-          <a:p>
-            <a:r>
-              <a:rPr lang="sr-Latn-RS" dirty="0" smtClean="0"/>
-              <a:t>Domaći zadataka:</a:t>
-            </a:r>
-          </a:p>
-          <a:p>
-            <a:pPr lvl="1"/>
-            <a:r>
-              <a:rPr lang="sr-Latn-RS" dirty="0" smtClean="0"/>
-              <a:t>Postaviti da previous i next polja budu disabled kada smo na prvoj odnosno poslednjoj stranici</a:t>
-            </a:r>
-          </a:p>
-          <a:p>
-            <a:pPr lvl="1"/>
-            <a:r>
-              <a:rPr lang="sr-Latn-RS" dirty="0" smtClean="0"/>
-              <a:t>Obratiti pažnju na transformaciju zahteva</a:t>
-            </a:r>
-            <a:endParaRPr lang="en-GB" dirty="0"/>
+          <a:bodyPr>
+            <a:noAutofit/>
+          </a:bodyPr>
+          <a:lstStyle/>
+          <a:p>
+            <a:pPr marL="0" indent="0">
+              <a:buNone/>
+            </a:pPr>
+            <a:r>
+              <a:rPr lang="en-GB" sz="2400" dirty="0" err="1">
+                <a:latin typeface="Courier New" panose="02070309020205020404" pitchFamily="49" charset="0"/>
+                <a:cs typeface="Courier New" panose="02070309020205020404" pitchFamily="49" charset="0"/>
+              </a:rPr>
+              <a:t>var</a:t>
+            </a:r>
+            <a:r>
+              <a:rPr lang="en-GB" sz="2400" dirty="0">
+                <a:latin typeface="Courier New" panose="02070309020205020404" pitchFamily="49" charset="0"/>
+                <a:cs typeface="Courier New" panose="02070309020205020404" pitchFamily="49" charset="0"/>
+              </a:rPr>
+              <a:t> </a:t>
+            </a:r>
+            <a:r>
+              <a:rPr lang="en-GB" sz="2400" dirty="0" err="1">
+                <a:latin typeface="Courier New" panose="02070309020205020404" pitchFamily="49" charset="0"/>
+                <a:cs typeface="Courier New" panose="02070309020205020404" pitchFamily="49" charset="0"/>
+              </a:rPr>
+              <a:t>prepareResponse</a:t>
+            </a:r>
+            <a:r>
+              <a:rPr lang="en-GB" sz="2400" dirty="0">
+                <a:latin typeface="Courier New" panose="02070309020205020404" pitchFamily="49" charset="0"/>
+                <a:cs typeface="Courier New" panose="02070309020205020404" pitchFamily="49" charset="0"/>
+              </a:rPr>
+              <a:t> = function (data) {</a:t>
+            </a:r>
+          </a:p>
+          <a:p>
+            <a:pPr marL="0" indent="0">
+              <a:buNone/>
+            </a:pPr>
+            <a:r>
+              <a:rPr lang="en-GB" sz="2400" dirty="0">
+                <a:latin typeface="Courier New" panose="02070309020205020404" pitchFamily="49" charset="0"/>
+                <a:cs typeface="Courier New" panose="02070309020205020404" pitchFamily="49" charset="0"/>
+              </a:rPr>
+              <a:t>	if(</a:t>
+            </a:r>
+            <a:r>
+              <a:rPr lang="en-GB" sz="2400" dirty="0" err="1">
+                <a:latin typeface="Courier New" panose="02070309020205020404" pitchFamily="49" charset="0"/>
+                <a:cs typeface="Courier New" panose="02070309020205020404" pitchFamily="49" charset="0"/>
+              </a:rPr>
+              <a:t>data.docs</a:t>
+            </a:r>
+            <a:r>
+              <a:rPr lang="en-GB" sz="2400" dirty="0" smtClean="0">
+                <a:latin typeface="Courier New" panose="02070309020205020404" pitchFamily="49" charset="0"/>
+                <a:cs typeface="Courier New" panose="02070309020205020404" pitchFamily="49" charset="0"/>
+              </a:rPr>
+              <a:t>){return </a:t>
+            </a:r>
+            <a:r>
+              <a:rPr lang="en-GB" sz="2400" dirty="0" err="1">
+                <a:latin typeface="Courier New" panose="02070309020205020404" pitchFamily="49" charset="0"/>
+                <a:cs typeface="Courier New" panose="02070309020205020404" pitchFamily="49" charset="0"/>
+              </a:rPr>
+              <a:t>data.docs</a:t>
+            </a:r>
+            <a:r>
+              <a:rPr lang="en-GB" sz="2400" dirty="0" smtClean="0">
+                <a:latin typeface="Courier New" panose="02070309020205020404" pitchFamily="49" charset="0"/>
+                <a:cs typeface="Courier New" panose="02070309020205020404" pitchFamily="49" charset="0"/>
+              </a:rPr>
+              <a:t>;}</a:t>
+            </a:r>
+            <a:endParaRPr lang="en-GB" sz="2400" dirty="0">
+              <a:latin typeface="Courier New" panose="02070309020205020404" pitchFamily="49" charset="0"/>
+              <a:cs typeface="Courier New" panose="02070309020205020404" pitchFamily="49" charset="0"/>
+            </a:endParaRPr>
+          </a:p>
+          <a:p>
+            <a:pPr marL="0" indent="0">
+              <a:buNone/>
+            </a:pPr>
+            <a:r>
+              <a:rPr lang="en-GB" sz="2400" dirty="0">
+                <a:latin typeface="Courier New" panose="02070309020205020404" pitchFamily="49" charset="0"/>
+                <a:cs typeface="Courier New" panose="02070309020205020404" pitchFamily="49" charset="0"/>
+              </a:rPr>
+              <a:t>	</a:t>
+            </a:r>
+            <a:r>
+              <a:rPr lang="en-GB" sz="2400" dirty="0" smtClean="0">
+                <a:latin typeface="Courier New" panose="02070309020205020404" pitchFamily="49" charset="0"/>
+                <a:cs typeface="Courier New" panose="02070309020205020404" pitchFamily="49" charset="0"/>
+              </a:rPr>
+              <a:t>else{return </a:t>
+            </a:r>
+            <a:r>
+              <a:rPr lang="en-GB" sz="2400" dirty="0">
+                <a:latin typeface="Courier New" panose="02070309020205020404" pitchFamily="49" charset="0"/>
+                <a:cs typeface="Courier New" panose="02070309020205020404" pitchFamily="49" charset="0"/>
+              </a:rPr>
+              <a:t>data</a:t>
+            </a:r>
+            <a:r>
+              <a:rPr lang="en-GB" sz="2400" dirty="0" smtClean="0">
+                <a:latin typeface="Courier New" panose="02070309020205020404" pitchFamily="49" charset="0"/>
+                <a:cs typeface="Courier New" panose="02070309020205020404" pitchFamily="49" charset="0"/>
+              </a:rPr>
+              <a:t>;}</a:t>
+            </a:r>
+            <a:endParaRPr lang="en-GB" sz="2400" dirty="0">
+              <a:latin typeface="Courier New" panose="02070309020205020404" pitchFamily="49" charset="0"/>
+              <a:cs typeface="Courier New" panose="02070309020205020404" pitchFamily="49" charset="0"/>
+            </a:endParaRPr>
+          </a:p>
+          <a:p>
+            <a:pPr marL="0" indent="0">
+              <a:buNone/>
+            </a:pPr>
+            <a:r>
+              <a:rPr lang="en-GB" sz="2400" dirty="0">
+                <a:latin typeface="Courier New" panose="02070309020205020404" pitchFamily="49" charset="0"/>
+                <a:cs typeface="Courier New" panose="02070309020205020404" pitchFamily="49" charset="0"/>
+              </a:rPr>
+              <a:t>}</a:t>
+            </a:r>
+          </a:p>
+          <a:p>
+            <a:pPr marL="0" indent="0">
+              <a:buNone/>
+            </a:pPr>
+            <a:r>
+              <a:rPr lang="sr-Latn-RS" sz="2400" dirty="0">
+                <a:latin typeface="Courier New" panose="02070309020205020404" pitchFamily="49" charset="0"/>
+                <a:cs typeface="Courier New" panose="02070309020205020404" pitchFamily="49" charset="0"/>
+              </a:rPr>
+              <a:t>a</a:t>
+            </a:r>
+            <a:r>
+              <a:rPr lang="en-GB" sz="2400" dirty="0" err="1" smtClean="0">
+                <a:latin typeface="Courier New" panose="02070309020205020404" pitchFamily="49" charset="0"/>
+                <a:cs typeface="Courier New" panose="02070309020205020404" pitchFamily="49" charset="0"/>
+              </a:rPr>
+              <a:t>pp.config</a:t>
+            </a:r>
+            <a:r>
+              <a:rPr lang="en-GB" sz="2400" dirty="0" smtClean="0">
+                <a:latin typeface="Courier New" panose="02070309020205020404" pitchFamily="49" charset="0"/>
+                <a:cs typeface="Courier New" panose="02070309020205020404" pitchFamily="49" charset="0"/>
+              </a:rPr>
+              <a:t>(function</a:t>
+            </a:r>
+            <a:r>
+              <a:rPr lang="en-GB" sz="2400" dirty="0">
+                <a:latin typeface="Courier New" panose="02070309020205020404" pitchFamily="49" charset="0"/>
+                <a:cs typeface="Courier New" panose="02070309020205020404" pitchFamily="49" charset="0"/>
+              </a:rPr>
+              <a:t>($</a:t>
+            </a:r>
+            <a:r>
+              <a:rPr lang="en-GB" sz="2400" dirty="0" err="1">
+                <a:latin typeface="Courier New" panose="02070309020205020404" pitchFamily="49" charset="0"/>
+                <a:cs typeface="Courier New" panose="02070309020205020404" pitchFamily="49" charset="0"/>
+              </a:rPr>
+              <a:t>httpProvider</a:t>
+            </a:r>
+            <a:r>
+              <a:rPr lang="en-GB" sz="2400" dirty="0">
+                <a:latin typeface="Courier New" panose="02070309020205020404" pitchFamily="49" charset="0"/>
+                <a:cs typeface="Courier New" panose="02070309020205020404" pitchFamily="49" charset="0"/>
+              </a:rPr>
+              <a:t>) {</a:t>
+            </a:r>
+          </a:p>
+          <a:p>
+            <a:pPr marL="0" indent="0">
+              <a:buNone/>
+            </a:pPr>
+            <a:r>
+              <a:rPr lang="sr-Latn-RS" sz="2400" dirty="0" smtClean="0">
+                <a:latin typeface="Courier New" panose="02070309020205020404" pitchFamily="49" charset="0"/>
+                <a:cs typeface="Courier New" panose="02070309020205020404" pitchFamily="49" charset="0"/>
+              </a:rPr>
+              <a:t>   //šta bi se desilo da uradimo unshift </a:t>
+            </a:r>
+          </a:p>
+          <a:p>
+            <a:pPr marL="0" indent="0">
+              <a:buNone/>
+            </a:pPr>
+            <a:r>
+              <a:rPr lang="sr-Latn-RS" sz="2400" dirty="0">
+                <a:latin typeface="Courier New" panose="02070309020205020404" pitchFamily="49" charset="0"/>
+                <a:cs typeface="Courier New" panose="02070309020205020404" pitchFamily="49" charset="0"/>
+              </a:rPr>
+              <a:t> </a:t>
+            </a:r>
+            <a:r>
+              <a:rPr lang="sr-Latn-RS" sz="2400" dirty="0" smtClean="0">
+                <a:latin typeface="Courier New" panose="02070309020205020404" pitchFamily="49" charset="0"/>
+                <a:cs typeface="Courier New" panose="02070309020205020404" pitchFamily="49" charset="0"/>
+              </a:rPr>
+              <a:t>  //umesto  push?</a:t>
+            </a:r>
+          </a:p>
+          <a:p>
+            <a:pPr marL="0" indent="0">
+              <a:buNone/>
+            </a:pPr>
+            <a:r>
+              <a:rPr lang="sr-Latn-RS" sz="2400" dirty="0">
+                <a:latin typeface="Courier New" panose="02070309020205020404" pitchFamily="49" charset="0"/>
+                <a:cs typeface="Courier New" panose="02070309020205020404" pitchFamily="49" charset="0"/>
+              </a:rPr>
+              <a:t> </a:t>
+            </a:r>
+            <a:r>
+              <a:rPr lang="sr-Latn-RS" sz="2400" dirty="0" smtClean="0">
+                <a:latin typeface="Courier New" panose="02070309020205020404" pitchFamily="49" charset="0"/>
+                <a:cs typeface="Courier New" panose="02070309020205020404" pitchFamily="49" charset="0"/>
+              </a:rPr>
+              <a:t>  </a:t>
+            </a:r>
+            <a:r>
+              <a:rPr lang="en-GB" sz="2400" dirty="0" smtClean="0">
+                <a:latin typeface="Courier New" panose="02070309020205020404" pitchFamily="49" charset="0"/>
+                <a:cs typeface="Courier New" panose="02070309020205020404" pitchFamily="49" charset="0"/>
+              </a:rPr>
+              <a:t>$</a:t>
+            </a:r>
+            <a:r>
+              <a:rPr lang="en-GB" sz="2400" dirty="0" err="1" smtClean="0">
+                <a:latin typeface="Courier New" panose="02070309020205020404" pitchFamily="49" charset="0"/>
+                <a:cs typeface="Courier New" panose="02070309020205020404" pitchFamily="49" charset="0"/>
+              </a:rPr>
+              <a:t>httpProvider.defaults</a:t>
+            </a:r>
+            <a:endParaRPr lang="sr-Latn-RS" sz="2400" dirty="0" smtClean="0">
+              <a:latin typeface="Courier New" panose="02070309020205020404" pitchFamily="49" charset="0"/>
+              <a:cs typeface="Courier New" panose="02070309020205020404" pitchFamily="49" charset="0"/>
+            </a:endParaRPr>
+          </a:p>
+          <a:p>
+            <a:pPr marL="0" indent="0">
+              <a:buNone/>
+            </a:pPr>
+            <a:r>
+              <a:rPr lang="sr-Latn-RS" sz="2400" dirty="0" smtClean="0">
+                <a:latin typeface="Courier New" panose="02070309020205020404" pitchFamily="49" charset="0"/>
+                <a:cs typeface="Courier New" panose="02070309020205020404" pitchFamily="49" charset="0"/>
+              </a:rPr>
+              <a:t>   </a:t>
+            </a:r>
+            <a:r>
+              <a:rPr lang="en-GB" sz="2400" dirty="0" smtClean="0">
+                <a:latin typeface="Courier New" panose="02070309020205020404" pitchFamily="49" charset="0"/>
+                <a:cs typeface="Courier New" panose="02070309020205020404" pitchFamily="49" charset="0"/>
+              </a:rPr>
+              <a:t>.</a:t>
+            </a:r>
+            <a:r>
+              <a:rPr lang="en-GB" sz="2400" dirty="0" err="1" smtClean="0">
+                <a:latin typeface="Courier New" panose="02070309020205020404" pitchFamily="49" charset="0"/>
+                <a:cs typeface="Courier New" panose="02070309020205020404" pitchFamily="49" charset="0"/>
+              </a:rPr>
+              <a:t>transformResponse.push</a:t>
+            </a:r>
+            <a:r>
+              <a:rPr lang="en-GB" sz="2400" dirty="0" smtClean="0">
+                <a:latin typeface="Courier New" panose="02070309020205020404" pitchFamily="49" charset="0"/>
+                <a:cs typeface="Courier New" panose="02070309020205020404" pitchFamily="49" charset="0"/>
+              </a:rPr>
+              <a:t>(</a:t>
+            </a:r>
+            <a:r>
+              <a:rPr lang="en-GB" sz="2400" dirty="0" err="1" smtClean="0">
+                <a:latin typeface="Courier New" panose="02070309020205020404" pitchFamily="49" charset="0"/>
+                <a:cs typeface="Courier New" panose="02070309020205020404" pitchFamily="49" charset="0"/>
+              </a:rPr>
+              <a:t>prepareResponse</a:t>
+            </a:r>
+            <a:r>
+              <a:rPr lang="en-GB" sz="2400" dirty="0">
+                <a:latin typeface="Courier New" panose="02070309020205020404" pitchFamily="49" charset="0"/>
+                <a:cs typeface="Courier New" panose="02070309020205020404" pitchFamily="49" charset="0"/>
+              </a:rPr>
+              <a:t>);</a:t>
+            </a:r>
+          </a:p>
+          <a:p>
+            <a:pPr marL="0" indent="0">
+              <a:buNone/>
+            </a:pPr>
+            <a:r>
+              <a:rPr lang="en-GB" sz="2400" dirty="0" smtClean="0">
+                <a:latin typeface="Courier New" panose="02070309020205020404" pitchFamily="49" charset="0"/>
+                <a:cs typeface="Courier New" panose="02070309020205020404" pitchFamily="49" charset="0"/>
+              </a:rPr>
+              <a:t>});</a:t>
+            </a:r>
+            <a:endParaRPr lang="en-GB" sz="2400" dirty="0">
+              <a:latin typeface="Courier New" panose="02070309020205020404" pitchFamily="49" charset="0"/>
+              <a:cs typeface="Courier New" panose="02070309020205020404" pitchFamily="49" charset="0"/>
+            </a:endParaRPr>
+          </a:p>
+          <a:p>
+            <a:pPr marL="0" indent="0">
+              <a:buNone/>
+            </a:pPr>
+            <a:endParaRPr lang="en-GB" sz="2400" dirty="0">
+              <a:latin typeface="Courier New" panose="02070309020205020404" pitchFamily="49" charset="0"/>
+              <a:cs typeface="Courier New" panose="02070309020205020404" pitchFamily="49" charset="0"/>
+            </a:endParaRPr>
+          </a:p>
+        </p:txBody>
+      </p:sp>
+      <p:sp>
+        <p:nvSpPr>
+          <p:cNvPr id="4" name="Rectangle 3"/>
+          <p:cNvSpPr/>
+          <p:nvPr/>
+        </p:nvSpPr>
+        <p:spPr>
+          <a:xfrm>
+            <a:off x="6480212" y="5877272"/>
+            <a:ext cx="2196244" cy="646331"/>
+          </a:xfrm>
+          <a:prstGeom prst="rect">
+            <a:avLst/>
+          </a:prstGeom>
+        </p:spPr>
+        <p:txBody>
+          <a:bodyPr wrap="square">
+            <a:spAutoFit/>
+          </a:bodyPr>
+          <a:lstStyle/>
+          <a:p>
+            <a:r>
+              <a:rPr lang="sr-Latn-RS" sz="3600" dirty="0" smtClean="0"/>
+              <a:t>Primer 1a</a:t>
+            </a:r>
           </a:p>
         </p:txBody>
       </p:sp>
     </p:spTree>
     <p:extLst>
       <p:ext uri="{BB962C8B-B14F-4D97-AF65-F5344CB8AC3E}">
-        <p14:creationId xmlns:p14="http://schemas.microsoft.com/office/powerpoint/2010/main" val="1680008850"/>
+        <p14:creationId xmlns:p14="http://schemas.microsoft.com/office/powerpoint/2010/main" val="1907737960"/>
       </p:ext>
     </p:extLst>
   </p:cSld>
@@ -5098,7 +5184,7 @@
           <a:p>
             <a:r>
               <a:rPr lang="sr-Latn-RS" dirty="0" smtClean="0"/>
-              <a:t>$http interseptori</a:t>
+              <a:t>Paginacija i transformacija zahteva</a:t>
             </a:r>
             <a:endParaRPr lang="en-GB" dirty="0"/>
           </a:p>
@@ -5116,227 +5202,27 @@
         </p:nvSpPr>
         <p:spPr/>
         <p:txBody>
-          <a:bodyPr>
-            <a:normAutofit/>
-          </a:bodyPr>
-          <a:lstStyle/>
-          <a:p>
-            <a:r>
-              <a:rPr lang="sr-Latn-RS" sz="2400" dirty="0" smtClean="0"/>
-              <a:t>$http servis omogućuje presretanje zahteva i odgovora</a:t>
-            </a:r>
-          </a:p>
-          <a:p>
-            <a:r>
-              <a:rPr lang="sr-Latn-RS" sz="2400" dirty="0" smtClean="0"/>
-              <a:t>Postoje dve vrste interseptora i dve vrste obrade grešaka</a:t>
+          <a:bodyPr/>
+          <a:lstStyle/>
+          <a:p>
+            <a:r>
+              <a:rPr lang="sr-Latn-RS" dirty="0" smtClean="0"/>
+              <a:t>Domaći zadataka:</a:t>
             </a:r>
           </a:p>
           <a:p>
             <a:pPr lvl="1"/>
             <a:r>
-              <a:rPr lang="en-GB" sz="2000" b="1" dirty="0"/>
-              <a:t>request</a:t>
-            </a:r>
-            <a:r>
-              <a:rPr lang="en-GB" sz="2000" dirty="0"/>
-              <a:t>: </a:t>
-            </a:r>
-            <a:r>
-              <a:rPr lang="sr-Latn-RS" sz="2000" dirty="0" smtClean="0"/>
-              <a:t>funkcije koji se pozivaju sa config objektom</a:t>
-            </a:r>
-            <a:r>
-              <a:rPr lang="en-GB" sz="2000" dirty="0" smtClean="0"/>
-              <a:t>.</a:t>
-            </a:r>
-            <a:r>
-              <a:rPr lang="sr-Latn-RS" sz="2000" dirty="0" smtClean="0"/>
-              <a:t> Ove funkcije mogu da modifikuju config objekat ili da kreiraju novi</a:t>
-            </a:r>
-            <a:r>
-              <a:rPr lang="en-GB" sz="2000" dirty="0" smtClean="0"/>
-              <a:t>. </a:t>
-            </a:r>
-            <a:r>
-              <a:rPr lang="sr-Latn-RS" sz="2000" dirty="0" smtClean="0"/>
-              <a:t>Mogu da vrate config objekat ili promise config objekta.</a:t>
-            </a:r>
-            <a:endParaRPr lang="en-GB" sz="2000" dirty="0"/>
-          </a:p>
-          <a:p>
-            <a:pPr lvl="1"/>
-            <a:r>
-              <a:rPr lang="en-GB" sz="2000" b="1" dirty="0" err="1"/>
-              <a:t>requestError</a:t>
-            </a:r>
-            <a:r>
-              <a:rPr lang="en-GB" sz="2000" dirty="0"/>
-              <a:t>: </a:t>
-            </a:r>
-            <a:r>
-              <a:rPr lang="sr-Latn-RS" sz="2000" dirty="0" smtClean="0"/>
-              <a:t>funkcije koje se pozivaju ukoliko je bio izuzetak u request interseptoru ili ukoliko je promise config objekta razrešen sa reject</a:t>
-            </a:r>
-            <a:r>
-              <a:rPr lang="en-GB" sz="2000" dirty="0" smtClean="0"/>
-              <a:t>.</a:t>
-            </a:r>
-            <a:endParaRPr lang="en-GB" sz="2000" dirty="0"/>
-          </a:p>
-          <a:p>
-            <a:pPr lvl="1"/>
-            <a:r>
-              <a:rPr lang="en-GB" sz="2000" b="1" dirty="0"/>
-              <a:t>response</a:t>
-            </a:r>
-            <a:r>
-              <a:rPr lang="en-GB" sz="2000" dirty="0"/>
-              <a:t>: </a:t>
-            </a:r>
-            <a:r>
-              <a:rPr lang="sr-Latn-RS" sz="2000" dirty="0" smtClean="0"/>
-              <a:t>funkcije koje se pozivaju nad response objektom</a:t>
-            </a:r>
-            <a:r>
-              <a:rPr lang="en-GB" sz="2000" dirty="0" smtClean="0"/>
-              <a:t>. </a:t>
-            </a:r>
-            <a:r>
-              <a:rPr lang="sr-Latn-RS" sz="2000" dirty="0" smtClean="0"/>
-              <a:t>Funkcija može da modifikuje response objekat ili da kreira novi. Funkcija može da vrati ili response objekat ili promise response objekta</a:t>
-            </a:r>
-            <a:r>
-              <a:rPr lang="en-GB" sz="2000" dirty="0" smtClean="0"/>
-              <a:t>.</a:t>
-            </a:r>
-            <a:endParaRPr lang="en-GB" sz="2000" dirty="0"/>
-          </a:p>
-          <a:p>
-            <a:pPr lvl="1"/>
-            <a:r>
-              <a:rPr lang="en-GB" sz="2000" b="1" dirty="0" err="1"/>
-              <a:t>responseError</a:t>
-            </a:r>
-            <a:r>
-              <a:rPr lang="en-GB" sz="2000" dirty="0"/>
-              <a:t>: </a:t>
-            </a:r>
-            <a:r>
-              <a:rPr lang="en-GB" sz="2000" dirty="0" err="1"/>
-              <a:t>funkcije</a:t>
-            </a:r>
-            <a:r>
-              <a:rPr lang="en-GB" sz="2000" dirty="0"/>
-              <a:t> </a:t>
-            </a:r>
-            <a:r>
-              <a:rPr lang="en-GB" sz="2000" dirty="0" err="1"/>
-              <a:t>koje</a:t>
-            </a:r>
-            <a:r>
-              <a:rPr lang="en-GB" sz="2000" dirty="0"/>
-              <a:t> se </a:t>
-            </a:r>
-            <a:r>
-              <a:rPr lang="en-GB" sz="2000" dirty="0" err="1"/>
-              <a:t>pozivaju</a:t>
-            </a:r>
-            <a:r>
-              <a:rPr lang="en-GB" sz="2000" dirty="0"/>
-              <a:t> </a:t>
-            </a:r>
-            <a:r>
-              <a:rPr lang="en-GB" sz="2000" dirty="0" err="1"/>
-              <a:t>ukoliko</a:t>
-            </a:r>
-            <a:r>
-              <a:rPr lang="en-GB" sz="2000" dirty="0"/>
-              <a:t> je bio </a:t>
-            </a:r>
-            <a:r>
-              <a:rPr lang="en-GB" sz="2000" dirty="0" err="1"/>
-              <a:t>izuzetak</a:t>
-            </a:r>
-            <a:r>
-              <a:rPr lang="en-GB" sz="2000" dirty="0"/>
-              <a:t> u </a:t>
-            </a:r>
-            <a:r>
-              <a:rPr lang="sr-Latn-RS" sz="2000" dirty="0" smtClean="0"/>
-              <a:t>response</a:t>
-            </a:r>
-            <a:r>
-              <a:rPr lang="en-GB" sz="2000" dirty="0" smtClean="0"/>
-              <a:t> </a:t>
-            </a:r>
-            <a:r>
-              <a:rPr lang="en-GB" sz="2000" dirty="0" err="1"/>
-              <a:t>interseptoru</a:t>
-            </a:r>
-            <a:r>
-              <a:rPr lang="en-GB" sz="2000" dirty="0"/>
-              <a:t> </a:t>
-            </a:r>
-            <a:r>
-              <a:rPr lang="en-GB" sz="2000" dirty="0" err="1"/>
-              <a:t>ili</a:t>
-            </a:r>
-            <a:r>
-              <a:rPr lang="en-GB" sz="2000" dirty="0"/>
-              <a:t> </a:t>
-            </a:r>
-            <a:r>
-              <a:rPr lang="en-GB" sz="2000" dirty="0" err="1"/>
-              <a:t>ukoliko</a:t>
-            </a:r>
-            <a:r>
-              <a:rPr lang="en-GB" sz="2000" dirty="0"/>
-              <a:t> je promise </a:t>
-            </a:r>
-            <a:r>
-              <a:rPr lang="en-GB" sz="2000" dirty="0" err="1"/>
-              <a:t>config</a:t>
-            </a:r>
-            <a:r>
-              <a:rPr lang="en-GB" sz="2000" dirty="0"/>
-              <a:t> </a:t>
-            </a:r>
-            <a:r>
-              <a:rPr lang="en-GB" sz="2000" dirty="0" err="1"/>
-              <a:t>objekta</a:t>
-            </a:r>
-            <a:r>
-              <a:rPr lang="en-GB" sz="2000" dirty="0"/>
-              <a:t> </a:t>
-            </a:r>
-            <a:r>
-              <a:rPr lang="en-GB" sz="2000" dirty="0" err="1"/>
-              <a:t>razrešen</a:t>
-            </a:r>
-            <a:r>
-              <a:rPr lang="en-GB" sz="2000" dirty="0"/>
-              <a:t> </a:t>
-            </a:r>
-            <a:r>
-              <a:rPr lang="en-GB" sz="2000" dirty="0" err="1"/>
-              <a:t>sa</a:t>
-            </a:r>
-            <a:r>
-              <a:rPr lang="en-GB" sz="2000" dirty="0"/>
-              <a:t> reject.</a:t>
-            </a:r>
-            <a:endParaRPr lang="en-GB" sz="2000" dirty="0"/>
-          </a:p>
-          <a:p>
-            <a:endParaRPr lang="en-GB" sz="2400" dirty="0"/>
+              <a:rPr lang="sr-Latn-RS" dirty="0" smtClean="0"/>
+              <a:t>Postaviti da previous i next polja budu disabled kada smo na prvoj odnosno poslednjoj stranici</a:t>
+            </a:r>
           </a:p>
         </p:txBody>
       </p:sp>
     </p:spTree>
     <p:extLst>
       <p:ext uri="{BB962C8B-B14F-4D97-AF65-F5344CB8AC3E}">
-        <p14:creationId xmlns:p14="http://schemas.microsoft.com/office/powerpoint/2010/main" val="1247965291"/>
+        <p14:creationId xmlns:p14="http://schemas.microsoft.com/office/powerpoint/2010/main" val="1680008850"/>
       </p:ext>
     </p:extLst>
   </p:cSld>
@@ -5485,7 +5371,7 @@
           <a:p>
             <a:r>
               <a:rPr lang="sr-Latn-RS" dirty="0" smtClean="0"/>
-              <a:t>Interceptor vs. transform</a:t>
+              <a:t>$http interceptori</a:t>
             </a:r>
             <a:endParaRPr lang="en-GB" dirty="0"/>
           </a:p>
@@ -5509,29 +5395,224 @@
           <a:lstStyle/>
           <a:p>
             <a:r>
-              <a:rPr lang="sr-Latn-RS" dirty="0" smtClean="0"/>
-              <a:t>Transform može da se pozove jedino neposredno pre slanja zahteva ili obrade odgovora</a:t>
-            </a:r>
-          </a:p>
-          <a:p>
-            <a:r>
-              <a:rPr lang="sr-Latn-RS" dirty="0" smtClean="0"/>
-              <a:t>Transform ima pristup jedino podacima i zaglavljima request/response objekta, dok interceptor ima pristup i config objektu</a:t>
-            </a:r>
-          </a:p>
-          <a:p>
-            <a:r>
-              <a:rPr lang="sr-Latn-RS" smtClean="0"/>
-              <a:t>Tipičan primer upotrebe interceptora je obrada grešaka</a:t>
-            </a:r>
-            <a:endParaRPr lang="sr-Latn-RS" dirty="0" smtClean="0"/>
+              <a:rPr lang="sr-Latn-RS" sz="2400" dirty="0" smtClean="0"/>
+              <a:t>$http servis omogućuje presretanje zahteva i odgovora</a:t>
+            </a:r>
+          </a:p>
+          <a:p>
+            <a:r>
+              <a:rPr lang="sr-Latn-RS" sz="2400" dirty="0" smtClean="0"/>
+              <a:t>Postoje dve vrste interceptora i dve vrste obrade grešaka</a:t>
+            </a:r>
+          </a:p>
+          <a:p>
+            <a:pPr lvl="1"/>
+            <a:r>
+              <a:rPr lang="en-GB" sz="2000" b="1" dirty="0"/>
+              <a:t>request</a:t>
+            </a:r>
+            <a:r>
+              <a:rPr lang="en-GB" sz="2000" dirty="0"/>
+              <a:t>: </a:t>
+            </a:r>
+            <a:r>
+              <a:rPr lang="sr-Latn-RS" sz="2000" dirty="0" smtClean="0"/>
+              <a:t>funkcije koji se pozivaju sa config objektom kao parametrom</a:t>
+            </a:r>
+            <a:r>
+              <a:rPr lang="en-GB" sz="2000" dirty="0" smtClean="0"/>
+              <a:t>.</a:t>
+            </a:r>
+            <a:r>
+              <a:rPr lang="sr-Latn-RS" sz="2000" dirty="0" smtClean="0"/>
+              <a:t> Ove funkcije mogu da modifikuju config objekat ili da kreiraju novi</a:t>
+            </a:r>
+            <a:r>
+              <a:rPr lang="en-GB" sz="2000" dirty="0" smtClean="0"/>
+              <a:t>. </a:t>
+            </a:r>
+            <a:r>
+              <a:rPr lang="sr-Latn-RS" sz="2000" dirty="0" smtClean="0"/>
+              <a:t>Mogu da vrate config objekat ili promise config objekta.</a:t>
+            </a:r>
+            <a:endParaRPr lang="en-GB" sz="2000" dirty="0"/>
+          </a:p>
+          <a:p>
+            <a:pPr lvl="1"/>
+            <a:r>
+              <a:rPr lang="en-GB" sz="2000" b="1" dirty="0" err="1"/>
+              <a:t>requestError</a:t>
+            </a:r>
+            <a:r>
+              <a:rPr lang="en-GB" sz="2000" dirty="0"/>
+              <a:t>: </a:t>
+            </a:r>
+            <a:r>
+              <a:rPr lang="sr-Latn-RS" sz="2000" dirty="0" smtClean="0"/>
+              <a:t>funkcije koje se pozivaju ukoliko je bio izuzetak u request interceptoru ili ukoliko je promise config objekta razrešen kao reject</a:t>
+            </a:r>
+            <a:r>
+              <a:rPr lang="en-GB" sz="2000" dirty="0" smtClean="0"/>
+              <a:t>.</a:t>
+            </a:r>
+            <a:endParaRPr lang="en-GB" sz="2000" dirty="0"/>
+          </a:p>
+          <a:p>
+            <a:pPr lvl="1"/>
+            <a:r>
+              <a:rPr lang="en-GB" sz="2000" b="1" dirty="0"/>
+              <a:t>response</a:t>
+            </a:r>
+            <a:r>
+              <a:rPr lang="en-GB" sz="2000" dirty="0"/>
+              <a:t>: </a:t>
+            </a:r>
+            <a:r>
+              <a:rPr lang="sr-Latn-RS" sz="2000" dirty="0" smtClean="0"/>
+              <a:t>funkcije koje se pozivaju nad response objektom</a:t>
+            </a:r>
+            <a:r>
+              <a:rPr lang="en-GB" sz="2000" dirty="0" smtClean="0"/>
+              <a:t>. </a:t>
+            </a:r>
+            <a:r>
+              <a:rPr lang="sr-Latn-RS" sz="2000" dirty="0" smtClean="0"/>
+              <a:t>Funkcija može da modifikuje response objekat ili da kreira novi. Funkcija može da vrati ili response objekat ili promise response objekta</a:t>
+            </a:r>
+            <a:r>
+              <a:rPr lang="en-GB" sz="2000" dirty="0" smtClean="0"/>
+              <a:t>.</a:t>
+            </a:r>
+            <a:endParaRPr lang="en-GB" sz="2000" dirty="0"/>
+          </a:p>
+          <a:p>
+            <a:pPr lvl="1"/>
+            <a:r>
+              <a:rPr lang="en-GB" sz="2000" b="1" dirty="0" err="1"/>
+              <a:t>responseError</a:t>
+            </a:r>
+            <a:r>
+              <a:rPr lang="en-GB" sz="2000" dirty="0"/>
+              <a:t>: </a:t>
+            </a:r>
+            <a:r>
+              <a:rPr lang="en-GB" sz="2000" dirty="0" err="1"/>
+              <a:t>funkcije</a:t>
+            </a:r>
+            <a:r>
+              <a:rPr lang="en-GB" sz="2000" dirty="0"/>
+              <a:t> </a:t>
+            </a:r>
+            <a:r>
+              <a:rPr lang="en-GB" sz="2000" dirty="0" err="1"/>
+              <a:t>koje</a:t>
+            </a:r>
+            <a:r>
+              <a:rPr lang="en-GB" sz="2000" dirty="0"/>
+              <a:t> se </a:t>
+            </a:r>
+            <a:r>
+              <a:rPr lang="en-GB" sz="2000" dirty="0" err="1"/>
+              <a:t>pozivaju</a:t>
+            </a:r>
+            <a:r>
+              <a:rPr lang="en-GB" sz="2000" dirty="0"/>
+              <a:t> </a:t>
+            </a:r>
+            <a:r>
+              <a:rPr lang="en-GB" sz="2000" dirty="0" err="1"/>
+              <a:t>ukoliko</a:t>
+            </a:r>
+            <a:r>
+              <a:rPr lang="en-GB" sz="2000" dirty="0"/>
+              <a:t> je bio </a:t>
+            </a:r>
+            <a:r>
+              <a:rPr lang="en-GB" sz="2000" dirty="0" err="1"/>
+              <a:t>izuzetak</a:t>
+            </a:r>
+            <a:r>
+              <a:rPr lang="en-GB" sz="2000" dirty="0"/>
+              <a:t> u </a:t>
+            </a:r>
+            <a:r>
+              <a:rPr lang="sr-Latn-RS" sz="2000" dirty="0" smtClean="0"/>
+              <a:t>response</a:t>
+            </a:r>
+            <a:r>
+              <a:rPr lang="en-GB" sz="2000" dirty="0" smtClean="0"/>
+              <a:t> inter</a:t>
+            </a:r>
+            <a:r>
+              <a:rPr lang="sr-Latn-RS" sz="2000" dirty="0" smtClean="0"/>
+              <a:t>c</a:t>
+            </a:r>
+            <a:r>
+              <a:rPr lang="en-GB" sz="2000" dirty="0" err="1" smtClean="0"/>
+              <a:t>eptoru</a:t>
+            </a:r>
+            <a:r>
+              <a:rPr lang="en-GB" sz="2000" dirty="0" smtClean="0"/>
+              <a:t> </a:t>
+            </a:r>
+            <a:r>
+              <a:rPr lang="en-GB" sz="2000" dirty="0" err="1"/>
+              <a:t>ili</a:t>
+            </a:r>
+            <a:r>
+              <a:rPr lang="en-GB" sz="2000" dirty="0"/>
+              <a:t> </a:t>
+            </a:r>
+            <a:r>
+              <a:rPr lang="en-GB" sz="2000" dirty="0" err="1"/>
+              <a:t>ukoliko</a:t>
+            </a:r>
+            <a:r>
+              <a:rPr lang="en-GB" sz="2000" dirty="0"/>
+              <a:t> je promise </a:t>
+            </a:r>
+            <a:r>
+              <a:rPr lang="en-GB" sz="2000" dirty="0" err="1"/>
+              <a:t>config</a:t>
+            </a:r>
+            <a:r>
+              <a:rPr lang="en-GB" sz="2000" dirty="0"/>
+              <a:t> </a:t>
+            </a:r>
+            <a:r>
+              <a:rPr lang="en-GB" sz="2000" dirty="0" err="1"/>
+              <a:t>objekta</a:t>
+            </a:r>
+            <a:r>
+              <a:rPr lang="en-GB" sz="2000" dirty="0"/>
+              <a:t> </a:t>
+            </a:r>
+            <a:r>
+              <a:rPr lang="en-GB" sz="2000" dirty="0" err="1"/>
+              <a:t>razrešen</a:t>
+            </a:r>
+            <a:r>
+              <a:rPr lang="en-GB" sz="2000" dirty="0"/>
+              <a:t> </a:t>
+            </a:r>
+            <a:r>
+              <a:rPr lang="en-GB" sz="2000" dirty="0" err="1"/>
+              <a:t>sa</a:t>
+            </a:r>
+            <a:r>
+              <a:rPr lang="en-GB" sz="2000" dirty="0"/>
+              <a:t> reject.</a:t>
+            </a:r>
+          </a:p>
+          <a:p>
+            <a:endParaRPr lang="en-GB" sz="2400" dirty="0"/>
           </a:p>
         </p:txBody>
       </p:sp>
     </p:spTree>
     <p:extLst>
       <p:ext uri="{BB962C8B-B14F-4D97-AF65-F5344CB8AC3E}">
-        <p14:creationId xmlns:p14="http://schemas.microsoft.com/office/powerpoint/2010/main" val="1829919051"/>
+        <p14:creationId xmlns:p14="http://schemas.microsoft.com/office/powerpoint/2010/main" val="1247965291"/>
       </p:ext>
     </p:extLst>
   </p:cSld>
@@ -5577,290 +5658,58 @@
         </p:nvSpPr>
         <p:spPr/>
         <p:txBody>
+          <a:bodyPr/>
+          <a:lstStyle/>
+          <a:p>
+            <a:r>
+              <a:rPr lang="sr-Latn-RS" dirty="0" smtClean="0"/>
+              <a:t>Interceptor vs. transform</a:t>
+            </a:r>
+            <a:endParaRPr lang="en-GB" dirty="0"/>
+          </a:p>
+        </p:txBody>
+      </p:sp>
+      <p:sp>
+        <p:nvSpPr>
+          <p:cNvPr id="3" name="Content Placeholder 2"/>
+          <p:cNvSpPr>
+            <a:spLocks noGrp="1"/>
+          </p:cNvSpPr>
+          <p:nvPr>
+            <p:ph idx="1"/>
+          </p:nvPr>
+        </p:nvSpPr>
+        <p:spPr/>
+        <p:txBody>
           <a:bodyPr>
-            <a:normAutofit fontScale="90000"/>
+            <a:normAutofit/>
           </a:bodyPr>
           <a:lstStyle/>
           <a:p>
             <a:r>
               <a:rPr lang="sr-Latn-RS" dirty="0" smtClean="0"/>
-              <a:t>Interceptor i obrada serverskih grešaka</a:t>
-            </a:r>
-            <a:endParaRPr lang="en-GB" dirty="0"/>
-          </a:p>
-        </p:txBody>
-      </p:sp>
-      <p:sp>
-        <p:nvSpPr>
-          <p:cNvPr id="3" name="Content Placeholder 2"/>
-          <p:cNvSpPr>
-            <a:spLocks noGrp="1"/>
-          </p:cNvSpPr>
-          <p:nvPr>
-            <p:ph idx="1"/>
-          </p:nvPr>
-        </p:nvSpPr>
-        <p:spPr/>
-        <p:txBody>
-          <a:bodyPr>
-            <a:noAutofit/>
-          </a:bodyPr>
-          <a:lstStyle/>
-          <a:p>
-            <a:pPr marL="0" indent="0">
-              <a:buNone/>
-            </a:pPr>
-            <a:r>
-              <a:rPr lang="en-GB" sz="1800" dirty="0">
-                <a:latin typeface="Courier New" panose="02070309020205020404" pitchFamily="49" charset="0"/>
-                <a:cs typeface="Courier New" panose="02070309020205020404" pitchFamily="49" charset="0"/>
-              </a:rPr>
-              <a:t>$</a:t>
-            </a:r>
-            <a:r>
-              <a:rPr lang="en-GB" sz="1800" dirty="0" err="1">
-                <a:latin typeface="Courier New" panose="02070309020205020404" pitchFamily="49" charset="0"/>
-                <a:cs typeface="Courier New" panose="02070309020205020404" pitchFamily="49" charset="0"/>
-              </a:rPr>
-              <a:t>httpProvider.interceptors.push</a:t>
-            </a:r>
-            <a:r>
-              <a:rPr lang="en-GB" sz="1800" dirty="0">
-                <a:latin typeface="Courier New" panose="02070309020205020404" pitchFamily="49" charset="0"/>
-                <a:cs typeface="Courier New" panose="02070309020205020404" pitchFamily="49" charset="0"/>
-              </a:rPr>
-              <a:t>(function ($q) {</a:t>
-            </a:r>
-          </a:p>
-          <a:p>
-            <a:pPr marL="0" indent="0">
-              <a:buNone/>
-            </a:pPr>
-            <a:r>
-              <a:rPr lang="en-GB" sz="1800" dirty="0">
-                <a:latin typeface="Courier New" panose="02070309020205020404" pitchFamily="49" charset="0"/>
-                <a:cs typeface="Courier New" panose="02070309020205020404" pitchFamily="49" charset="0"/>
-              </a:rPr>
-              <a:t>    return {</a:t>
-            </a:r>
-          </a:p>
-          <a:p>
-            <a:pPr marL="0" indent="0">
-              <a:buNone/>
-            </a:pPr>
-            <a:r>
-              <a:rPr lang="en-GB" sz="1800" dirty="0">
-                <a:latin typeface="Courier New" panose="02070309020205020404" pitchFamily="49" charset="0"/>
-                <a:cs typeface="Courier New" panose="02070309020205020404" pitchFamily="49" charset="0"/>
-              </a:rPr>
-              <a:t>        'response': function (response) {</a:t>
-            </a:r>
-          </a:p>
-          <a:p>
-            <a:pPr marL="0" indent="0">
-              <a:buNone/>
-            </a:pPr>
-            <a:r>
-              <a:rPr lang="en-GB" sz="1800" dirty="0">
-                <a:latin typeface="Courier New" panose="02070309020205020404" pitchFamily="49" charset="0"/>
-                <a:cs typeface="Courier New" panose="02070309020205020404" pitchFamily="49" charset="0"/>
-              </a:rPr>
-              <a:t>            return response;</a:t>
-            </a:r>
-          </a:p>
-          <a:p>
-            <a:pPr marL="0" indent="0">
-              <a:buNone/>
-            </a:pPr>
-            <a:r>
-              <a:rPr lang="en-GB" sz="1800" dirty="0">
-                <a:latin typeface="Courier New" panose="02070309020205020404" pitchFamily="49" charset="0"/>
-                <a:cs typeface="Courier New" panose="02070309020205020404" pitchFamily="49" charset="0"/>
-              </a:rPr>
-              <a:t>        },</a:t>
-            </a:r>
-          </a:p>
-          <a:p>
-            <a:pPr marL="0" indent="0">
-              <a:buNone/>
-            </a:pPr>
-            <a:r>
-              <a:rPr lang="en-GB" sz="1800" dirty="0">
-                <a:latin typeface="Courier New" panose="02070309020205020404" pitchFamily="49" charset="0"/>
-                <a:cs typeface="Courier New" panose="02070309020205020404" pitchFamily="49" charset="0"/>
-              </a:rPr>
-              <a:t>        '</a:t>
-            </a:r>
-            <a:r>
-              <a:rPr lang="en-GB" sz="1800" dirty="0" err="1">
-                <a:latin typeface="Courier New" panose="02070309020205020404" pitchFamily="49" charset="0"/>
-                <a:cs typeface="Courier New" panose="02070309020205020404" pitchFamily="49" charset="0"/>
-              </a:rPr>
-              <a:t>responseError</a:t>
-            </a:r>
-            <a:r>
-              <a:rPr lang="en-GB" sz="1800" dirty="0">
-                <a:latin typeface="Courier New" panose="02070309020205020404" pitchFamily="49" charset="0"/>
-                <a:cs typeface="Courier New" panose="02070309020205020404" pitchFamily="49" charset="0"/>
-              </a:rPr>
-              <a:t>': function (rejection) {</a:t>
-            </a:r>
-          </a:p>
-          <a:p>
-            <a:pPr marL="0" indent="0">
-              <a:buNone/>
-            </a:pPr>
-            <a:r>
-              <a:rPr lang="en-GB" sz="1800" dirty="0">
-                <a:latin typeface="Courier New" panose="02070309020205020404" pitchFamily="49" charset="0"/>
-                <a:cs typeface="Courier New" panose="02070309020205020404" pitchFamily="49" charset="0"/>
-              </a:rPr>
-              <a:t>            if(</a:t>
-            </a:r>
-            <a:r>
-              <a:rPr lang="en-GB" sz="1800" dirty="0" err="1">
-                <a:latin typeface="Courier New" panose="02070309020205020404" pitchFamily="49" charset="0"/>
-                <a:cs typeface="Courier New" panose="02070309020205020404" pitchFamily="49" charset="0"/>
-              </a:rPr>
-              <a:t>rejection.status</a:t>
-            </a:r>
-            <a:r>
-              <a:rPr lang="en-GB" sz="1800" dirty="0">
-                <a:latin typeface="Courier New" panose="02070309020205020404" pitchFamily="49" charset="0"/>
-                <a:cs typeface="Courier New" panose="02070309020205020404" pitchFamily="49" charset="0"/>
-              </a:rPr>
-              <a:t> === 500) {</a:t>
-            </a:r>
-          </a:p>
-          <a:p>
-            <a:pPr marL="0" indent="0">
-              <a:buNone/>
-            </a:pPr>
-            <a:r>
-              <a:rPr lang="en-GB" sz="1800" dirty="0">
-                <a:latin typeface="Courier New" panose="02070309020205020404" pitchFamily="49" charset="0"/>
-                <a:cs typeface="Courier New" panose="02070309020205020404" pitchFamily="49" charset="0"/>
-              </a:rPr>
-              <a:t>                alert('server error!');</a:t>
-            </a:r>
-          </a:p>
-          <a:p>
-            <a:pPr marL="0" indent="0">
-              <a:buNone/>
-            </a:pPr>
-            <a:r>
-              <a:rPr lang="en-GB" sz="1800" dirty="0">
-                <a:latin typeface="Courier New" panose="02070309020205020404" pitchFamily="49" charset="0"/>
-                <a:cs typeface="Courier New" panose="02070309020205020404" pitchFamily="49" charset="0"/>
-              </a:rPr>
-              <a:t>            }</a:t>
-            </a:r>
-          </a:p>
-          <a:p>
-            <a:pPr marL="0" indent="0">
-              <a:buNone/>
-            </a:pPr>
-            <a:r>
-              <a:rPr lang="en-GB" sz="1800" dirty="0">
-                <a:latin typeface="Courier New" panose="02070309020205020404" pitchFamily="49" charset="0"/>
-                <a:cs typeface="Courier New" panose="02070309020205020404" pitchFamily="49" charset="0"/>
-              </a:rPr>
-              <a:t>            return $</a:t>
-            </a:r>
-            <a:r>
-              <a:rPr lang="en-GB" sz="1800" dirty="0" err="1">
-                <a:latin typeface="Courier New" panose="02070309020205020404" pitchFamily="49" charset="0"/>
-                <a:cs typeface="Courier New" panose="02070309020205020404" pitchFamily="49" charset="0"/>
-              </a:rPr>
-              <a:t>q.reject</a:t>
-            </a:r>
-            <a:r>
-              <a:rPr lang="en-GB" sz="1800" dirty="0">
-                <a:latin typeface="Courier New" panose="02070309020205020404" pitchFamily="49" charset="0"/>
-                <a:cs typeface="Courier New" panose="02070309020205020404" pitchFamily="49" charset="0"/>
-              </a:rPr>
-              <a:t>(rejection);</a:t>
-            </a:r>
-          </a:p>
-          <a:p>
-            <a:pPr marL="0" indent="0">
-              <a:buNone/>
-            </a:pPr>
-            <a:r>
-              <a:rPr lang="en-GB" sz="1800" dirty="0">
-                <a:latin typeface="Courier New" panose="02070309020205020404" pitchFamily="49" charset="0"/>
-                <a:cs typeface="Courier New" panose="02070309020205020404" pitchFamily="49" charset="0"/>
-              </a:rPr>
-              <a:t>        }</a:t>
-            </a:r>
-          </a:p>
-          <a:p>
-            <a:pPr marL="0" indent="0">
-              <a:buNone/>
-            </a:pPr>
-            <a:r>
-              <a:rPr lang="en-GB" sz="1800" dirty="0">
-                <a:latin typeface="Courier New" panose="02070309020205020404" pitchFamily="49" charset="0"/>
-                <a:cs typeface="Courier New" panose="02070309020205020404" pitchFamily="49" charset="0"/>
-              </a:rPr>
-              <a:t>    };</a:t>
-            </a:r>
-          </a:p>
-          <a:p>
-            <a:pPr marL="0" indent="0">
-              <a:buNone/>
-            </a:pPr>
-            <a:r>
-              <a:rPr lang="en-GB" sz="1800" dirty="0">
-                <a:latin typeface="Courier New" panose="02070309020205020404" pitchFamily="49" charset="0"/>
-                <a:cs typeface="Courier New" panose="02070309020205020404" pitchFamily="49" charset="0"/>
-              </a:rPr>
-              <a:t>});</a:t>
-            </a:r>
-          </a:p>
-          <a:p>
-            <a:pPr marL="0" indent="0">
-              <a:buNone/>
-            </a:pPr>
-            <a:endParaRPr lang="en-GB" sz="1800" dirty="0">
-              <a:latin typeface="Courier New" panose="02070309020205020404" pitchFamily="49" charset="0"/>
-              <a:cs typeface="Courier New" panose="02070309020205020404" pitchFamily="49" charset="0"/>
-            </a:endParaRPr>
-          </a:p>
-        </p:txBody>
-      </p:sp>
-      <p:sp>
-        <p:nvSpPr>
-          <p:cNvPr id="4" name="Rectangle 3"/>
-          <p:cNvSpPr/>
-          <p:nvPr/>
-        </p:nvSpPr>
-        <p:spPr>
-          <a:xfrm>
-            <a:off x="6480212" y="5877272"/>
-            <a:ext cx="2196244" cy="646331"/>
-          </a:xfrm>
-          <a:prstGeom prst="rect">
-            <a:avLst/>
-          </a:prstGeom>
-        </p:spPr>
-        <p:txBody>
-          <a:bodyPr wrap="square">
-            <a:spAutoFit/>
-          </a:bodyPr>
-          <a:lstStyle/>
-          <a:p>
-            <a:r>
-              <a:rPr lang="sr-Latn-RS" sz="3600" dirty="0" smtClean="0"/>
-              <a:t>Primer 1a</a:t>
-            </a:r>
+              <a:t>Transform može da se pozove jedino neposredno pre slanja zahteva ili obrade odgovora</a:t>
+            </a:r>
+          </a:p>
+          <a:p>
+            <a:r>
+              <a:rPr lang="sr-Latn-RS" dirty="0" smtClean="0"/>
+              <a:t>Transform ima pristup jedino podacima i zaglavljima request/response objekta, dok interceptor ima pristup i config objektu</a:t>
+            </a:r>
+          </a:p>
+          <a:p>
+            <a:r>
+              <a:rPr lang="sr-Latn-RS" smtClean="0"/>
+              <a:t>Tipičan primer upotrebe interceptora je obrada grešaka</a:t>
+            </a:r>
+            <a:endParaRPr lang="sr-Latn-RS" dirty="0" smtClean="0"/>
           </a:p>
         </p:txBody>
       </p:sp>
     </p:spTree>
     <p:extLst>
       <p:ext uri="{BB962C8B-B14F-4D97-AF65-F5344CB8AC3E}">
-        <p14:creationId xmlns:p14="http://schemas.microsoft.com/office/powerpoint/2010/main" val="1399387984"/>
+        <p14:creationId xmlns:p14="http://schemas.microsoft.com/office/powerpoint/2010/main" val="1829919051"/>
       </p:ext>
     </p:extLst>
   </p:cSld>
@@ -5906,12 +5755,14 @@
         </p:nvSpPr>
         <p:spPr/>
         <p:txBody>
-          <a:bodyPr/>
-          <a:lstStyle/>
-          <a:p>
-            <a:r>
-              <a:rPr lang="sr-Latn-RS" dirty="0" smtClean="0"/>
-              <a:t>$resource</a:t>
+          <a:bodyPr>
+            <a:normAutofit fontScale="90000"/>
+          </a:bodyPr>
+          <a:lstStyle/>
+          <a:p>
+            <a:r>
+              <a:rPr lang="sr-Latn-RS" dirty="0" smtClean="0"/>
+              <a:t>Interceptor i obrada serverskih grešaka</a:t>
             </a:r>
             <a:endParaRPr lang="en-GB" dirty="0"/>
           </a:p>
@@ -5930,133 +5781,66 @@
         <p:spPr/>
         <p:txBody>
           <a:bodyPr>
-            <a:normAutofit fontScale="85000" lnSpcReduction="20000"/>
+            <a:noAutofit/>
           </a:bodyPr>
           <a:lstStyle/>
           <a:p>
-            <a:r>
-              <a:rPr lang="sr-Latn-RS" dirty="0" smtClean="0"/>
-              <a:t>Wrapper oko $http koji je specijalno namenjen za pozive REST servisa</a:t>
-            </a:r>
-          </a:p>
-          <a:p>
-            <a:r>
-              <a:rPr lang="sr-Latn-RS" dirty="0" smtClean="0"/>
-              <a:t>Omogućuje nam da REST pozive posmatramo kroz </a:t>
-            </a:r>
-            <a:r>
-              <a:rPr lang="en-GB" dirty="0" err="1" smtClean="0"/>
-              <a:t>manipulisanje</a:t>
-            </a:r>
-            <a:r>
-              <a:rPr lang="en-GB" dirty="0" smtClean="0"/>
-              <a:t> </a:t>
-            </a:r>
-            <a:r>
-              <a:rPr lang="sr-Latn-RS" dirty="0" smtClean="0"/>
-              <a:t>objekt</a:t>
-            </a:r>
-            <a:r>
-              <a:rPr lang="en-GB" dirty="0" err="1" smtClean="0"/>
-              <a:t>ima</a:t>
-            </a:r>
-            <a:r>
-              <a:rPr lang="sr-Latn-RS" dirty="0" smtClean="0"/>
-              <a:t> (resursima) i metoda</a:t>
-            </a:r>
-            <a:r>
-              <a:rPr lang="en-GB" dirty="0" smtClean="0"/>
-              <a:t>ma </a:t>
-            </a:r>
-            <a:r>
-              <a:rPr lang="sr-Latn-RS" dirty="0" smtClean="0"/>
-              <a:t>nad njima, umesto kroz HTTP zahteve i odgovore</a:t>
-            </a:r>
-          </a:p>
-          <a:p>
-            <a:r>
-              <a:rPr lang="sr-Latn-RS" dirty="0" smtClean="0"/>
-              <a:t>$resource servis je distribuiran u posebnom fajlu (angular-resource.js) i u posebnom modulu (ngResource)</a:t>
-            </a:r>
-          </a:p>
-          <a:p>
-            <a:r>
-              <a:rPr lang="sr-Latn-RS" dirty="0" smtClean="0"/>
-              <a:t>Dodavanje angular-resource.js pomoću bower-a:</a:t>
-            </a:r>
-          </a:p>
-          <a:p>
-            <a:pPr marL="0" indent="0" algn="ctr">
+            <a:pPr marL="0" indent="0">
               <a:buNone/>
             </a:pPr>
             <a:r>
-              <a:rPr lang="en-GB" sz="2200" dirty="0">
-                <a:latin typeface="Courier New" panose="02070309020205020404" pitchFamily="49" charset="0"/>
-                <a:cs typeface="Courier New" panose="02070309020205020404" pitchFamily="49" charset="0"/>
-              </a:rPr>
-              <a:t>bower install angular-resource</a:t>
-            </a:r>
-            <a:r>
-              <a:rPr lang="sr-Latn-RS" sz="2200" dirty="0">
-                <a:latin typeface="Courier New" panose="02070309020205020404" pitchFamily="49" charset="0"/>
-                <a:cs typeface="Courier New" panose="02070309020205020404" pitchFamily="49" charset="0"/>
-              </a:rPr>
-              <a:t> </a:t>
-            </a:r>
-            <a:r>
-              <a:rPr lang="sr-Latn-RS" sz="2200" dirty="0" smtClean="0">
-                <a:latin typeface="Courier New" panose="02070309020205020404" pitchFamily="49" charset="0"/>
-                <a:cs typeface="Courier New" panose="02070309020205020404" pitchFamily="49" charset="0"/>
-              </a:rPr>
-              <a:t>–save</a:t>
-            </a:r>
-          </a:p>
-          <a:p>
-            <a:r>
-              <a:rPr lang="sr-Latn-RS" dirty="0" smtClean="0"/>
-              <a:t>Korišćenje</a:t>
-            </a:r>
-          </a:p>
-          <a:p>
-            <a:pPr marL="0" indent="0" algn="ctr">
+              <a:rPr lang="en-GB" sz="1800" dirty="0">
+                <a:latin typeface="Courier New" panose="02070309020205020404" pitchFamily="49" charset="0"/>
+                <a:cs typeface="Courier New" panose="02070309020205020404" pitchFamily="49" charset="0"/>
+              </a:rPr>
+              <a:t>$</a:t>
+            </a:r>
+            <a:r>
+              <a:rPr lang="en-GB" sz="1800" dirty="0" err="1">
+                <a:latin typeface="Courier New" panose="02070309020205020404" pitchFamily="49" charset="0"/>
+                <a:cs typeface="Courier New" panose="02070309020205020404" pitchFamily="49" charset="0"/>
+              </a:rPr>
+              <a:t>httpProvider.interceptors.push</a:t>
+            </a:r>
+            <a:r>
+              <a:rPr lang="en-GB" sz="1800" dirty="0">
+                <a:latin typeface="Courier New" panose="02070309020205020404" pitchFamily="49" charset="0"/>
+                <a:cs typeface="Courier New" panose="02070309020205020404" pitchFamily="49" charset="0"/>
+              </a:rPr>
+              <a:t>(function ($q) {</a:t>
+            </a:r>
+          </a:p>
+          <a:p>
+            <a:pPr marL="0" indent="0">
               <a:buNone/>
             </a:pPr>
             <a:r>
-              <a:rPr lang="en-GB" sz="2200" dirty="0">
-                <a:latin typeface="Courier New" panose="02070309020205020404" pitchFamily="49" charset="0"/>
-                <a:cs typeface="Courier New" panose="02070309020205020404" pitchFamily="49" charset="0"/>
-              </a:rPr>
-              <a:t>$resource(</a:t>
-            </a:r>
-            <a:r>
-              <a:rPr lang="en-GB" sz="2200" dirty="0" err="1">
-                <a:latin typeface="Courier New" panose="02070309020205020404" pitchFamily="49" charset="0"/>
-                <a:cs typeface="Courier New" panose="02070309020205020404" pitchFamily="49" charset="0"/>
-              </a:rPr>
-              <a:t>url</a:t>
-            </a:r>
-            <a:r>
-              <a:rPr lang="en-GB" sz="2200" dirty="0">
-                <a:latin typeface="Courier New" panose="02070309020205020404" pitchFamily="49" charset="0"/>
-                <a:cs typeface="Courier New" panose="02070309020205020404" pitchFamily="49" charset="0"/>
-              </a:rPr>
-              <a:t>, [</a:t>
-            </a:r>
-            <a:r>
-              <a:rPr lang="en-GB" sz="2200" dirty="0" err="1">
-                <a:latin typeface="Courier New" panose="02070309020205020404" pitchFamily="49" charset="0"/>
-                <a:cs typeface="Courier New" panose="02070309020205020404" pitchFamily="49" charset="0"/>
-              </a:rPr>
-              <a:t>paramDefaults</a:t>
-            </a:r>
-            <a:r>
-              <a:rPr lang="en-GB" sz="2200" dirty="0">
-                <a:latin typeface="Courier New" panose="02070309020205020404" pitchFamily="49" charset="0"/>
-                <a:cs typeface="Courier New" panose="02070309020205020404" pitchFamily="49" charset="0"/>
-              </a:rPr>
-              <a:t>], [actions], options);</a:t>
-            </a:r>
-            <a:endParaRPr lang="sr-Latn-RS" sz="2200" dirty="0">
+              <a:rPr lang="en-GB" sz="1800" dirty="0">
+                <a:latin typeface="Courier New" panose="02070309020205020404" pitchFamily="49" charset="0"/>
+                <a:cs typeface="Courier New" panose="02070309020205020404" pitchFamily="49" charset="0"/>
+              </a:rPr>
+              <a:t>    return {</a:t>
+            </a:r>
+          </a:p>
+          <a:p>
+            <a:pPr marL="0" indent="0">
+              <a:buNone/>
+            </a:pPr>
+            <a:r>
+              <a:rPr lang="en-GB" sz="1800" dirty="0">
+                <a:latin typeface="Courier New" panose="02070309020205020404" pitchFamily="49" charset="0"/>
+                <a:cs typeface="Courier New" panose="02070309020205020404" pitchFamily="49" charset="0"/>
+              </a:rPr>
+              <a:t>        'response': function (response) </a:t>
+            </a:r>
+            <a:r>
+              <a:rPr lang="en-GB" sz="1800" dirty="0" smtClean="0">
+                <a:latin typeface="Courier New" panose="02070309020205020404" pitchFamily="49" charset="0"/>
+                <a:cs typeface="Courier New" panose="02070309020205020404" pitchFamily="49" charset="0"/>
+              </a:rPr>
+              <a:t>{</a:t>
+            </a:r>
+            <a:endParaRPr lang="sr-Latn-RS" sz="1800" dirty="0" smtClean="0">
               <a:latin typeface="Courier New" panose="02070309020205020404" pitchFamily="49" charset="0"/>
               <a:cs typeface="Courier New" panose="02070309020205020404" pitchFamily="49" charset="0"/>
             </a:endParaRPr>
@@ -6065,14 +5849,228 @@
             <a:pPr marL="0" indent="0">
               <a:buNone/>
             </a:pPr>
-            <a:endParaRPr lang="en-GB" dirty="0"/>
+            <a:r>
+              <a:rPr lang="sr-Latn-RS" sz="1800" dirty="0">
+                <a:latin typeface="Courier New" panose="02070309020205020404" pitchFamily="49" charset="0"/>
+                <a:cs typeface="Courier New" panose="02070309020205020404" pitchFamily="49" charset="0"/>
+              </a:rPr>
+              <a:t>	</a:t>
+            </a:r>
+            <a:r>
+              <a:rPr lang="sr-Latn-RS" sz="1800" dirty="0" smtClean="0">
+                <a:latin typeface="Courier New" panose="02070309020205020404" pitchFamily="49" charset="0"/>
+                <a:cs typeface="Courier New" panose="02070309020205020404" pitchFamily="49" charset="0"/>
+              </a:rPr>
+              <a:t>	</a:t>
+            </a:r>
+            <a:r>
+              <a:rPr lang="en-GB" sz="1800" dirty="0" smtClean="0">
+                <a:latin typeface="Courier New" panose="02070309020205020404" pitchFamily="49" charset="0"/>
+                <a:cs typeface="Courier New" panose="02070309020205020404" pitchFamily="49" charset="0"/>
+              </a:rPr>
+              <a:t>return </a:t>
+            </a:r>
+            <a:r>
+              <a:rPr lang="en-GB" sz="1800" dirty="0">
+                <a:latin typeface="Courier New" panose="02070309020205020404" pitchFamily="49" charset="0"/>
+                <a:cs typeface="Courier New" panose="02070309020205020404" pitchFamily="49" charset="0"/>
+              </a:rPr>
+              <a:t>response;</a:t>
+            </a:r>
+          </a:p>
+          <a:p>
+            <a:pPr marL="0" indent="0">
+              <a:buNone/>
+            </a:pPr>
+            <a:r>
+              <a:rPr lang="en-GB" sz="1800" dirty="0">
+                <a:latin typeface="Courier New" panose="02070309020205020404" pitchFamily="49" charset="0"/>
+                <a:cs typeface="Courier New" panose="02070309020205020404" pitchFamily="49" charset="0"/>
+              </a:rPr>
+              <a:t>        },</a:t>
+            </a:r>
+          </a:p>
+          <a:p>
+            <a:pPr marL="0" indent="0">
+              <a:buNone/>
+            </a:pPr>
+            <a:r>
+              <a:rPr lang="en-GB" sz="1800" dirty="0">
+                <a:latin typeface="Courier New" panose="02070309020205020404" pitchFamily="49" charset="0"/>
+                <a:cs typeface="Courier New" panose="02070309020205020404" pitchFamily="49" charset="0"/>
+              </a:rPr>
+              <a:t>        '</a:t>
+            </a:r>
+            <a:r>
+              <a:rPr lang="en-GB" sz="1800" dirty="0" err="1">
+                <a:latin typeface="Courier New" panose="02070309020205020404" pitchFamily="49" charset="0"/>
+                <a:cs typeface="Courier New" panose="02070309020205020404" pitchFamily="49" charset="0"/>
+              </a:rPr>
+              <a:t>responseError</a:t>
+            </a:r>
+            <a:r>
+              <a:rPr lang="en-GB" sz="1800" dirty="0">
+                <a:latin typeface="Courier New" panose="02070309020205020404" pitchFamily="49" charset="0"/>
+                <a:cs typeface="Courier New" panose="02070309020205020404" pitchFamily="49" charset="0"/>
+              </a:rPr>
+              <a:t>': function (rejection) {</a:t>
+            </a:r>
+          </a:p>
+          <a:p>
+            <a:pPr marL="0" indent="0">
+              <a:buNone/>
+            </a:pPr>
+            <a:r>
+              <a:rPr lang="en-GB" sz="1800" dirty="0">
+                <a:latin typeface="Courier New" panose="02070309020205020404" pitchFamily="49" charset="0"/>
+                <a:cs typeface="Courier New" panose="02070309020205020404" pitchFamily="49" charset="0"/>
+              </a:rPr>
+              <a:t>            if(</a:t>
+            </a:r>
+            <a:r>
+              <a:rPr lang="en-GB" sz="1800" dirty="0" err="1">
+                <a:latin typeface="Courier New" panose="02070309020205020404" pitchFamily="49" charset="0"/>
+                <a:cs typeface="Courier New" panose="02070309020205020404" pitchFamily="49" charset="0"/>
+              </a:rPr>
+              <a:t>rejection.status</a:t>
+            </a:r>
+            <a:r>
+              <a:rPr lang="en-GB" sz="1800" dirty="0">
+                <a:latin typeface="Courier New" panose="02070309020205020404" pitchFamily="49" charset="0"/>
+                <a:cs typeface="Courier New" panose="02070309020205020404" pitchFamily="49" charset="0"/>
+              </a:rPr>
+              <a:t> === 500) {</a:t>
+            </a:r>
+          </a:p>
+          <a:p>
+            <a:pPr marL="0" indent="0">
+              <a:buNone/>
+            </a:pPr>
+            <a:r>
+              <a:rPr lang="en-GB" sz="1800" dirty="0">
+                <a:latin typeface="Courier New" panose="02070309020205020404" pitchFamily="49" charset="0"/>
+                <a:cs typeface="Courier New" panose="02070309020205020404" pitchFamily="49" charset="0"/>
+              </a:rPr>
+              <a:t>                alert('server error!');</a:t>
+            </a:r>
+          </a:p>
+          <a:p>
+            <a:pPr marL="0" indent="0">
+              <a:buNone/>
+            </a:pPr>
+            <a:r>
+              <a:rPr lang="en-GB" sz="1800" dirty="0">
+                <a:latin typeface="Courier New" panose="02070309020205020404" pitchFamily="49" charset="0"/>
+                <a:cs typeface="Courier New" panose="02070309020205020404" pitchFamily="49" charset="0"/>
+              </a:rPr>
+              <a:t>            }</a:t>
+            </a:r>
+          </a:p>
+          <a:p>
+            <a:pPr marL="0" indent="0">
+              <a:buNone/>
+            </a:pPr>
+            <a:r>
+              <a:rPr lang="en-GB" sz="1800" dirty="0">
+                <a:latin typeface="Courier New" panose="02070309020205020404" pitchFamily="49" charset="0"/>
+                <a:cs typeface="Courier New" panose="02070309020205020404" pitchFamily="49" charset="0"/>
+              </a:rPr>
+              <a:t>            return $</a:t>
+            </a:r>
+            <a:r>
+              <a:rPr lang="en-GB" sz="1800" dirty="0" err="1">
+                <a:latin typeface="Courier New" panose="02070309020205020404" pitchFamily="49" charset="0"/>
+                <a:cs typeface="Courier New" panose="02070309020205020404" pitchFamily="49" charset="0"/>
+              </a:rPr>
+              <a:t>q.reject</a:t>
+            </a:r>
+            <a:r>
+              <a:rPr lang="en-GB" sz="1800" dirty="0">
+                <a:latin typeface="Courier New" panose="02070309020205020404" pitchFamily="49" charset="0"/>
+                <a:cs typeface="Courier New" panose="02070309020205020404" pitchFamily="49" charset="0"/>
+              </a:rPr>
+              <a:t>(rejection);</a:t>
+            </a:r>
+          </a:p>
+          <a:p>
+            <a:pPr marL="0" indent="0">
+              <a:buNone/>
+            </a:pPr>
+            <a:r>
+              <a:rPr lang="en-GB" sz="1800" dirty="0">
+                <a:latin typeface="Courier New" panose="02070309020205020404" pitchFamily="49" charset="0"/>
+                <a:cs typeface="Courier New" panose="02070309020205020404" pitchFamily="49" charset="0"/>
+              </a:rPr>
+              <a:t>        }</a:t>
+            </a:r>
+          </a:p>
+          <a:p>
+            <a:pPr marL="0" indent="0">
+              <a:buNone/>
+            </a:pPr>
+            <a:r>
+              <a:rPr lang="en-GB" sz="1800" dirty="0">
+                <a:latin typeface="Courier New" panose="02070309020205020404" pitchFamily="49" charset="0"/>
+                <a:cs typeface="Courier New" panose="02070309020205020404" pitchFamily="49" charset="0"/>
+              </a:rPr>
+              <a:t>    };</a:t>
+            </a:r>
+          </a:p>
+          <a:p>
+            <a:pPr marL="0" indent="0">
+              <a:buNone/>
+            </a:pPr>
+            <a:r>
+              <a:rPr lang="en-GB" sz="1800" dirty="0">
+                <a:latin typeface="Courier New" panose="02070309020205020404" pitchFamily="49" charset="0"/>
+                <a:cs typeface="Courier New" panose="02070309020205020404" pitchFamily="49" charset="0"/>
+              </a:rPr>
+              <a:t>});</a:t>
+            </a:r>
+          </a:p>
+          <a:p>
+            <a:pPr marL="0" indent="0">
+              <a:buNone/>
+            </a:pPr>
+            <a:endParaRPr lang="en-GB" sz="1800" dirty="0">
+              <a:latin typeface="Courier New" panose="02070309020205020404" pitchFamily="49" charset="0"/>
+              <a:cs typeface="Courier New" panose="02070309020205020404" pitchFamily="49" charset="0"/>
+            </a:endParaRPr>
+          </a:p>
+        </p:txBody>
+      </p:sp>
+      <p:sp>
+        <p:nvSpPr>
+          <p:cNvPr id="4" name="Rectangle 3"/>
+          <p:cNvSpPr/>
+          <p:nvPr/>
+        </p:nvSpPr>
+        <p:spPr>
+          <a:xfrm>
+            <a:off x="6480212" y="5877272"/>
+            <a:ext cx="2196244" cy="646331"/>
+          </a:xfrm>
+          <a:prstGeom prst="rect">
+            <a:avLst/>
+          </a:prstGeom>
+        </p:spPr>
+        <p:txBody>
+          <a:bodyPr wrap="square">
+            <a:spAutoFit/>
+          </a:bodyPr>
+          <a:lstStyle/>
+          <a:p>
+            <a:r>
+              <a:rPr lang="sr-Latn-RS" sz="3600" dirty="0" smtClean="0"/>
+              <a:t>Primer 1a</a:t>
+            </a:r>
           </a:p>
         </p:txBody>
       </p:sp>
     </p:spTree>
     <p:extLst>
       <p:ext uri="{BB962C8B-B14F-4D97-AF65-F5344CB8AC3E}">
-        <p14:creationId xmlns:p14="http://schemas.microsoft.com/office/powerpoint/2010/main" val="3840139163"/>
+        <p14:creationId xmlns:p14="http://schemas.microsoft.com/office/powerpoint/2010/main" val="1399387984"/>
       </p:ext>
     </p:extLst>
   </p:cSld>
@@ -6142,36 +6140,156 @@
         <p:spPr/>
         <p:txBody>
           <a:bodyPr>
-            <a:normAutofit/>
+            <a:normAutofit fontScale="85000" lnSpcReduction="10000"/>
           </a:bodyPr>
           <a:lstStyle/>
           <a:p>
             <a:r>
+              <a:rPr lang="sr-Latn-RS" dirty="0" smtClean="0"/>
+              <a:t>Wrapper oko $http koji je specijalno namenjen za pozive REST servisa</a:t>
+            </a:r>
+          </a:p>
+          <a:p>
+            <a:r>
+              <a:rPr lang="sr-Latn-RS" dirty="0" smtClean="0"/>
+              <a:t>Omogućuje nam da REST pozive posmatramo kroz </a:t>
+            </a:r>
+            <a:r>
               <a:rPr lang="en-GB" dirty="0" err="1" smtClean="0"/>
-              <a:t>Razdvaja</a:t>
-            </a:r>
-            <a:r>
-              <a:rPr lang="sr-Latn-RS" dirty="0" smtClean="0"/>
-              <a:t> sloj za komunikaciju sa serverom od kontrolera</a:t>
-            </a:r>
-            <a:endParaRPr lang="en-GB" dirty="0" smtClean="0"/>
-          </a:p>
-          <a:p>
-            <a:pPr marL="0" indent="0" algn="r">
+              <a:t>manipulisanje</a:t>
+            </a:r>
+            <a:r>
+              <a:rPr lang="en-GB" dirty="0" smtClean="0"/>
+              <a:t> </a:t>
+            </a:r>
+            <a:r>
+              <a:rPr lang="sr-Latn-RS" dirty="0" smtClean="0"/>
+              <a:t>objekt</a:t>
+            </a:r>
+            <a:r>
+              <a:rPr lang="en-GB" dirty="0" err="1" smtClean="0"/>
+              <a:t>ima</a:t>
+            </a:r>
+            <a:r>
+              <a:rPr lang="sr-Latn-RS" dirty="0" smtClean="0"/>
+              <a:t> (resursima) i metoda</a:t>
+            </a:r>
+            <a:r>
+              <a:rPr lang="en-GB" dirty="0" smtClean="0"/>
+              <a:t>ma </a:t>
+            </a:r>
+            <a:r>
+              <a:rPr lang="sr-Latn-RS" dirty="0" smtClean="0"/>
+              <a:t>nad njima, umesto kroz HTTP zahteve i odgovore</a:t>
+            </a:r>
+          </a:p>
+          <a:p>
+            <a:r>
+              <a:rPr lang="sr-Latn-RS" dirty="0" smtClean="0"/>
+              <a:t>$resource servis se distribuira kao poseban fajlu (angular-resource.js) i poseban modulu (ngResource)</a:t>
+            </a:r>
+          </a:p>
+          <a:p>
+            <a:r>
+              <a:rPr lang="sr-Latn-RS" dirty="0" smtClean="0"/>
+              <a:t>Dodavanje angular-resource.js pomoću bower-a:</a:t>
+            </a:r>
+          </a:p>
+          <a:p>
+            <a:pPr marL="0" indent="0" algn="ctr">
               <a:buNone/>
             </a:pPr>
             <a:r>
-              <a:rPr lang="en-GB" dirty="0" smtClean="0"/>
-              <a:t>Primer 02</a:t>
-            </a:r>
-            <a:endParaRPr lang="sr-Latn-RS" dirty="0" smtClean="0"/>
+              <a:rPr lang="en-GB" sz="2200" dirty="0">
+                <a:latin typeface="Courier New" panose="02070309020205020404" pitchFamily="49" charset="0"/>
+                <a:cs typeface="Courier New" panose="02070309020205020404" pitchFamily="49" charset="0"/>
+              </a:rPr>
+              <a:t>bower install angular-resource</a:t>
+            </a:r>
+            <a:r>
+              <a:rPr lang="sr-Latn-RS" sz="2200" dirty="0">
+                <a:latin typeface="Courier New" panose="02070309020205020404" pitchFamily="49" charset="0"/>
+                <a:cs typeface="Courier New" panose="02070309020205020404" pitchFamily="49" charset="0"/>
+              </a:rPr>
+              <a:t> </a:t>
+            </a:r>
+            <a:r>
+              <a:rPr lang="sr-Latn-RS" sz="2200" dirty="0" smtClean="0">
+                <a:latin typeface="Courier New" panose="02070309020205020404" pitchFamily="49" charset="0"/>
+                <a:cs typeface="Courier New" panose="02070309020205020404" pitchFamily="49" charset="0"/>
+              </a:rPr>
+              <a:t>–save</a:t>
+            </a:r>
+          </a:p>
+          <a:p>
+            <a:r>
+              <a:rPr lang="sr-Latn-RS" dirty="0" smtClean="0"/>
+              <a:t>Korišćenje</a:t>
+            </a:r>
+          </a:p>
+          <a:p>
+            <a:pPr marL="0" indent="0" algn="ctr">
+              <a:buNone/>
+            </a:pPr>
+            <a:r>
+              <a:rPr lang="en-GB" sz="2200" dirty="0">
+                <a:latin typeface="Courier New" panose="02070309020205020404" pitchFamily="49" charset="0"/>
+                <a:cs typeface="Courier New" panose="02070309020205020404" pitchFamily="49" charset="0"/>
+              </a:rPr>
+              <a:t>$resource(</a:t>
+            </a:r>
+            <a:r>
+              <a:rPr lang="en-GB" sz="2200" dirty="0" err="1">
+                <a:latin typeface="Courier New" panose="02070309020205020404" pitchFamily="49" charset="0"/>
+                <a:cs typeface="Courier New" panose="02070309020205020404" pitchFamily="49" charset="0"/>
+              </a:rPr>
+              <a:t>url</a:t>
+            </a:r>
+            <a:r>
+              <a:rPr lang="en-GB" sz="2200" dirty="0">
+                <a:latin typeface="Courier New" panose="02070309020205020404" pitchFamily="49" charset="0"/>
+                <a:cs typeface="Courier New" panose="02070309020205020404" pitchFamily="49" charset="0"/>
+              </a:rPr>
+              <a:t>, [</a:t>
+            </a:r>
+            <a:r>
+              <a:rPr lang="en-GB" sz="2200" dirty="0" err="1">
+                <a:latin typeface="Courier New" panose="02070309020205020404" pitchFamily="49" charset="0"/>
+                <a:cs typeface="Courier New" panose="02070309020205020404" pitchFamily="49" charset="0"/>
+              </a:rPr>
+              <a:t>paramDefaults</a:t>
+            </a:r>
+            <a:r>
+              <a:rPr lang="en-GB" sz="2200" dirty="0">
+                <a:latin typeface="Courier New" panose="02070309020205020404" pitchFamily="49" charset="0"/>
+                <a:cs typeface="Courier New" panose="02070309020205020404" pitchFamily="49" charset="0"/>
+              </a:rPr>
+              <a:t>], [actions], </a:t>
+            </a:r>
+            <a:r>
+              <a:rPr lang="en-GB" sz="2200" dirty="0" smtClean="0">
+                <a:latin typeface="Courier New" panose="02070309020205020404" pitchFamily="49" charset="0"/>
+                <a:cs typeface="Courier New" panose="02070309020205020404" pitchFamily="49" charset="0"/>
+              </a:rPr>
+              <a:t>[options]);</a:t>
+            </a:r>
+            <a:endParaRPr lang="sr-Latn-RS" sz="2200" dirty="0">
+              <a:latin typeface="Courier New" panose="02070309020205020404" pitchFamily="49" charset="0"/>
+              <a:cs typeface="Courier New" panose="02070309020205020404" pitchFamily="49" charset="0"/>
+            </a:endParaRPr>
+          </a:p>
+          <a:p>
+            <a:pPr marL="0" indent="0">
+              <a:buNone/>
+            </a:pPr>
+            <a:endParaRPr lang="en-GB" dirty="0"/>
           </a:p>
         </p:txBody>
       </p:sp>
     </p:spTree>
     <p:extLst>
       <p:ext uri="{BB962C8B-B14F-4D97-AF65-F5344CB8AC3E}">
-        <p14:creationId xmlns:p14="http://schemas.microsoft.com/office/powerpoint/2010/main" val="1672236069"/>
+        <p14:creationId xmlns:p14="http://schemas.microsoft.com/office/powerpoint/2010/main" val="3840139163"/>
       </p:ext>
     </p:extLst>
   </p:cSld>
@@ -6215,19 +6333,14 @@
             <p:ph type="title"/>
           </p:nvPr>
         </p:nvSpPr>
-        <p:spPr>
-          <a:xfrm>
-            <a:off x="457200" y="269776"/>
-            <a:ext cx="8229600" cy="1143000"/>
-          </a:xfrm>
-        </p:spPr>
+        <p:spPr/>
         <p:txBody>
           <a:bodyPr/>
           <a:lstStyle/>
           <a:p>
             <a:r>
               <a:rPr lang="sr-Latn-RS" dirty="0" smtClean="0"/>
-              <a:t>$resource metode</a:t>
+              <a:t>$resource</a:t>
             </a:r>
             <a:endParaRPr lang="en-GB" dirty="0"/>
           </a:p>
@@ -6245,46 +6358,42 @@
         </p:nvSpPr>
         <p:spPr/>
         <p:txBody>
-          <a:bodyPr/>
-          <a:lstStyle/>
-          <a:p>
-            <a:r>
-              <a:rPr lang="sr-Latn-RS" dirty="0" smtClean="0"/>
-              <a:t>$resource automatski generiše dva skupa metoda:</a:t>
+          <a:bodyPr>
+            <a:normAutofit/>
+          </a:bodyPr>
+          <a:lstStyle/>
+          <a:p>
+            <a:r>
+              <a:rPr lang="en-GB" dirty="0" err="1" smtClean="0"/>
+              <a:t>Razdvaja</a:t>
+            </a:r>
+            <a:r>
+              <a:rPr lang="sr-Latn-RS" dirty="0" smtClean="0"/>
+              <a:t> sloj za komunikaciju sa serverom od kontrolera</a:t>
+            </a:r>
+          </a:p>
+          <a:p>
+            <a:r>
+              <a:rPr lang="sr-Latn-RS" dirty="0" smtClean="0"/>
+              <a:t>Omogućava nam da napravimo model u MVVM paternu</a:t>
             </a:r>
           </a:p>
           <a:p>
             <a:pPr lvl="1"/>
             <a:r>
               <a:rPr lang="sr-Latn-RS" dirty="0" smtClean="0"/>
-              <a:t>Metode na nivou konstruktora (</a:t>
-            </a:r>
+              <a:t>Model predstavlja podatke i omogućuje komunikaciju sa back endom</a:t>
+            </a:r>
+            <a:endParaRPr lang="en-GB" dirty="0" smtClean="0"/>
+          </a:p>
+          <a:p>
+            <a:pPr marL="0" indent="0" algn="r">
+              <a:buNone/>
+            </a:pPr>
             <a:r>
               <a:rPr lang="en-GB" dirty="0" smtClean="0"/>
-              <a:t>“</a:t>
-            </a:r>
-            <a:r>
-              <a:rPr lang="sr-Latn-RS" dirty="0" smtClean="0"/>
-              <a:t>klase</a:t>
-            </a:r>
-            <a:r>
-              <a:rPr lang="en-GB" dirty="0" smtClean="0"/>
-              <a:t>”</a:t>
-            </a:r>
-            <a:r>
-              <a:rPr lang="sr-Latn-RS" dirty="0" smtClean="0"/>
-              <a:t>): kao statičke metode. Ove metode su namenjene za rad sa kolekcijama objekata i situacije u kojima nije kreiran objekat</a:t>
-            </a:r>
-          </a:p>
-          <a:p>
-            <a:pPr lvl="1"/>
-            <a:r>
-              <a:rPr lang="sr-Latn-RS" dirty="0" smtClean="0"/>
-              <a:t>Metode na nivou instance (objekta): koristimo ih kada radimo sa jednim konkretnim resursom</a:t>
-            </a:r>
-          </a:p>
-          <a:p>
-            <a:pPr lvl="1"/>
+              <a:t>Primer 02</a:t>
+            </a:r>
             <a:endParaRPr lang="sr-Latn-RS" dirty="0" smtClean="0"/>
           </a:p>
         </p:txBody>
@@ -6292,7 +6401,7 @@
     </p:spTree>
     <p:extLst>
       <p:ext uri="{BB962C8B-B14F-4D97-AF65-F5344CB8AC3E}">
-        <p14:creationId xmlns:p14="http://schemas.microsoft.com/office/powerpoint/2010/main" val="3734070203"/>
+        <p14:creationId xmlns:p14="http://schemas.microsoft.com/office/powerpoint/2010/main" val="1672236069"/>
       </p:ext>
     </p:extLst>
   </p:cSld>
@@ -6336,14 +6445,19 @@
             <p:ph type="title"/>
           </p:nvPr>
         </p:nvSpPr>
-        <p:spPr/>
+        <p:spPr>
+          <a:xfrm>
+            <a:off x="457200" y="269776"/>
+            <a:ext cx="8229600" cy="1143000"/>
+          </a:xfrm>
+        </p:spPr>
         <p:txBody>
           <a:bodyPr/>
           <a:lstStyle/>
           <a:p>
             <a:r>
               <a:rPr lang="sr-Latn-RS" dirty="0" smtClean="0"/>
-              <a:t>$resource konstruktor metode</a:t>
+              <a:t>$resource metode</a:t>
             </a:r>
             <a:endParaRPr lang="en-GB" dirty="0"/>
           </a:p>
@@ -6361,211 +6475,54 @@
         </p:nvSpPr>
         <p:spPr/>
         <p:txBody>
-          <a:bodyPr>
-            <a:normAutofit fontScale="92500" lnSpcReduction="10000"/>
-          </a:bodyPr>
-          <a:lstStyle/>
-          <a:p>
-            <a:r>
-              <a:rPr lang="en-GB" b="1" dirty="0" smtClean="0"/>
-              <a:t>query(</a:t>
-            </a:r>
-            <a:r>
-              <a:rPr lang="en-GB" b="1" dirty="0" err="1" smtClean="0"/>
-              <a:t>params</a:t>
-            </a:r>
-            <a:r>
-              <a:rPr lang="en-GB" b="1" dirty="0"/>
-              <a:t>, </a:t>
-            </a:r>
-            <a:r>
-              <a:rPr lang="en-GB" b="1" dirty="0" err="1"/>
-              <a:t>successcb</a:t>
-            </a:r>
-            <a:r>
-              <a:rPr lang="en-GB" b="1" dirty="0"/>
-              <a:t>, </a:t>
-            </a:r>
-            <a:r>
-              <a:rPr lang="en-GB" b="1" dirty="0" err="1"/>
-              <a:t>errorcb</a:t>
-            </a:r>
-            <a:r>
-              <a:rPr lang="en-GB" b="1" dirty="0"/>
-              <a:t>)</a:t>
-            </a:r>
-            <a:r>
-              <a:rPr lang="en-GB" dirty="0"/>
-              <a:t>: </a:t>
-            </a:r>
-            <a:r>
-              <a:rPr lang="sr-Latn-RS" dirty="0" smtClean="0"/>
-              <a:t>slanje</a:t>
+          <a:bodyPr/>
+          <a:lstStyle/>
+          <a:p>
+            <a:r>
+              <a:rPr lang="sr-Latn-RS" dirty="0" smtClean="0"/>
+              <a:t>$resource automatski generiše dva skupa metoda:</a:t>
+            </a:r>
+          </a:p>
+          <a:p>
+            <a:pPr lvl="1"/>
+            <a:r>
+              <a:rPr lang="sr-Latn-RS" dirty="0" smtClean="0"/>
+              <a:t>Metode na nivou konstruktora (</a:t>
             </a:r>
             <a:r>
               <a:rPr lang="en-GB" dirty="0" smtClean="0"/>
-              <a:t> </a:t>
-            </a:r>
-            <a:r>
-              <a:rPr lang="en-GB" dirty="0"/>
-              <a:t>HTTP </a:t>
+              <a:t>“</a:t>
+            </a:r>
+            <a:r>
+              <a:rPr lang="sr-Latn-RS" dirty="0" smtClean="0"/>
+              <a:t>klase</a:t>
             </a:r>
             <a:r>
               <a:rPr lang="en-GB" dirty="0" smtClean="0"/>
-              <a:t>GET</a:t>
-            </a:r>
-            <a:r>
-              <a:rPr lang="sr-Latn-RS" dirty="0" smtClean="0"/>
-              <a:t> zahteva i prihvatanje JSON odgovora. Koristi se za preuzimanje </a:t>
-            </a:r>
-            <a:r>
-              <a:rPr lang="sr-Latn-RS" b="1" dirty="0" smtClean="0"/>
-              <a:t>kolekcije</a:t>
-            </a:r>
-            <a:r>
-              <a:rPr lang="sr-Latn-RS" dirty="0" smtClean="0"/>
-              <a:t> objekata!</a:t>
-            </a:r>
-            <a:endParaRPr lang="en-GB" dirty="0"/>
-          </a:p>
-          <a:p>
-            <a:r>
-              <a:rPr lang="en-GB" b="1" dirty="0" smtClean="0"/>
-              <a:t>get(</a:t>
-            </a:r>
-            <a:r>
-              <a:rPr lang="en-GB" b="1" dirty="0" err="1" smtClean="0"/>
-              <a:t>params</a:t>
-            </a:r>
-            <a:r>
-              <a:rPr lang="en-GB" b="1" dirty="0"/>
-              <a:t>, </a:t>
-            </a:r>
-            <a:r>
-              <a:rPr lang="en-GB" b="1" dirty="0" err="1"/>
-              <a:t>successcb</a:t>
-            </a:r>
-            <a:r>
-              <a:rPr lang="en-GB" b="1" dirty="0"/>
-              <a:t>, </a:t>
-            </a:r>
-            <a:r>
-              <a:rPr lang="en-GB" b="1" dirty="0" err="1"/>
-              <a:t>errorcb</a:t>
-            </a:r>
-            <a:r>
-              <a:rPr lang="en-GB" b="1" dirty="0"/>
-              <a:t>)</a:t>
-            </a:r>
-            <a:r>
-              <a:rPr lang="en-GB" dirty="0"/>
-              <a:t>: </a:t>
-            </a:r>
-            <a:r>
-              <a:rPr lang="sr-Latn-RS" dirty="0" smtClean="0"/>
-              <a:t>slanje HTTP GET zahteva i prihvatanje JSON odgovora. Koristi se za preuzimanje </a:t>
-            </a:r>
-            <a:r>
-              <a:rPr lang="sr-Latn-RS" b="1" dirty="0" smtClean="0"/>
-              <a:t>jednog</a:t>
-            </a:r>
-            <a:r>
-              <a:rPr lang="sr-Latn-RS" dirty="0" smtClean="0"/>
-              <a:t> objekta.</a:t>
-            </a:r>
-            <a:endParaRPr lang="en-GB" dirty="0"/>
-          </a:p>
-          <a:p>
-            <a:r>
-              <a:rPr lang="en-GB" b="1" dirty="0" smtClean="0"/>
-              <a:t>save(</a:t>
-            </a:r>
-            <a:r>
-              <a:rPr lang="en-GB" b="1" dirty="0" err="1" smtClean="0"/>
-              <a:t>params</a:t>
-            </a:r>
-            <a:r>
-              <a:rPr lang="en-GB" b="1" dirty="0"/>
-              <a:t>, </a:t>
-            </a:r>
-            <a:r>
-              <a:rPr lang="en-GB" b="1" dirty="0" err="1"/>
-              <a:t>payloadData</a:t>
-            </a:r>
-            <a:r>
-              <a:rPr lang="en-GB" b="1" dirty="0"/>
-              <a:t>, </a:t>
-            </a:r>
-            <a:r>
-              <a:rPr lang="en-GB" b="1" dirty="0" err="1"/>
-              <a:t>successcb</a:t>
-            </a:r>
-            <a:r>
-              <a:rPr lang="en-GB" b="1" dirty="0"/>
-              <a:t>, </a:t>
-            </a:r>
-            <a:r>
-              <a:rPr lang="en-GB" b="1" dirty="0" err="1"/>
-              <a:t>errorcb</a:t>
-            </a:r>
-            <a:r>
-              <a:rPr lang="en-GB" b="1" dirty="0"/>
-              <a:t>)</a:t>
-            </a:r>
-            <a:r>
-              <a:rPr lang="en-GB" dirty="0"/>
-              <a:t>: </a:t>
-            </a:r>
-            <a:r>
-              <a:rPr lang="sr-Latn-RS" dirty="0" smtClean="0"/>
-              <a:t>slanje HTTP post zahteva</a:t>
-            </a:r>
-          </a:p>
-          <a:p>
-            <a:r>
-              <a:rPr lang="en-GB" b="1" dirty="0" smtClean="0"/>
-              <a:t>delete(</a:t>
-            </a:r>
-            <a:r>
-              <a:rPr lang="en-GB" b="1" dirty="0" err="1" smtClean="0"/>
-              <a:t>params,successcb</a:t>
-            </a:r>
-            <a:r>
-              <a:rPr lang="en-GB" b="1" dirty="0"/>
-              <a:t>, </a:t>
-            </a:r>
-            <a:r>
-              <a:rPr lang="en-GB" b="1" dirty="0" err="1"/>
-              <a:t>errorcb</a:t>
-            </a:r>
-            <a:r>
-              <a:rPr lang="en-GB" b="1" dirty="0" smtClean="0"/>
-              <a:t>)</a:t>
-            </a:r>
-            <a:r>
-              <a:rPr lang="en-GB" dirty="0" smtClean="0"/>
-              <a:t> : </a:t>
-            </a:r>
-            <a:r>
-              <a:rPr lang="sr-Latn-RS" dirty="0" smtClean="0"/>
-              <a:t>slanje HTTP DELETE zahteva. Ima alijas </a:t>
-            </a:r>
-            <a:r>
-              <a:rPr lang="sr-Latn-RS" b="1" dirty="0" smtClean="0"/>
-              <a:t>remove</a:t>
-            </a:r>
-            <a:r>
-              <a:rPr lang="en-GB" dirty="0" smtClean="0"/>
-              <a:t>.</a:t>
-            </a:r>
-            <a:endParaRPr lang="en-GB" dirty="0"/>
+              <a:t>”</a:t>
+            </a:r>
+            <a:r>
+              <a:rPr lang="sr-Latn-RS" dirty="0" smtClean="0"/>
+              <a:t>): kao statičke metode. Ove metode su namenjene za rad sa kolekcijama objekata i situacije u kojima nije kreiran objekat</a:t>
+            </a:r>
+          </a:p>
+          <a:p>
+            <a:pPr lvl="1"/>
+            <a:r>
+              <a:rPr lang="sr-Latn-RS" dirty="0" smtClean="0"/>
+              <a:t>Metode na nivou instance (objekta): koristimo ih kada radimo sa jednim konkretnim resursom</a:t>
+            </a:r>
+          </a:p>
+          <a:p>
+            <a:pPr lvl="1"/>
+            <a:endParaRPr lang="sr-Latn-RS" dirty="0" smtClean="0"/>
           </a:p>
         </p:txBody>
       </p:sp>
     </p:spTree>
     <p:extLst>
       <p:ext uri="{BB962C8B-B14F-4D97-AF65-F5344CB8AC3E}">
-        <p14:creationId xmlns:p14="http://schemas.microsoft.com/office/powerpoint/2010/main" val="1462883150"/>
+        <p14:creationId xmlns:p14="http://schemas.microsoft.com/office/powerpoint/2010/main" val="3734070203"/>
       </p:ext>
     </p:extLst>
   </p:cSld>
@@ -6611,85 +6568,264 @@
         </p:nvSpPr>
         <p:spPr/>
         <p:txBody>
+          <a:bodyPr/>
+          <a:lstStyle/>
+          <a:p>
+            <a:r>
+              <a:rPr lang="sr-Latn-RS" dirty="0" smtClean="0"/>
+              <a:t>$resource konstruktor metode</a:t>
+            </a:r>
+            <a:endParaRPr lang="en-GB" dirty="0"/>
+          </a:p>
+        </p:txBody>
+      </p:sp>
+      <p:sp>
+        <p:nvSpPr>
+          <p:cNvPr id="3" name="Content Placeholder 2"/>
+          <p:cNvSpPr>
+            <a:spLocks noGrp="1"/>
+          </p:cNvSpPr>
+          <p:nvPr>
+            <p:ph idx="1"/>
+          </p:nvPr>
+        </p:nvSpPr>
+        <p:spPr/>
+        <p:txBody>
           <a:bodyPr>
-            <a:normAutofit fontScale="90000"/>
+            <a:normAutofit fontScale="77500" lnSpcReduction="20000"/>
           </a:bodyPr>
           <a:lstStyle/>
           <a:p>
             <a:r>
-              <a:rPr lang="sr-Latn-RS" dirty="0" smtClean="0"/>
-              <a:t>Parametri $resource konstruktor metoda</a:t>
+              <a:rPr lang="en-GB" b="1" dirty="0" smtClean="0"/>
+              <a:t>query(</a:t>
+            </a:r>
+            <a:r>
+              <a:rPr lang="en-GB" b="1" dirty="0" err="1" smtClean="0"/>
+              <a:t>params</a:t>
+            </a:r>
+            <a:r>
+              <a:rPr lang="en-GB" b="1" dirty="0"/>
+              <a:t>, </a:t>
+            </a:r>
+            <a:r>
+              <a:rPr lang="en-GB" b="1" dirty="0" err="1"/>
+              <a:t>successcb</a:t>
+            </a:r>
+            <a:r>
+              <a:rPr lang="en-GB" b="1" dirty="0"/>
+              <a:t>, </a:t>
+            </a:r>
+            <a:r>
+              <a:rPr lang="en-GB" b="1" dirty="0" err="1"/>
+              <a:t>errorcb</a:t>
+            </a:r>
+            <a:r>
+              <a:rPr lang="en-GB" b="1" dirty="0"/>
+              <a:t>)</a:t>
+            </a:r>
+            <a:r>
+              <a:rPr lang="en-GB" dirty="0"/>
+              <a:t>: </a:t>
+            </a:r>
+            <a:r>
+              <a:rPr lang="sr-Latn-RS" dirty="0" smtClean="0"/>
+              <a:t>slanje</a:t>
+            </a:r>
+            <a:r>
+              <a:rPr lang="en-GB" dirty="0" smtClean="0"/>
+              <a:t> </a:t>
+            </a:r>
+            <a:r>
+              <a:rPr lang="en-GB" dirty="0"/>
+              <a:t>HTTP </a:t>
+            </a:r>
+            <a:r>
+              <a:rPr lang="en-GB" dirty="0" smtClean="0"/>
+              <a:t>GET</a:t>
+            </a:r>
+            <a:r>
+              <a:rPr lang="sr-Latn-RS" dirty="0" smtClean="0"/>
+              <a:t> zahteva i prihvatanje JSON odgovora. Koristi se za preuzimanje </a:t>
+            </a:r>
+            <a:r>
+              <a:rPr lang="sr-Latn-RS" b="1" dirty="0" smtClean="0"/>
+              <a:t>kolekcije</a:t>
+            </a:r>
+            <a:r>
+              <a:rPr lang="sr-Latn-RS" dirty="0" smtClean="0"/>
+              <a:t> objekata!</a:t>
             </a:r>
             <a:endParaRPr lang="en-GB" dirty="0"/>
           </a:p>
-        </p:txBody>
-      </p:sp>
-      <p:sp>
-        <p:nvSpPr>
-          <p:cNvPr id="3" name="Content Placeholder 2"/>
-          <p:cNvSpPr>
-            <a:spLocks noGrp="1"/>
-          </p:cNvSpPr>
-          <p:nvPr>
-            <p:ph idx="1"/>
-          </p:nvPr>
-        </p:nvSpPr>
-        <p:spPr/>
-        <p:txBody>
-          <a:bodyPr>
-            <a:normAutofit/>
-          </a:bodyPr>
-          <a:lstStyle/>
-          <a:p>
-            <a:r>
-              <a:rPr lang="sr-Latn-RS" dirty="0" err="1"/>
-              <a:t>s</a:t>
-            </a:r>
-            <a:r>
-              <a:rPr lang="en-GB" dirty="0" err="1" smtClean="0"/>
-              <a:t>uccesscb</a:t>
-            </a:r>
-            <a:r>
-              <a:rPr lang="sr-Latn-RS" dirty="0" smtClean="0"/>
-              <a:t>: callback funkcija za uspeh</a:t>
-            </a:r>
-          </a:p>
-          <a:p>
-            <a:r>
-              <a:rPr lang="sr-Latn-RS" dirty="0" err="1"/>
-              <a:t>e</a:t>
-            </a:r>
-            <a:r>
-              <a:rPr lang="en-GB" dirty="0" err="1" smtClean="0"/>
-              <a:t>rrorcb</a:t>
-            </a:r>
-            <a:r>
-              <a:rPr lang="sr-Latn-RS" dirty="0" smtClean="0"/>
-              <a:t>: callback funkcija za neuspeh</a:t>
-            </a:r>
-          </a:p>
-          <a:p>
-            <a:r>
-              <a:rPr lang="sr-Latn-RS" dirty="0" err="1"/>
-              <a:t>p</a:t>
-            </a:r>
-            <a:r>
-              <a:rPr lang="en-GB" dirty="0" err="1" smtClean="0"/>
-              <a:t>arams</a:t>
-            </a:r>
-            <a:r>
-              <a:rPr lang="sr-Latn-RS" dirty="0" smtClean="0"/>
-              <a:t>: parametri zahteva</a:t>
-            </a:r>
-          </a:p>
-          <a:p>
-            <a:r>
-              <a:rPr lang="en-GB" dirty="0" err="1" smtClean="0"/>
+          <a:p>
+            <a:r>
+              <a:rPr lang="en-GB" b="1" dirty="0" smtClean="0"/>
+              <a:t>get(</a:t>
+            </a:r>
+            <a:r>
+              <a:rPr lang="en-GB" b="1" dirty="0" err="1" smtClean="0"/>
+              <a:t>params</a:t>
+            </a:r>
+            <a:r>
+              <a:rPr lang="en-GB" b="1" dirty="0"/>
+              <a:t>, </a:t>
+            </a:r>
+            <a:r>
+              <a:rPr lang="en-GB" b="1" dirty="0" err="1"/>
+              <a:t>successcb</a:t>
+            </a:r>
+            <a:r>
+              <a:rPr lang="en-GB" b="1" dirty="0"/>
+              <a:t>, </a:t>
+            </a:r>
+            <a:r>
+              <a:rPr lang="en-GB" b="1" dirty="0" err="1"/>
+              <a:t>errorcb</a:t>
+            </a:r>
+            <a:r>
+              <a:rPr lang="en-GB" b="1" dirty="0"/>
+              <a:t>)</a:t>
+            </a:r>
+            <a:r>
+              <a:rPr lang="en-GB" dirty="0"/>
+              <a:t>: </a:t>
+            </a:r>
+            <a:r>
+              <a:rPr lang="sr-Latn-RS" dirty="0" smtClean="0"/>
+              <a:t>slanje HTTP GET zahteva i prihvatanje JSON odgovora. Koristi se za preuzimanje </a:t>
+            </a:r>
+            <a:r>
+              <a:rPr lang="sr-Latn-RS" b="1" dirty="0" smtClean="0"/>
+              <a:t>jednog</a:t>
+            </a:r>
+            <a:r>
+              <a:rPr lang="sr-Latn-RS" dirty="0" smtClean="0"/>
+              <a:t> objekta.</a:t>
+            </a:r>
+          </a:p>
+          <a:p>
+            <a:pPr lvl="1"/>
+            <a:r>
+              <a:rPr lang="sr-Latn-RS" dirty="0" smtClean="0"/>
+              <a:t>Šta bismo radili u situaciji da nam back end vraća </a:t>
+            </a:r>
+            <a:r>
+              <a:rPr lang="sr-Latn-RS" b="1" dirty="0" smtClean="0"/>
+              <a:t>kolekciju</a:t>
+            </a:r>
+            <a:r>
+              <a:rPr lang="sr-Latn-RS" dirty="0" smtClean="0"/>
+              <a:t>, ali ako pošaljemo </a:t>
+            </a:r>
+            <a:r>
+              <a:rPr lang="sr-Latn-RS" b="1" dirty="0" smtClean="0"/>
+              <a:t>page</a:t>
+            </a:r>
+            <a:r>
+              <a:rPr lang="sr-Latn-RS" dirty="0" smtClean="0"/>
+              <a:t> query parametar dobijamo </a:t>
+            </a:r>
+            <a:r>
+              <a:rPr lang="sr-Latn-RS" b="1" dirty="0" smtClean="0"/>
+              <a:t>kolekciju wrapovanu u objekat sa metapodacima</a:t>
+            </a:r>
+            <a:r>
+              <a:rPr lang="sr-Latn-RS" dirty="0" smtClean="0"/>
+              <a:t>?</a:t>
+            </a:r>
+            <a:endParaRPr lang="en-GB" dirty="0"/>
+          </a:p>
+          <a:p>
+            <a:r>
+              <a:rPr lang="en-GB" b="1" dirty="0" smtClean="0"/>
+              <a:t>save(</a:t>
+            </a:r>
+            <a:r>
+              <a:rPr lang="en-GB" b="1" dirty="0" err="1" smtClean="0"/>
+              <a:t>params</a:t>
+            </a:r>
+            <a:r>
+              <a:rPr lang="en-GB" b="1" dirty="0"/>
+              <a:t>, </a:t>
+            </a:r>
+            <a:r>
+              <a:rPr lang="en-GB" b="1" dirty="0" err="1"/>
               <a:t>payloadData</a:t>
             </a:r>
             <a:r>
-              <a:rPr lang="sr-Latn-RS" dirty="0" smtClean="0"/>
-              <a:t>: telo zahteva</a:t>
+              <a:rPr lang="en-GB" b="1" dirty="0"/>
+              <a:t>, </a:t>
+            </a:r>
+            <a:r>
+              <a:rPr lang="en-GB" b="1" dirty="0" err="1"/>
+              <a:t>successcb</a:t>
+            </a:r>
+            <a:r>
+              <a:rPr lang="en-GB" b="1" dirty="0"/>
+              <a:t>, </a:t>
+            </a:r>
+            <a:r>
+              <a:rPr lang="en-GB" b="1" dirty="0" err="1"/>
+              <a:t>errorcb</a:t>
+            </a:r>
+            <a:r>
+              <a:rPr lang="en-GB" b="1" dirty="0"/>
+              <a:t>)</a:t>
+            </a:r>
+            <a:r>
+              <a:rPr lang="en-GB" dirty="0"/>
+              <a:t>: </a:t>
+            </a:r>
+            <a:r>
+              <a:rPr lang="sr-Latn-RS" dirty="0" smtClean="0"/>
+              <a:t>slanje HTTP post zahteva</a:t>
+            </a:r>
+          </a:p>
+          <a:p>
+            <a:r>
+              <a:rPr lang="en-GB" b="1" dirty="0" smtClean="0"/>
+              <a:t>delete(</a:t>
+            </a:r>
+            <a:r>
+              <a:rPr lang="en-GB" b="1" dirty="0" err="1" smtClean="0"/>
+              <a:t>params</a:t>
+            </a:r>
+            <a:r>
+              <a:rPr lang="en-GB" b="1" dirty="0" smtClean="0"/>
+              <a:t>, </a:t>
+            </a:r>
+            <a:r>
+              <a:rPr lang="en-GB" b="1" dirty="0" err="1" smtClean="0"/>
+              <a:t>successcb</a:t>
+            </a:r>
+            <a:r>
+              <a:rPr lang="en-GB" b="1" dirty="0"/>
+              <a:t>, </a:t>
+            </a:r>
+            <a:r>
+              <a:rPr lang="en-GB" b="1" dirty="0" err="1"/>
+              <a:t>errorcb</a:t>
+            </a:r>
+            <a:r>
+              <a:rPr lang="en-GB" b="1" dirty="0" smtClean="0"/>
+              <a:t>)</a:t>
+            </a:r>
+            <a:r>
+              <a:rPr lang="en-GB" dirty="0" smtClean="0"/>
+              <a:t> : </a:t>
+            </a:r>
+            <a:r>
+              <a:rPr lang="sr-Latn-RS" dirty="0" smtClean="0"/>
+              <a:t>slanje HTTP DELETE zahteva. Ima alijas </a:t>
+            </a:r>
+            <a:r>
+              <a:rPr lang="sr-Latn-RS" b="1" dirty="0" smtClean="0"/>
+              <a:t>remove</a:t>
+            </a:r>
+            <a:r>
+              <a:rPr lang="en-GB" dirty="0" smtClean="0"/>
+              <a:t>.</a:t>
             </a:r>
             <a:endParaRPr lang="en-GB" dirty="0"/>
           </a:p>
@@ -6698,7 +6834,7 @@
     </p:spTree>
     <p:extLst>
       <p:ext uri="{BB962C8B-B14F-4D97-AF65-F5344CB8AC3E}">
-        <p14:creationId xmlns:p14="http://schemas.microsoft.com/office/powerpoint/2010/main" val="984617055"/>
+        <p14:creationId xmlns:p14="http://schemas.microsoft.com/office/powerpoint/2010/main" val="1462883150"/>
       </p:ext>
     </p:extLst>
   </p:cSld>
@@ -6745,13 +6881,13 @@
         <p:spPr/>
         <p:txBody>
           <a:bodyPr>
-            <a:normAutofit/>
+            <a:normAutofit fontScale="90000"/>
           </a:bodyPr>
           <a:lstStyle/>
           <a:p>
             <a:r>
               <a:rPr lang="sr-Latn-RS" dirty="0" smtClean="0"/>
-              <a:t>$resource metode instance</a:t>
+              <a:t>Parametri $resource konstruktor metoda</a:t>
             </a:r>
             <a:endParaRPr lang="en-GB" dirty="0"/>
           </a:p>
@@ -6775,154 +6911,63 @@
           <a:lstStyle/>
           <a:p>
             <a:r>
-              <a:rPr lang="sr-Latn-RS" dirty="0" smtClean="0"/>
-              <a:t>Metode prototipa</a:t>
-            </a:r>
-          </a:p>
-          <a:p>
-            <a:r>
-              <a:rPr lang="sr-Latn-RS" dirty="0" smtClean="0"/>
-              <a:t>Ekvivalentne metodama na nivou konstrutora, ali se drugačije pozivaju:</a:t>
-            </a:r>
-            <a:endParaRPr lang="sr-Latn-RS" sz="2800" dirty="0" smtClean="0">
-              <a:latin typeface="Courier New" panose="02070309020205020404" pitchFamily="49" charset="0"/>
-              <a:cs typeface="Courier New" panose="02070309020205020404" pitchFamily="49" charset="0"/>
-            </a:endParaRPr>
-          </a:p>
-          <a:p>
-            <a:pPr marL="0" indent="0">
-              <a:buNone/>
-            </a:pPr>
-            <a:r>
-              <a:rPr lang="en-GB" sz="2800" dirty="0" smtClean="0">
-                <a:latin typeface="Courier New" panose="02070309020205020404" pitchFamily="49" charset="0"/>
-                <a:cs typeface="Courier New" panose="02070309020205020404" pitchFamily="49" charset="0"/>
-              </a:rPr>
-              <a:t>$</a:t>
-            </a:r>
-            <a:r>
-              <a:rPr lang="en-GB" sz="2800" dirty="0" err="1" smtClean="0">
-                <a:latin typeface="Courier New" panose="02070309020205020404" pitchFamily="49" charset="0"/>
-                <a:cs typeface="Courier New" panose="02070309020205020404" pitchFamily="49" charset="0"/>
-              </a:rPr>
-              <a:t>scope.blogEntry</a:t>
-            </a:r>
-            <a:r>
-              <a:rPr lang="en-GB" sz="2800" dirty="0" smtClean="0">
-                <a:latin typeface="Courier New" panose="02070309020205020404" pitchFamily="49" charset="0"/>
-                <a:cs typeface="Courier New" panose="02070309020205020404" pitchFamily="49" charset="0"/>
-              </a:rPr>
-              <a:t> </a:t>
-            </a:r>
-            <a:r>
-              <a:rPr lang="en-GB" sz="2800" dirty="0">
-                <a:latin typeface="Courier New" panose="02070309020205020404" pitchFamily="49" charset="0"/>
-                <a:cs typeface="Courier New" panose="02070309020205020404" pitchFamily="49" charset="0"/>
-              </a:rPr>
-              <a:t>= new </a:t>
-            </a:r>
-            <a:r>
-              <a:rPr lang="en-GB" sz="2800" dirty="0" err="1" smtClean="0">
-                <a:latin typeface="Courier New" panose="02070309020205020404" pitchFamily="49" charset="0"/>
-                <a:cs typeface="Courier New" panose="02070309020205020404" pitchFamily="49" charset="0"/>
-              </a:rPr>
-              <a:t>BlogEntry</a:t>
-            </a:r>
-            <a:r>
-              <a:rPr lang="en-GB" sz="2800" dirty="0" smtClean="0">
-                <a:latin typeface="Courier New" panose="02070309020205020404" pitchFamily="49" charset="0"/>
-                <a:cs typeface="Courier New" panose="02070309020205020404" pitchFamily="49" charset="0"/>
-              </a:rPr>
-              <a:t>();</a:t>
-            </a:r>
-            <a:endParaRPr lang="en-GB" sz="2800" dirty="0">
-              <a:latin typeface="Courier New" panose="02070309020205020404" pitchFamily="49" charset="0"/>
-              <a:cs typeface="Courier New" panose="02070309020205020404" pitchFamily="49" charset="0"/>
-            </a:endParaRPr>
-          </a:p>
-          <a:p>
-            <a:pPr marL="0" indent="0">
-              <a:buNone/>
-            </a:pPr>
-            <a:r>
-              <a:rPr lang="en-GB" sz="2800" dirty="0">
-                <a:latin typeface="Courier New" panose="02070309020205020404" pitchFamily="49" charset="0"/>
-                <a:cs typeface="Courier New" panose="02070309020205020404" pitchFamily="49" charset="0"/>
-              </a:rPr>
-              <a:t>$</a:t>
-            </a:r>
-            <a:r>
-              <a:rPr lang="en-GB" sz="2800" dirty="0" smtClean="0">
-                <a:latin typeface="Courier New" panose="02070309020205020404" pitchFamily="49" charset="0"/>
-                <a:cs typeface="Courier New" panose="02070309020205020404" pitchFamily="49" charset="0"/>
-              </a:rPr>
-              <a:t>scope.</a:t>
-            </a:r>
-            <a:r>
-              <a:rPr lang="en-GB" sz="2800" dirty="0" err="1" smtClean="0">
-                <a:latin typeface="Courier New" panose="02070309020205020404" pitchFamily="49" charset="0"/>
-                <a:cs typeface="Courier New" panose="02070309020205020404" pitchFamily="49" charset="0"/>
-              </a:rPr>
-              <a:t>blogEntry</a:t>
-            </a:r>
-            <a:r>
-              <a:rPr lang="en-GB" sz="2800" dirty="0" smtClean="0">
-                <a:latin typeface="Courier New" panose="02070309020205020404" pitchFamily="49" charset="0"/>
-                <a:cs typeface="Courier New" panose="02070309020205020404" pitchFamily="49" charset="0"/>
-              </a:rPr>
-              <a:t>.$</a:t>
-            </a:r>
-            <a:r>
-              <a:rPr lang="en-GB" sz="2800" dirty="0">
-                <a:latin typeface="Courier New" panose="02070309020205020404" pitchFamily="49" charset="0"/>
-                <a:cs typeface="Courier New" panose="02070309020205020404" pitchFamily="49" charset="0"/>
-              </a:rPr>
-              <a:t>save</a:t>
-            </a:r>
-            <a:r>
-              <a:rPr lang="en-GB" sz="2800" dirty="0" smtClean="0">
-                <a:latin typeface="Courier New" panose="02070309020205020404" pitchFamily="49" charset="0"/>
-                <a:cs typeface="Courier New" panose="02070309020205020404" pitchFamily="49" charset="0"/>
-              </a:rPr>
-              <a:t>(</a:t>
-            </a:r>
-            <a:r>
-              <a:rPr lang="sr-Latn-RS" sz="2800" dirty="0" smtClean="0">
-                <a:latin typeface="Courier New" panose="02070309020205020404" pitchFamily="49" charset="0"/>
-                <a:cs typeface="Courier New" panose="02070309020205020404" pitchFamily="49" charset="0"/>
-              </a:rPr>
-              <a:t>...</a:t>
-            </a:r>
-            <a:r>
-              <a:rPr lang="en-GB" sz="2800" dirty="0" smtClean="0">
-                <a:latin typeface="Courier New" panose="02070309020205020404" pitchFamily="49" charset="0"/>
-                <a:cs typeface="Courier New" panose="02070309020205020404" pitchFamily="49" charset="0"/>
-              </a:rPr>
-              <a:t>)</a:t>
-            </a:r>
-            <a:r>
-              <a:rPr lang="sr-Latn-RS" sz="2800" dirty="0" smtClean="0">
-                <a:latin typeface="Courier New" panose="02070309020205020404" pitchFamily="49" charset="0"/>
-                <a:cs typeface="Courier New" panose="02070309020205020404" pitchFamily="49" charset="0"/>
-              </a:rPr>
-              <a:t>;</a:t>
-            </a:r>
-          </a:p>
-          <a:p>
-            <a:pPr marL="0" indent="0">
-              <a:buNone/>
-            </a:pPr>
-            <a:endParaRPr lang="en-GB" sz="2800" dirty="0">
-              <a:latin typeface="Courier New" panose="02070309020205020404" pitchFamily="49" charset="0"/>
-              <a:cs typeface="Courier New" panose="02070309020205020404" pitchFamily="49" charset="0"/>
-            </a:endParaRPr>
+              <a:rPr lang="sr-Latn-RS" dirty="0" err="1"/>
+              <a:t>s</a:t>
+            </a:r>
+            <a:r>
+              <a:rPr lang="en-GB" dirty="0" err="1" smtClean="0"/>
+              <a:t>uccesscb</a:t>
+            </a:r>
+            <a:r>
+              <a:rPr lang="sr-Latn-RS" dirty="0" smtClean="0"/>
+              <a:t>: callback funkcija za uspeh</a:t>
+            </a:r>
+          </a:p>
+          <a:p>
+            <a:r>
+              <a:rPr lang="sr-Latn-RS" dirty="0" err="1"/>
+              <a:t>e</a:t>
+            </a:r>
+            <a:r>
+              <a:rPr lang="en-GB" dirty="0" err="1" smtClean="0"/>
+              <a:t>rrorcb</a:t>
+            </a:r>
+            <a:r>
+              <a:rPr lang="sr-Latn-RS" dirty="0" smtClean="0"/>
+              <a:t>: callback funkcija za neuspeh</a:t>
+            </a:r>
+          </a:p>
+          <a:p>
+            <a:r>
+              <a:rPr lang="sr-Latn-RS" dirty="0" err="1"/>
+              <a:t>p</a:t>
+            </a:r>
+            <a:r>
+              <a:rPr lang="en-GB" dirty="0" err="1" smtClean="0"/>
+              <a:t>arams</a:t>
+            </a:r>
+            <a:r>
+              <a:rPr lang="sr-Latn-RS" dirty="0" smtClean="0"/>
+              <a:t>: query parametri zahteva</a:t>
+            </a:r>
+          </a:p>
+          <a:p>
+            <a:r>
+              <a:rPr lang="en-GB" dirty="0" err="1" smtClean="0"/>
+              <a:t>payloadData</a:t>
+            </a:r>
+            <a:r>
+              <a:rPr lang="sr-Latn-RS" dirty="0" smtClean="0"/>
+              <a:t>: telo zahteva</a:t>
+            </a:r>
+            <a:endParaRPr lang="en-GB" dirty="0"/>
           </a:p>
         </p:txBody>
       </p:sp>
     </p:spTree>
     <p:extLst>
       <p:ext uri="{BB962C8B-B14F-4D97-AF65-F5344CB8AC3E}">
-        <p14:creationId xmlns:p14="http://schemas.microsoft.com/office/powerpoint/2010/main" val="1926118269"/>
+        <p14:creationId xmlns:p14="http://schemas.microsoft.com/office/powerpoint/2010/main" val="984617055"/>
       </p:ext>
     </p:extLst>
   </p:cSld>
@@ -6968,29 +7013,6 @@
         </p:nvSpPr>
         <p:spPr/>
         <p:txBody>
-          <a:bodyPr/>
-          <a:lstStyle/>
-          <a:p>
-            <a:r>
-              <a:rPr lang="sr-Latn-RS" dirty="0" smtClean="0"/>
-              <a:t>Custom metode</a:t>
-            </a:r>
-            <a:endParaRPr lang="en-GB" dirty="0"/>
-          </a:p>
-        </p:txBody>
-      </p:sp>
-      <p:sp>
-        <p:nvSpPr>
-          <p:cNvPr id="3" name="Content Placeholder 2"/>
-          <p:cNvSpPr>
-            <a:spLocks noGrp="1"/>
-          </p:cNvSpPr>
-          <p:nvPr>
-            <p:ph idx="1"/>
-          </p:nvPr>
-        </p:nvSpPr>
-        <p:spPr/>
-        <p:txBody>
           <a:bodyPr>
             <a:normAutofit/>
           </a:bodyPr>
@@ -6998,135 +7020,178 @@
           <a:p>
             <a:r>
               <a:rPr lang="sr-Latn-RS" dirty="0" smtClean="0"/>
-              <a:t>$resource, kao i $http, inicijalno podržava samo podskup HTTP metoda</a:t>
-            </a:r>
-          </a:p>
-          <a:p>
-            <a:r>
-              <a:rPr lang="sr-Latn-RS" dirty="0" smtClean="0"/>
-              <a:t>Možemo dodati svoje metode</a:t>
-            </a:r>
+              <a:t>$resource metode instance</a:t>
+            </a:r>
+            <a:endParaRPr lang="en-GB" dirty="0"/>
+          </a:p>
+        </p:txBody>
+      </p:sp>
+      <p:sp>
+        <p:nvSpPr>
+          <p:cNvPr id="3" name="Content Placeholder 2"/>
+          <p:cNvSpPr>
+            <a:spLocks noGrp="1"/>
+          </p:cNvSpPr>
+          <p:nvPr>
+            <p:ph idx="1"/>
+          </p:nvPr>
+        </p:nvSpPr>
+        <p:spPr/>
+        <p:txBody>
+          <a:bodyPr>
+            <a:normAutofit/>
+          </a:bodyPr>
+          <a:lstStyle/>
+          <a:p>
+            <a:r>
+              <a:rPr lang="sr-Latn-RS" dirty="0" smtClean="0"/>
+              <a:t>Metode prototipa</a:t>
+            </a:r>
+          </a:p>
+          <a:p>
+            <a:r>
+              <a:rPr lang="sr-Latn-RS" dirty="0" smtClean="0"/>
+              <a:t>Ekvivalentne metodama na nivou konstrutora, ali se drugačije pozivaju:</a:t>
+            </a:r>
+            <a:endParaRPr lang="sr-Latn-RS" sz="2800" dirty="0" smtClean="0">
+              <a:latin typeface="Courier New" panose="02070309020205020404" pitchFamily="49" charset="0"/>
+              <a:cs typeface="Courier New" panose="02070309020205020404" pitchFamily="49" charset="0"/>
+            </a:endParaRPr>
           </a:p>
           <a:p>
             <a:pPr marL="0" indent="0">
               <a:buNone/>
             </a:pPr>
             <a:r>
-              <a:rPr lang="en-GB" sz="1900" dirty="0" err="1">
-                <a:latin typeface="Courier New" panose="02070309020205020404" pitchFamily="49" charset="0"/>
-                <a:cs typeface="Courier New" panose="02070309020205020404" pitchFamily="49" charset="0"/>
-              </a:rPr>
-              <a:t>var</a:t>
-            </a:r>
-            <a:r>
-              <a:rPr lang="en-GB" sz="1900" dirty="0">
+              <a:rPr lang="en-GB" sz="2800" dirty="0" smtClean="0">
+                <a:latin typeface="Courier New" panose="02070309020205020404" pitchFamily="49" charset="0"/>
+                <a:cs typeface="Courier New" panose="02070309020205020404" pitchFamily="49" charset="0"/>
+              </a:rPr>
+              <a:t>$</a:t>
+            </a:r>
+            <a:r>
+              <a:rPr lang="en-GB" sz="2800" dirty="0" err="1" smtClean="0">
+                <a:latin typeface="Courier New" panose="02070309020205020404" pitchFamily="49" charset="0"/>
+                <a:cs typeface="Courier New" panose="02070309020205020404" pitchFamily="49" charset="0"/>
+              </a:rPr>
+              <a:t>scope.blogEntry</a:t>
+            </a:r>
+            <a:r>
+              <a:rPr lang="en-GB" sz="2800" dirty="0" smtClean="0">
                 <a:latin typeface="Courier New" panose="02070309020205020404" pitchFamily="49" charset="0"/>
                 <a:cs typeface="Courier New" panose="02070309020205020404" pitchFamily="49" charset="0"/>
               </a:rPr>
               <a:t> </a:t>
             </a:r>
             <a:r>
-              <a:rPr lang="en-GB" sz="1900" dirty="0" err="1">
+              <a:rPr lang="en-GB" sz="2800" dirty="0">
+                <a:latin typeface="Courier New" panose="02070309020205020404" pitchFamily="49" charset="0"/>
+                <a:cs typeface="Courier New" panose="02070309020205020404" pitchFamily="49" charset="0"/>
+              </a:rPr>
+              <a:t>= new </a:t>
+            </a:r>
+            <a:r>
+              <a:rPr lang="en-GB" sz="2800" dirty="0" err="1" smtClean="0">
                 <a:latin typeface="Courier New" panose="02070309020205020404" pitchFamily="49" charset="0"/>
                 <a:cs typeface="Courier New" panose="02070309020205020404" pitchFamily="49" charset="0"/>
               </a:rPr>
               <a:t>BlogEntry</a:t>
             </a:r>
             <a:r>
-              <a:rPr lang="en-GB" sz="1900" dirty="0">
-                <a:latin typeface="Courier New" panose="02070309020205020404" pitchFamily="49" charset="0"/>
-                <a:cs typeface="Courier New" panose="02070309020205020404" pitchFamily="49" charset="0"/>
-              </a:rPr>
-              <a:t> = $resource('/</a:t>
-            </a:r>
-            <a:r>
-              <a:rPr lang="en-GB" sz="1900" dirty="0" err="1">
-                <a:latin typeface="Courier New" panose="02070309020205020404" pitchFamily="49" charset="0"/>
-                <a:cs typeface="Courier New" panose="02070309020205020404" pitchFamily="49" charset="0"/>
-              </a:rPr>
-              <a:t>api</a:t>
-            </a:r>
-            <a:r>
-              <a:rPr lang="en-GB" sz="1900" dirty="0">
-                <a:latin typeface="Courier New" panose="02070309020205020404" pitchFamily="49" charset="0"/>
-                <a:cs typeface="Courier New" panose="02070309020205020404" pitchFamily="49" charset="0"/>
-              </a:rPr>
-              <a:t>/</a:t>
-            </a:r>
-            <a:r>
-              <a:rPr lang="en-GB" sz="1900" dirty="0" err="1">
-                <a:latin typeface="Courier New" panose="02070309020205020404" pitchFamily="49" charset="0"/>
-                <a:cs typeface="Courier New" panose="02070309020205020404" pitchFamily="49" charset="0"/>
-              </a:rPr>
-              <a:t>blogEntries</a:t>
-            </a:r>
-            <a:r>
-              <a:rPr lang="en-GB" sz="1900" dirty="0">
-                <a:latin typeface="Courier New" panose="02070309020205020404" pitchFamily="49" charset="0"/>
-                <a:cs typeface="Courier New" panose="02070309020205020404" pitchFamily="49" charset="0"/>
-              </a:rPr>
-              <a:t>/:id',</a:t>
-            </a:r>
+              <a:rPr lang="en-GB" sz="2800" dirty="0" smtClean="0">
+                <a:latin typeface="Courier New" panose="02070309020205020404" pitchFamily="49" charset="0"/>
+                <a:cs typeface="Courier New" panose="02070309020205020404" pitchFamily="49" charset="0"/>
+              </a:rPr>
+              <a:t>();</a:t>
+            </a:r>
+            <a:endParaRPr lang="en-GB" sz="2800" dirty="0">
+              <a:latin typeface="Courier New" panose="02070309020205020404" pitchFamily="49" charset="0"/>
+              <a:cs typeface="Courier New" panose="02070309020205020404" pitchFamily="49" charset="0"/>
+            </a:endParaRPr>
           </a:p>
           <a:p>
             <a:pPr marL="0" indent="0">
               <a:buNone/>
             </a:pPr>
             <a:r>
-              <a:rPr lang="en-GB" sz="1900" dirty="0">
-                <a:latin typeface="Courier New" panose="02070309020205020404" pitchFamily="49" charset="0"/>
-                <a:cs typeface="Courier New" panose="02070309020205020404" pitchFamily="49" charset="0"/>
-              </a:rPr>
-              <a:t>			{id:'@_id'},</a:t>
+              <a:rPr lang="en-GB" sz="2800" dirty="0">
+                <a:latin typeface="Courier New" panose="02070309020205020404" pitchFamily="49" charset="0"/>
+                <a:cs typeface="Courier New" panose="02070309020205020404" pitchFamily="49" charset="0"/>
+              </a:rPr>
+              <a:t>$</a:t>
+            </a:r>
+            <a:r>
+              <a:rPr lang="en-GB" sz="2800" dirty="0" smtClean="0">
+                <a:latin typeface="Courier New" panose="02070309020205020404" pitchFamily="49" charset="0"/>
+                <a:cs typeface="Courier New" panose="02070309020205020404" pitchFamily="49" charset="0"/>
+              </a:rPr>
+              <a:t>scope.</a:t>
+            </a:r>
+            <a:r>
+              <a:rPr lang="en-GB" sz="2800" dirty="0" err="1" smtClean="0">
+                <a:latin typeface="Courier New" panose="02070309020205020404" pitchFamily="49" charset="0"/>
+                <a:cs typeface="Courier New" panose="02070309020205020404" pitchFamily="49" charset="0"/>
+              </a:rPr>
+              <a:t>blogEntry</a:t>
+            </a:r>
+            <a:r>
+              <a:rPr lang="en-GB" sz="2800" dirty="0" smtClean="0">
+                <a:latin typeface="Courier New" panose="02070309020205020404" pitchFamily="49" charset="0"/>
+                <a:cs typeface="Courier New" panose="02070309020205020404" pitchFamily="49" charset="0"/>
+              </a:rPr>
+              <a:t>.$</a:t>
+            </a:r>
+            <a:r>
+              <a:rPr lang="en-GB" sz="2800" dirty="0">
+                <a:latin typeface="Courier New" panose="02070309020205020404" pitchFamily="49" charset="0"/>
+                <a:cs typeface="Courier New" panose="02070309020205020404" pitchFamily="49" charset="0"/>
+              </a:rPr>
+              <a:t>save</a:t>
+            </a:r>
+            <a:r>
+              <a:rPr lang="en-GB" sz="2800" dirty="0" smtClean="0">
+                <a:latin typeface="Courier New" panose="02070309020205020404" pitchFamily="49" charset="0"/>
+                <a:cs typeface="Courier New" panose="02070309020205020404" pitchFamily="49" charset="0"/>
+              </a:rPr>
+              <a:t>(</a:t>
+            </a:r>
+            <a:r>
+              <a:rPr lang="sr-Latn-RS" sz="2800" dirty="0" smtClean="0">
+                <a:latin typeface="Courier New" panose="02070309020205020404" pitchFamily="49" charset="0"/>
+                <a:cs typeface="Courier New" panose="02070309020205020404" pitchFamily="49" charset="0"/>
+              </a:rPr>
+              <a:t>...</a:t>
+            </a:r>
+            <a:r>
+              <a:rPr lang="en-GB" sz="2800" dirty="0" smtClean="0">
+                <a:latin typeface="Courier New" panose="02070309020205020404" pitchFamily="49" charset="0"/>
+                <a:cs typeface="Courier New" panose="02070309020205020404" pitchFamily="49" charset="0"/>
+              </a:rPr>
+              <a:t>)</a:t>
+            </a:r>
+            <a:r>
+              <a:rPr lang="sr-Latn-RS" sz="2800" dirty="0" smtClean="0">
+                <a:latin typeface="Courier New" panose="02070309020205020404" pitchFamily="49" charset="0"/>
+                <a:cs typeface="Courier New" panose="02070309020205020404" pitchFamily="49" charset="0"/>
+              </a:rPr>
+              <a:t>;</a:t>
             </a:r>
           </a:p>
           <a:p>
             <a:pPr marL="0" indent="0">
               <a:buNone/>
             </a:pPr>
-            <a:r>
-              <a:rPr lang="en-GB" sz="1900" dirty="0">
-                <a:latin typeface="Courier New" panose="02070309020205020404" pitchFamily="49" charset="0"/>
-                <a:cs typeface="Courier New" panose="02070309020205020404" pitchFamily="49" charset="0"/>
-              </a:rPr>
-              <a:t>			</a:t>
-            </a:r>
-            <a:r>
-              <a:rPr lang="en-GB" sz="1900" b="1" dirty="0">
-                <a:latin typeface="Courier New" panose="02070309020205020404" pitchFamily="49" charset="0"/>
-                <a:cs typeface="Courier New" panose="02070309020205020404" pitchFamily="49" charset="0"/>
-              </a:rPr>
-              <a:t>{update:{</a:t>
-            </a:r>
-            <a:r>
-              <a:rPr lang="en-GB" sz="1900" b="1" dirty="0" err="1">
-                <a:latin typeface="Courier New" panose="02070309020205020404" pitchFamily="49" charset="0"/>
-                <a:cs typeface="Courier New" panose="02070309020205020404" pitchFamily="49" charset="0"/>
-              </a:rPr>
-              <a:t>method:'PUT</a:t>
-            </a:r>
-            <a:r>
-              <a:rPr lang="en-GB" sz="1900" b="1" dirty="0">
-                <a:latin typeface="Courier New" panose="02070309020205020404" pitchFamily="49" charset="0"/>
-                <a:cs typeface="Courier New" panose="02070309020205020404" pitchFamily="49" charset="0"/>
-              </a:rPr>
-              <a:t>'}}</a:t>
-            </a:r>
-            <a:r>
-              <a:rPr lang="en-GB" sz="1900" dirty="0">
-                <a:latin typeface="Courier New" panose="02070309020205020404" pitchFamily="49" charset="0"/>
-                <a:cs typeface="Courier New" panose="02070309020205020404" pitchFamily="49" charset="0"/>
-              </a:rPr>
-              <a:t>);</a:t>
-            </a:r>
-            <a:endParaRPr lang="sr-Latn-RS" dirty="0" smtClean="0"/>
+            <a:endParaRPr lang="en-GB" sz="2800" dirty="0">
+              <a:latin typeface="Courier New" panose="02070309020205020404" pitchFamily="49" charset="0"/>
+              <a:cs typeface="Courier New" panose="02070309020205020404" pitchFamily="49" charset="0"/>
+            </a:endParaRPr>
           </a:p>
         </p:txBody>
       </p:sp>
     </p:spTree>
     <p:extLst>
       <p:ext uri="{BB962C8B-B14F-4D97-AF65-F5344CB8AC3E}">
-        <p14:creationId xmlns:p14="http://schemas.microsoft.com/office/powerpoint/2010/main" val="2843307080"/>
+        <p14:creationId xmlns:p14="http://schemas.microsoft.com/office/powerpoint/2010/main" val="1926118269"/>
       </p:ext>
     </p:extLst>
   </p:cSld>
@@ -7196,13 +7261,17 @@
         <p:spPr/>
         <p:txBody>
           <a:bodyPr>
-            <a:normAutofit fontScale="85000" lnSpcReduction="20000"/>
+            <a:normAutofit/>
           </a:bodyPr>
           <a:lstStyle/>
           <a:p>
             <a:r>
               <a:rPr lang="sr-Latn-RS" dirty="0" smtClean="0"/>
-              <a:t>Navede se</a:t>
+              <a:t>$resource, kao i $http, inicijalno </a:t>
+            </a:r>
+            <a:r>
+              <a:rPr lang="en-GB" dirty="0" err="1" smtClean="0"/>
+              <a:t>ima</a:t>
             </a:r>
             <a:r>
               <a:rPr lang="en-GB" dirty="0" smtClean="0"/>
@@ -7210,158 +7279,168 @@
             </a:r>
             <a:r>
               <a:rPr lang="en-GB" dirty="0" err="1" smtClean="0"/>
-              <a:t>kao</a:t>
-            </a:r>
-            <a:r>
-              <a:rPr lang="sr-Latn-RS" dirty="0" smtClean="0"/>
-              <a:t> treći parametar u pozivu $resource fabrike</a:t>
-            </a:r>
-          </a:p>
-          <a:p>
-            <a:r>
-              <a:rPr lang="sr-Latn-RS" dirty="0" smtClean="0"/>
-              <a:t>Vrednost parametra je objekat sledećeg formata:</a:t>
-            </a:r>
-          </a:p>
-          <a:p>
+              <a:t>alijase</a:t>
+            </a:r>
+            <a:r>
+              <a:rPr lang="en-GB" dirty="0" smtClean="0"/>
+              <a:t> </a:t>
+            </a:r>
+            <a:r>
+              <a:rPr lang="en-GB" dirty="0" err="1" smtClean="0"/>
+              <a:t>za</a:t>
+            </a:r>
+            <a:r>
+              <a:rPr lang="en-GB" dirty="0" smtClean="0"/>
+              <a:t> </a:t>
+            </a:r>
+            <a:r>
+              <a:rPr lang="en-GB" dirty="0" err="1" smtClean="0"/>
+              <a:t>podskup</a:t>
+            </a:r>
+            <a:r>
+              <a:rPr lang="sr-Latn-RS" dirty="0" smtClean="0"/>
+              <a:t> HTTP metoda</a:t>
+            </a:r>
+          </a:p>
+          <a:p>
+            <a:r>
+              <a:rPr lang="sr-Latn-RS" dirty="0" smtClean="0"/>
+              <a:t>Možemo dodati </a:t>
+            </a:r>
+            <a:r>
+              <a:rPr lang="en-GB" dirty="0" err="1" smtClean="0"/>
+              <a:t>svoje</a:t>
+            </a:r>
+            <a:r>
+              <a:rPr lang="en-GB" dirty="0" smtClean="0"/>
+              <a:t> </a:t>
+            </a:r>
+            <a:r>
+              <a:rPr lang="en-GB" dirty="0" err="1" smtClean="0"/>
+              <a:t>alijase</a:t>
+            </a:r>
             <a:endParaRPr lang="sr-Latn-RS" dirty="0" smtClean="0"/>
           </a:p>
           <a:p>
-            <a:pPr marL="0" indent="0" algn="ctr">
+            <a:pPr marL="0" indent="0">
               <a:buNone/>
             </a:pPr>
             <a:r>
-              <a:rPr lang="en-GB" sz="2200" dirty="0" smtClean="0">
-                <a:latin typeface="Courier New" panose="02070309020205020404" pitchFamily="49" charset="0"/>
-                <a:cs typeface="Courier New" panose="02070309020205020404" pitchFamily="49" charset="0"/>
-              </a:rPr>
-              <a:t>action</a:t>
-            </a:r>
-            <a:r>
-              <a:rPr lang="en-GB" sz="2200" dirty="0">
-                <a:latin typeface="Courier New" panose="02070309020205020404" pitchFamily="49" charset="0"/>
-                <a:cs typeface="Courier New" panose="02070309020205020404" pitchFamily="49" charset="0"/>
-              </a:rPr>
-              <a:t>: {method:?, </a:t>
-            </a:r>
-            <a:r>
-              <a:rPr lang="en-GB" sz="2200" dirty="0" err="1">
-                <a:latin typeface="Courier New" panose="02070309020205020404" pitchFamily="49" charset="0"/>
-                <a:cs typeface="Courier New" panose="02070309020205020404" pitchFamily="49" charset="0"/>
-              </a:rPr>
-              <a:t>params</a:t>
-            </a:r>
-            <a:r>
-              <a:rPr lang="en-GB" sz="2200" dirty="0">
-                <a:latin typeface="Courier New" panose="02070309020205020404" pitchFamily="49" charset="0"/>
-                <a:cs typeface="Courier New" panose="02070309020205020404" pitchFamily="49" charset="0"/>
-              </a:rPr>
-              <a:t>:?, </a:t>
-            </a:r>
-            <a:r>
-              <a:rPr lang="en-GB" sz="2200" dirty="0" err="1">
-                <a:latin typeface="Courier New" panose="02070309020205020404" pitchFamily="49" charset="0"/>
-                <a:cs typeface="Courier New" panose="02070309020205020404" pitchFamily="49" charset="0"/>
-              </a:rPr>
-              <a:t>isArray</a:t>
-            </a:r>
-            <a:r>
-              <a:rPr lang="en-GB" sz="2200" dirty="0">
-                <a:latin typeface="Courier New" panose="02070309020205020404" pitchFamily="49" charset="0"/>
-                <a:cs typeface="Courier New" panose="02070309020205020404" pitchFamily="49" charset="0"/>
-              </a:rPr>
-              <a:t>:?, headers</a:t>
-            </a:r>
-            <a:r>
-              <a:rPr lang="en-GB" sz="2200" dirty="0" smtClean="0">
-                <a:latin typeface="Courier New" panose="02070309020205020404" pitchFamily="49" charset="0"/>
-                <a:cs typeface="Courier New" panose="02070309020205020404" pitchFamily="49" charset="0"/>
-              </a:rPr>
-              <a:t>:?}</a:t>
-            </a:r>
-            <a:endParaRPr lang="sr-Latn-RS" sz="2200" dirty="0" smtClean="0">
-              <a:latin typeface="Courier New" panose="02070309020205020404" pitchFamily="49" charset="0"/>
-              <a:cs typeface="Courier New" panose="02070309020205020404" pitchFamily="49" charset="0"/>
-            </a:endParaRPr>
-          </a:p>
-          <a:p>
-            <a:pPr marL="0" indent="0" algn="ctr">
+              <a:rPr lang="en-GB" sz="1900" dirty="0" err="1">
+                <a:latin typeface="Courier New" panose="02070309020205020404" pitchFamily="49" charset="0"/>
+                <a:cs typeface="Courier New" panose="02070309020205020404" pitchFamily="49" charset="0"/>
+              </a:rPr>
+              <a:t>var</a:t>
+            </a:r>
+            <a:r>
+              <a:rPr lang="en-GB" sz="1900" dirty="0">
+                <a:latin typeface="Courier New" panose="02070309020205020404" pitchFamily="49" charset="0"/>
+                <a:cs typeface="Courier New" panose="02070309020205020404" pitchFamily="49" charset="0"/>
+              </a:rPr>
+              <a:t> </a:t>
+            </a:r>
+            <a:r>
+              <a:rPr lang="en-GB" sz="1900" dirty="0" err="1">
+                <a:latin typeface="Courier New" panose="02070309020205020404" pitchFamily="49" charset="0"/>
+                <a:cs typeface="Courier New" panose="02070309020205020404" pitchFamily="49" charset="0"/>
+              </a:rPr>
+              <a:t>BlogEntry</a:t>
+            </a:r>
+            <a:r>
+              <a:rPr lang="en-GB" sz="1900" dirty="0">
+                <a:latin typeface="Courier New" panose="02070309020205020404" pitchFamily="49" charset="0"/>
+                <a:cs typeface="Courier New" panose="02070309020205020404" pitchFamily="49" charset="0"/>
+              </a:rPr>
+              <a:t> = $resource('/</a:t>
+            </a:r>
+            <a:r>
+              <a:rPr lang="en-GB" sz="1900" dirty="0" err="1">
+                <a:latin typeface="Courier New" panose="02070309020205020404" pitchFamily="49" charset="0"/>
+                <a:cs typeface="Courier New" panose="02070309020205020404" pitchFamily="49" charset="0"/>
+              </a:rPr>
+              <a:t>api</a:t>
+            </a:r>
+            <a:r>
+              <a:rPr lang="en-GB" sz="1900" dirty="0">
+                <a:latin typeface="Courier New" panose="02070309020205020404" pitchFamily="49" charset="0"/>
+                <a:cs typeface="Courier New" panose="02070309020205020404" pitchFamily="49" charset="0"/>
+              </a:rPr>
+              <a:t>/</a:t>
+            </a:r>
+            <a:r>
+              <a:rPr lang="en-GB" sz="1900" dirty="0" err="1">
+                <a:latin typeface="Courier New" panose="02070309020205020404" pitchFamily="49" charset="0"/>
+                <a:cs typeface="Courier New" panose="02070309020205020404" pitchFamily="49" charset="0"/>
+              </a:rPr>
+              <a:t>blogEntries</a:t>
+            </a:r>
+            <a:r>
+              <a:rPr lang="en-GB" sz="1900" dirty="0">
+                <a:latin typeface="Courier New" panose="02070309020205020404" pitchFamily="49" charset="0"/>
+                <a:cs typeface="Courier New" panose="02070309020205020404" pitchFamily="49" charset="0"/>
+              </a:rPr>
+              <a:t>/:id',</a:t>
+            </a:r>
+          </a:p>
+          <a:p>
+            <a:pPr marL="0" indent="0">
               <a:buNone/>
             </a:pPr>
-            <a:endParaRPr lang="sr-Latn-RS" sz="2200" dirty="0" smtClean="0">
-              <a:latin typeface="Courier New" panose="02070309020205020404" pitchFamily="49" charset="0"/>
-              <a:cs typeface="Courier New" panose="02070309020205020404" pitchFamily="49" charset="0"/>
-            </a:endParaRPr>
-          </a:p>
-          <a:p>
-            <a:pPr lvl="1"/>
-            <a:r>
-              <a:rPr lang="sr-Latn-RS" dirty="0"/>
-              <a:t>a</a:t>
-            </a:r>
-            <a:r>
-              <a:rPr lang="sr-Latn-RS" dirty="0" smtClean="0"/>
-              <a:t>ction: naziv metode $resource objekta</a:t>
-            </a:r>
-          </a:p>
-          <a:p>
-            <a:pPr lvl="1"/>
-            <a:r>
-              <a:rPr lang="sr-Latn-RS" dirty="0"/>
-              <a:t>m</a:t>
-            </a:r>
-            <a:r>
-              <a:rPr lang="sr-Latn-RS" dirty="0" smtClean="0"/>
-              <a:t>ethod: HTTP metoda</a:t>
-            </a:r>
-          </a:p>
-          <a:p>
-            <a:pPr lvl="1"/>
-            <a:r>
-              <a:rPr lang="sr-Latn-RS" dirty="0"/>
-              <a:t>p</a:t>
-            </a:r>
-            <a:r>
-              <a:rPr lang="sr-Latn-RS" dirty="0" smtClean="0"/>
-              <a:t>arams: default vrednosti parametara zahteva</a:t>
-            </a:r>
-          </a:p>
-          <a:p>
-            <a:pPr lvl="1"/>
-            <a:r>
-              <a:rPr lang="sr-Latn-RS" dirty="0" smtClean="0"/>
-              <a:t>isArray: boolean vrednost, da </a:t>
-            </a:r>
-            <a:r>
-              <a:rPr lang="en-GB" dirty="0" smtClean="0"/>
-              <a:t>li </a:t>
-            </a:r>
-            <a:r>
-              <a:rPr lang="sr-Latn-RS" dirty="0" smtClean="0"/>
-              <a:t>se vraća niz objekata ili jedan objkat</a:t>
-            </a:r>
-          </a:p>
-          <a:p>
-            <a:pPr lvl="1"/>
-            <a:r>
-              <a:rPr lang="sr-Latn-RS" dirty="0"/>
-              <a:t>h</a:t>
-            </a:r>
-            <a:r>
-              <a:rPr lang="sr-Latn-RS" dirty="0" smtClean="0"/>
-              <a:t>eaders: custom HTTP zaglavlja</a:t>
-            </a:r>
-          </a:p>
-          <a:p>
-            <a:pPr lvl="1"/>
-            <a:endParaRPr lang="sr-Latn-RS" dirty="0"/>
+            <a:r>
+              <a:rPr lang="en-GB" sz="1900" dirty="0">
+                <a:latin typeface="Courier New" panose="02070309020205020404" pitchFamily="49" charset="0"/>
+                <a:cs typeface="Courier New" panose="02070309020205020404" pitchFamily="49" charset="0"/>
+              </a:rPr>
+              <a:t>			{id:'@_id'},</a:t>
+            </a:r>
+          </a:p>
+          <a:p>
+            <a:pPr marL="0" indent="0">
+              <a:buNone/>
+            </a:pPr>
+            <a:r>
+              <a:rPr lang="en-GB" sz="1900" dirty="0">
+                <a:latin typeface="Courier New" panose="02070309020205020404" pitchFamily="49" charset="0"/>
+                <a:cs typeface="Courier New" panose="02070309020205020404" pitchFamily="49" charset="0"/>
+              </a:rPr>
+              <a:t>			</a:t>
+            </a:r>
+            <a:r>
+              <a:rPr lang="en-GB" sz="1900" b="1" dirty="0">
+                <a:latin typeface="Courier New" panose="02070309020205020404" pitchFamily="49" charset="0"/>
+                <a:cs typeface="Courier New" panose="02070309020205020404" pitchFamily="49" charset="0"/>
+              </a:rPr>
+              <a:t>{update:{</a:t>
+            </a:r>
+            <a:r>
+              <a:rPr lang="en-GB" sz="1900" b="1" dirty="0" err="1">
+                <a:latin typeface="Courier New" panose="02070309020205020404" pitchFamily="49" charset="0"/>
+                <a:cs typeface="Courier New" panose="02070309020205020404" pitchFamily="49" charset="0"/>
+              </a:rPr>
+              <a:t>method:'PUT</a:t>
+            </a:r>
+            <a:r>
+              <a:rPr lang="en-GB" sz="1900" b="1" dirty="0">
+                <a:latin typeface="Courier New" panose="02070309020205020404" pitchFamily="49" charset="0"/>
+                <a:cs typeface="Courier New" panose="02070309020205020404" pitchFamily="49" charset="0"/>
+              </a:rPr>
+              <a:t>'}}</a:t>
+            </a:r>
+            <a:r>
+              <a:rPr lang="en-GB" sz="1900" dirty="0">
+                <a:latin typeface="Courier New" panose="02070309020205020404" pitchFamily="49" charset="0"/>
+                <a:cs typeface="Courier New" panose="02070309020205020404" pitchFamily="49" charset="0"/>
+              </a:rPr>
+              <a:t>);</a:t>
+            </a:r>
+            <a:endParaRPr lang="sr-Latn-RS" dirty="0" smtClean="0"/>
           </a:p>
         </p:txBody>
       </p:sp>
     </p:spTree>
     <p:extLst>
       <p:ext uri="{BB962C8B-B14F-4D97-AF65-F5344CB8AC3E}">
-        <p14:creationId xmlns:p14="http://schemas.microsoft.com/office/powerpoint/2010/main" val="437235353"/>
+        <p14:creationId xmlns:p14="http://schemas.microsoft.com/office/powerpoint/2010/main" val="2843307080"/>
       </p:ext>
     </p:extLst>
   </p:cSld>
@@ -7430,7 +7509,9 @@
         </p:nvSpPr>
         <p:spPr/>
         <p:txBody>
-          <a:bodyPr/>
+          <a:bodyPr>
+            <a:normAutofit lnSpcReduction="10000"/>
+          </a:bodyPr>
           <a:lstStyle/>
           <a:p>
             <a:r>
@@ -7441,15 +7522,43 @@
           <a:p>
             <a:r>
               <a:rPr lang="sr-Latn-RS" dirty="0" smtClean="0"/>
-              <a:t>Servis opšte namene koji omogućuje AJAX pozive i </a:t>
-            </a:r>
-            <a:r>
-              <a:rPr lang="sr-Latn-RS" dirty="0" smtClean="0"/>
-              <a:t>procesiranje </a:t>
-            </a:r>
-            <a:r>
-              <a:rPr lang="sr-Latn-RS" dirty="0" smtClean="0"/>
-              <a:t>dobijenih rezultata</a:t>
+              <a:t>Servis opšte namene koji omogućava AJAX pozive – slanje zahteva i procesiranje dobijenih rezultata</a:t>
+            </a:r>
+          </a:p>
+          <a:p>
+            <a:r>
+              <a:rPr lang="sr-Latn-RS" dirty="0" smtClean="0"/>
+              <a:t>$http funkcija</a:t>
+            </a:r>
+          </a:p>
+          <a:p>
+            <a:pPr lvl="1"/>
+            <a:r>
+              <a:rPr lang="sr-Latn-RS" dirty="0" smtClean="0"/>
+              <a:t>Ima jedan parametar – </a:t>
+            </a:r>
+            <a:r>
+              <a:rPr lang="sr-Latn-RS" b="1" dirty="0" smtClean="0"/>
+              <a:t>config </a:t>
+            </a:r>
+            <a:r>
+              <a:rPr lang="sr-Latn-RS" dirty="0" smtClean="0"/>
+              <a:t>objekat u kome se postavljaju metoda, url, podaci za slanje, zaglavlja, ...</a:t>
+            </a:r>
+          </a:p>
+          <a:p>
+            <a:pPr lvl="1"/>
+            <a:r>
+              <a:rPr lang="sr-Latn-RS" dirty="0" smtClean="0"/>
+              <a:t>Vraća </a:t>
+            </a:r>
+            <a:r>
+              <a:rPr lang="sr-Latn-RS" b="1" dirty="0" smtClean="0"/>
+              <a:t>promise</a:t>
+            </a:r>
+            <a:r>
+              <a:rPr lang="sr-Latn-RS" dirty="0" smtClean="0"/>
+              <a:t> objekat </a:t>
             </a:r>
           </a:p>
         </p:txBody>
@@ -7503,79 +7612,196 @@
         </p:nvSpPr>
         <p:spPr/>
         <p:txBody>
+          <a:bodyPr/>
+          <a:lstStyle/>
+          <a:p>
+            <a:r>
+              <a:rPr lang="sr-Latn-RS" dirty="0" smtClean="0"/>
+              <a:t>Custom metode</a:t>
+            </a:r>
+            <a:endParaRPr lang="en-GB" dirty="0"/>
+          </a:p>
+        </p:txBody>
+      </p:sp>
+      <p:sp>
+        <p:nvSpPr>
+          <p:cNvPr id="3" name="Content Placeholder 2"/>
+          <p:cNvSpPr>
+            <a:spLocks noGrp="1"/>
+          </p:cNvSpPr>
+          <p:nvPr>
+            <p:ph idx="1"/>
+          </p:nvPr>
+        </p:nvSpPr>
+        <p:spPr/>
+        <p:txBody>
           <a:bodyPr>
-            <a:normAutofit fontScale="90000"/>
+            <a:normAutofit fontScale="85000" lnSpcReduction="20000"/>
           </a:bodyPr>
           <a:lstStyle/>
           <a:p>
             <a:r>
               <a:rPr lang="sr-Latn-RS" dirty="0" smtClean="0"/>
-              <a:t>$resource – napisano sitnim slovima</a:t>
-            </a:r>
-            <a:endParaRPr lang="en-GB" dirty="0"/>
-          </a:p>
-        </p:txBody>
-      </p:sp>
-      <p:sp>
-        <p:nvSpPr>
-          <p:cNvPr id="3" name="Content Placeholder 2"/>
-          <p:cNvSpPr>
-            <a:spLocks noGrp="1"/>
-          </p:cNvSpPr>
-          <p:nvPr>
-            <p:ph idx="1"/>
-          </p:nvPr>
-        </p:nvSpPr>
-        <p:spPr/>
-        <p:txBody>
-          <a:bodyPr>
-            <a:normAutofit/>
-          </a:bodyPr>
-          <a:lstStyle/>
-          <a:p>
-            <a:r>
-              <a:rPr lang="sr-Latn-RS" dirty="0" smtClean="0"/>
-              <a:t>$resource sa back end-a može da primi samo JavaScript nizove i objkete</a:t>
-            </a:r>
-          </a:p>
-          <a:p>
-            <a:r>
-              <a:rPr lang="sr-Latn-RS" dirty="0" smtClean="0"/>
-              <a:t>Primitivni tipovi nisu podržani!</a:t>
-            </a:r>
-            <a:endParaRPr lang="en-GB" dirty="0"/>
-          </a:p>
-          <a:p>
-            <a:r>
-              <a:rPr lang="sr-Latn-RS" dirty="0" smtClean="0"/>
-              <a:t>Metode koje u callback funkcijama imaju nizove (isArray:true) moraju da prime JavaScript niz</a:t>
+              <a:t>Navede se</a:t>
             </a:r>
             <a:r>
               <a:rPr lang="en-GB" dirty="0" smtClean="0"/>
-              <a:t>. </a:t>
-            </a:r>
-            <a:r>
-              <a:rPr lang="sr-Latn-RS" dirty="0" smtClean="0"/>
-              <a:t>Nizovi vrapovani u JavaScript objekte neće biti adekvatno procesirani</a:t>
-            </a:r>
-            <a:r>
-              <a:rPr lang="sr-Latn-RS" dirty="0" smtClean="0"/>
-              <a:t>.</a:t>
-            </a:r>
-          </a:p>
-          <a:p>
-            <a:r>
-              <a:rPr lang="sr-Latn-RS" dirty="0" smtClean="0"/>
-              <a:t>Za domaći: dodati paginaciju</a:t>
-            </a:r>
+              <a:t> </a:t>
+            </a:r>
+            <a:r>
+              <a:rPr lang="en-GB" dirty="0" err="1" smtClean="0"/>
+              <a:t>kao</a:t>
+            </a:r>
+            <a:r>
+              <a:rPr lang="sr-Latn-RS" dirty="0" smtClean="0"/>
+              <a:t> treći parametar u pozivu $resource fabrike</a:t>
+            </a:r>
+          </a:p>
+          <a:p>
+            <a:r>
+              <a:rPr lang="sr-Latn-RS" dirty="0" smtClean="0"/>
+              <a:t>Vrednost parametra je objekat sledećeg formata:</a:t>
+            </a:r>
+          </a:p>
+          <a:p>
             <a:endParaRPr lang="sr-Latn-RS" dirty="0" smtClean="0"/>
+          </a:p>
+          <a:p>
+            <a:pPr marL="0" indent="0" algn="ctr">
+              <a:buNone/>
+            </a:pPr>
+            <a:r>
+              <a:rPr lang="en-GB" sz="2200" dirty="0" smtClean="0">
+                <a:latin typeface="Courier New" panose="02070309020205020404" pitchFamily="49" charset="0"/>
+                <a:cs typeface="Courier New" panose="02070309020205020404" pitchFamily="49" charset="0"/>
+              </a:rPr>
+              <a:t>action</a:t>
+            </a:r>
+            <a:r>
+              <a:rPr lang="en-GB" sz="2200" dirty="0">
+                <a:latin typeface="Courier New" panose="02070309020205020404" pitchFamily="49" charset="0"/>
+                <a:cs typeface="Courier New" panose="02070309020205020404" pitchFamily="49" charset="0"/>
+              </a:rPr>
+              <a:t>: {method:?, </a:t>
+            </a:r>
+            <a:r>
+              <a:rPr lang="en-GB" sz="2200" dirty="0" err="1">
+                <a:latin typeface="Courier New" panose="02070309020205020404" pitchFamily="49" charset="0"/>
+                <a:cs typeface="Courier New" panose="02070309020205020404" pitchFamily="49" charset="0"/>
+              </a:rPr>
+              <a:t>params</a:t>
+            </a:r>
+            <a:r>
+              <a:rPr lang="en-GB" sz="2200" dirty="0">
+                <a:latin typeface="Courier New" panose="02070309020205020404" pitchFamily="49" charset="0"/>
+                <a:cs typeface="Courier New" panose="02070309020205020404" pitchFamily="49" charset="0"/>
+              </a:rPr>
+              <a:t>:?, </a:t>
+            </a:r>
+            <a:r>
+              <a:rPr lang="en-GB" sz="2200" dirty="0" err="1">
+                <a:latin typeface="Courier New" panose="02070309020205020404" pitchFamily="49" charset="0"/>
+                <a:cs typeface="Courier New" panose="02070309020205020404" pitchFamily="49" charset="0"/>
+              </a:rPr>
+              <a:t>isArray</a:t>
+            </a:r>
+            <a:r>
+              <a:rPr lang="en-GB" sz="2200" dirty="0">
+                <a:latin typeface="Courier New" panose="02070309020205020404" pitchFamily="49" charset="0"/>
+                <a:cs typeface="Courier New" panose="02070309020205020404" pitchFamily="49" charset="0"/>
+              </a:rPr>
+              <a:t>:?, headers</a:t>
+            </a:r>
+            <a:r>
+              <a:rPr lang="en-GB" sz="2200" dirty="0" smtClean="0">
+                <a:latin typeface="Courier New" panose="02070309020205020404" pitchFamily="49" charset="0"/>
+                <a:cs typeface="Courier New" panose="02070309020205020404" pitchFamily="49" charset="0"/>
+              </a:rPr>
+              <a:t>:?}</a:t>
+            </a:r>
+            <a:endParaRPr lang="sr-Latn-RS" sz="2200" dirty="0" smtClean="0">
+              <a:latin typeface="Courier New" panose="02070309020205020404" pitchFamily="49" charset="0"/>
+              <a:cs typeface="Courier New" panose="02070309020205020404" pitchFamily="49" charset="0"/>
+            </a:endParaRPr>
+          </a:p>
+          <a:p>
+            <a:pPr marL="0" indent="0" algn="ctr">
+              <a:buNone/>
+            </a:pPr>
+            <a:endParaRPr lang="sr-Latn-RS" sz="2200" dirty="0" smtClean="0">
+              <a:latin typeface="Courier New" panose="02070309020205020404" pitchFamily="49" charset="0"/>
+              <a:cs typeface="Courier New" panose="02070309020205020404" pitchFamily="49" charset="0"/>
+            </a:endParaRPr>
+          </a:p>
+          <a:p>
+            <a:pPr lvl="1"/>
+            <a:r>
+              <a:rPr lang="sr-Latn-RS" dirty="0"/>
+              <a:t>a</a:t>
+            </a:r>
+            <a:r>
+              <a:rPr lang="sr-Latn-RS" dirty="0" smtClean="0"/>
+              <a:t>ction: naziv metode $resource objekta</a:t>
+            </a:r>
+          </a:p>
+          <a:p>
+            <a:pPr lvl="1"/>
+            <a:r>
+              <a:rPr lang="sr-Latn-RS" dirty="0"/>
+              <a:t>m</a:t>
+            </a:r>
+            <a:r>
+              <a:rPr lang="sr-Latn-RS" dirty="0" smtClean="0"/>
+              <a:t>ethod: HTTP metoda</a:t>
+            </a:r>
+          </a:p>
+          <a:p>
+            <a:pPr lvl="1"/>
+            <a:r>
+              <a:rPr lang="sr-Latn-RS" dirty="0"/>
+              <a:t>p</a:t>
+            </a:r>
+            <a:r>
+              <a:rPr lang="sr-Latn-RS" dirty="0" smtClean="0"/>
+              <a:t>arams: default vrednosti parametara zahteva</a:t>
+            </a:r>
+          </a:p>
+          <a:p>
+            <a:pPr lvl="1"/>
+            <a:r>
+              <a:rPr lang="sr-Latn-RS" dirty="0" smtClean="0"/>
+              <a:t>isArray: boolean vrednost, da </a:t>
+            </a:r>
+            <a:r>
+              <a:rPr lang="en-GB" dirty="0" smtClean="0"/>
+              <a:t>li </a:t>
+            </a:r>
+            <a:r>
+              <a:rPr lang="sr-Latn-RS" dirty="0" smtClean="0"/>
+              <a:t>se vraća niz objekata ili jedan objkat</a:t>
+            </a:r>
+          </a:p>
+          <a:p>
+            <a:pPr lvl="1"/>
+            <a:r>
+              <a:rPr lang="sr-Latn-RS" dirty="0"/>
+              <a:t>h</a:t>
+            </a:r>
+            <a:r>
+              <a:rPr lang="sr-Latn-RS" dirty="0" smtClean="0"/>
+              <a:t>eaders: custom HTTP zaglavlja</a:t>
+            </a:r>
+          </a:p>
+          <a:p>
+            <a:pPr lvl="1"/>
+            <a:endParaRPr lang="sr-Latn-RS" dirty="0"/>
           </a:p>
         </p:txBody>
       </p:sp>
     </p:spTree>
     <p:extLst>
       <p:ext uri="{BB962C8B-B14F-4D97-AF65-F5344CB8AC3E}">
-        <p14:creationId xmlns:p14="http://schemas.microsoft.com/office/powerpoint/2010/main" val="4017794257"/>
+        <p14:creationId xmlns:p14="http://schemas.microsoft.com/office/powerpoint/2010/main" val="437235353"/>
       </p:ext>
     </p:extLst>
   </p:cSld>
@@ -7621,12 +7847,14 @@
         </p:nvSpPr>
         <p:spPr/>
         <p:txBody>
-          <a:bodyPr/>
-          <a:lstStyle/>
-          <a:p>
-            <a:r>
-              <a:rPr lang="sr-Latn-RS" dirty="0" smtClean="0"/>
-              <a:t>$resource i asinhroni pozivi</a:t>
+          <a:bodyPr>
+            <a:normAutofit fontScale="90000"/>
+          </a:bodyPr>
+          <a:lstStyle/>
+          <a:p>
+            <a:r>
+              <a:rPr lang="sr-Latn-RS" dirty="0" smtClean="0"/>
+              <a:t>$resource – napisano sitnim slovima</a:t>
             </a:r>
             <a:endParaRPr lang="en-GB" dirty="0"/>
           </a:p>
@@ -7645,226 +7873,61 @@
         <p:spPr/>
         <p:txBody>
           <a:bodyPr>
-            <a:normAutofit lnSpcReduction="10000"/>
+            <a:normAutofit/>
           </a:bodyPr>
           <a:lstStyle/>
           <a:p>
             <a:r>
               <a:rPr lang="sr-Latn-RS" dirty="0" smtClean="0"/>
-              <a:t>Šta se desi kada pozovemo kod ispod?</a:t>
-            </a:r>
-          </a:p>
-          <a:p>
-            <a:pPr marL="0" indent="0">
-              <a:buNone/>
-            </a:pPr>
-            <a:r>
-              <a:rPr lang="en-GB" sz="2800" dirty="0" err="1" smtClean="0">
-                <a:latin typeface="Courier New" panose="02070309020205020404" pitchFamily="49" charset="0"/>
-                <a:cs typeface="Courier New" panose="02070309020205020404" pitchFamily="49" charset="0"/>
-              </a:rPr>
-              <a:t>BlogEntry</a:t>
-            </a:r>
-            <a:r>
-              <a:rPr lang="sr-Latn-RS" sz="2800" dirty="0" smtClean="0">
-                <a:latin typeface="Courier New" panose="02070309020205020404" pitchFamily="49" charset="0"/>
-                <a:cs typeface="Courier New" panose="02070309020205020404" pitchFamily="49" charset="0"/>
-              </a:rPr>
-              <a:t>.query</a:t>
-            </a:r>
-            <a:r>
-              <a:rPr lang="sr-Latn-RS" sz="2800" dirty="0">
-                <a:latin typeface="Courier New" panose="02070309020205020404" pitchFamily="49" charset="0"/>
-                <a:cs typeface="Courier New" panose="02070309020205020404" pitchFamily="49" charset="0"/>
-              </a:rPr>
-              <a:t>().$promise.then</a:t>
-            </a:r>
-            <a:r>
-              <a:rPr lang="sr-Latn-RS" sz="2800" dirty="0" smtClean="0">
-                <a:latin typeface="Courier New" panose="02070309020205020404" pitchFamily="49" charset="0"/>
-                <a:cs typeface="Courier New" panose="02070309020205020404" pitchFamily="49" charset="0"/>
-              </a:rPr>
-              <a:t>(</a:t>
-            </a:r>
-          </a:p>
-          <a:p>
-            <a:pPr marL="0" indent="0">
-              <a:buNone/>
-            </a:pPr>
-            <a:r>
-              <a:rPr lang="sr-Latn-RS" sz="2800" dirty="0">
-                <a:latin typeface="Courier New" panose="02070309020205020404" pitchFamily="49" charset="0"/>
-                <a:cs typeface="Courier New" panose="02070309020205020404" pitchFamily="49" charset="0"/>
-              </a:rPr>
-              <a:t> </a:t>
-            </a:r>
-            <a:r>
-              <a:rPr lang="sr-Latn-RS" sz="2800" dirty="0" smtClean="0">
-                <a:latin typeface="Courier New" panose="02070309020205020404" pitchFamily="49" charset="0"/>
-                <a:cs typeface="Courier New" panose="02070309020205020404" pitchFamily="49" charset="0"/>
-              </a:rPr>
-              <a:t> function </a:t>
-            </a:r>
-            <a:r>
-              <a:rPr lang="sr-Latn-RS" sz="2800" dirty="0">
-                <a:latin typeface="Courier New" panose="02070309020205020404" pitchFamily="49" charset="0"/>
-                <a:cs typeface="Courier New" panose="02070309020205020404" pitchFamily="49" charset="0"/>
-              </a:rPr>
-              <a:t>(data) {</a:t>
-            </a:r>
-          </a:p>
-          <a:p>
-            <a:pPr marL="0" indent="0">
-              <a:buNone/>
-            </a:pPr>
-            <a:r>
-              <a:rPr lang="sr-Latn-RS" sz="2800" dirty="0">
-                <a:latin typeface="Courier New" panose="02070309020205020404" pitchFamily="49" charset="0"/>
-                <a:cs typeface="Courier New" panose="02070309020205020404" pitchFamily="49" charset="0"/>
-              </a:rPr>
-              <a:t> </a:t>
-            </a:r>
-            <a:r>
-              <a:rPr lang="sr-Latn-RS" sz="2800" dirty="0" smtClean="0">
-                <a:latin typeface="Courier New" panose="02070309020205020404" pitchFamily="49" charset="0"/>
-                <a:cs typeface="Courier New" panose="02070309020205020404" pitchFamily="49" charset="0"/>
-              </a:rPr>
-              <a:t>   $scope.</a:t>
-            </a:r>
-            <a:r>
-              <a:rPr lang="en-GB" sz="2800" dirty="0" err="1" smtClean="0">
-                <a:latin typeface="Courier New" panose="02070309020205020404" pitchFamily="49" charset="0"/>
-                <a:cs typeface="Courier New" panose="02070309020205020404" pitchFamily="49" charset="0"/>
-              </a:rPr>
-              <a:t>blogEntries</a:t>
-            </a:r>
-            <a:r>
-              <a:rPr lang="sr-Latn-RS" sz="2800" dirty="0" smtClean="0">
-                <a:latin typeface="Courier New" panose="02070309020205020404" pitchFamily="49" charset="0"/>
-                <a:cs typeface="Courier New" panose="02070309020205020404" pitchFamily="49" charset="0"/>
-              </a:rPr>
-              <a:t> </a:t>
-            </a:r>
-            <a:r>
-              <a:rPr lang="sr-Latn-RS" sz="2800" dirty="0">
-                <a:latin typeface="Courier New" panose="02070309020205020404" pitchFamily="49" charset="0"/>
-                <a:cs typeface="Courier New" panose="02070309020205020404" pitchFamily="49" charset="0"/>
-              </a:rPr>
-              <a:t>= data;</a:t>
-            </a:r>
-          </a:p>
-          <a:p>
-            <a:pPr marL="0" indent="0">
-              <a:buNone/>
-            </a:pPr>
-            <a:r>
-              <a:rPr lang="sr-Latn-RS" sz="2800" dirty="0">
-                <a:latin typeface="Courier New" panose="02070309020205020404" pitchFamily="49" charset="0"/>
-                <a:cs typeface="Courier New" panose="02070309020205020404" pitchFamily="49" charset="0"/>
-              </a:rPr>
-              <a:t> </a:t>
-            </a:r>
-            <a:r>
-              <a:rPr lang="sr-Latn-RS" sz="2800" dirty="0" smtClean="0">
-                <a:latin typeface="Courier New" panose="02070309020205020404" pitchFamily="49" charset="0"/>
-                <a:cs typeface="Courier New" panose="02070309020205020404" pitchFamily="49" charset="0"/>
-              </a:rPr>
-              <a:t> }, </a:t>
-            </a:r>
-          </a:p>
-          <a:p>
-            <a:pPr marL="0" indent="0">
-              <a:buNone/>
-            </a:pPr>
-            <a:r>
-              <a:rPr lang="sr-Latn-RS" sz="2800" dirty="0">
-                <a:latin typeface="Courier New" panose="02070309020205020404" pitchFamily="49" charset="0"/>
-                <a:cs typeface="Courier New" panose="02070309020205020404" pitchFamily="49" charset="0"/>
-              </a:rPr>
-              <a:t> </a:t>
-            </a:r>
-            <a:r>
-              <a:rPr lang="sr-Latn-RS" sz="2800" dirty="0" smtClean="0">
-                <a:latin typeface="Courier New" panose="02070309020205020404" pitchFamily="49" charset="0"/>
-                <a:cs typeface="Courier New" panose="02070309020205020404" pitchFamily="49" charset="0"/>
-              </a:rPr>
-              <a:t> function </a:t>
-            </a:r>
-            <a:r>
-              <a:rPr lang="sr-Latn-RS" sz="2800" dirty="0">
-                <a:latin typeface="Courier New" panose="02070309020205020404" pitchFamily="49" charset="0"/>
-                <a:cs typeface="Courier New" panose="02070309020205020404" pitchFamily="49" charset="0"/>
-              </a:rPr>
-              <a:t>(error) {</a:t>
-            </a:r>
-          </a:p>
-          <a:p>
-            <a:pPr marL="0" indent="0">
-              <a:buNone/>
-            </a:pPr>
-            <a:r>
-              <a:rPr lang="sr-Latn-RS" sz="2800" dirty="0">
-                <a:latin typeface="Courier New" panose="02070309020205020404" pitchFamily="49" charset="0"/>
-                <a:cs typeface="Courier New" panose="02070309020205020404" pitchFamily="49" charset="0"/>
-              </a:rPr>
-              <a:t> </a:t>
-            </a:r>
-            <a:r>
-              <a:rPr lang="sr-Latn-RS" sz="2800" dirty="0" smtClean="0">
-                <a:latin typeface="Courier New" panose="02070309020205020404" pitchFamily="49" charset="0"/>
-                <a:cs typeface="Courier New" panose="02070309020205020404" pitchFamily="49" charset="0"/>
-              </a:rPr>
-              <a:t>   console.log(error</a:t>
-            </a:r>
-            <a:r>
-              <a:rPr lang="sr-Latn-RS" sz="2800" dirty="0">
-                <a:latin typeface="Courier New" panose="02070309020205020404" pitchFamily="49" charset="0"/>
-                <a:cs typeface="Courier New" panose="02070309020205020404" pitchFamily="49" charset="0"/>
-              </a:rPr>
-              <a:t>);</a:t>
-            </a:r>
-          </a:p>
-          <a:p>
-            <a:pPr marL="0" indent="0">
-              <a:buNone/>
-            </a:pPr>
-            <a:r>
-              <a:rPr lang="sr-Latn-RS" sz="2800" dirty="0">
-                <a:latin typeface="Courier New" panose="02070309020205020404" pitchFamily="49" charset="0"/>
-                <a:cs typeface="Courier New" panose="02070309020205020404" pitchFamily="49" charset="0"/>
-              </a:rPr>
-              <a:t> </a:t>
-            </a:r>
-            <a:r>
-              <a:rPr lang="sr-Latn-RS" sz="2800" dirty="0" smtClean="0">
-                <a:latin typeface="Courier New" panose="02070309020205020404" pitchFamily="49" charset="0"/>
-                <a:cs typeface="Courier New" panose="02070309020205020404" pitchFamily="49" charset="0"/>
-              </a:rPr>
-              <a:t> }</a:t>
-            </a:r>
-          </a:p>
-          <a:p>
-            <a:pPr marL="0" indent="0">
-              <a:buNone/>
-            </a:pPr>
-            <a:r>
-              <a:rPr lang="sr-Latn-RS" sz="2800" dirty="0" smtClean="0">
-                <a:latin typeface="Courier New" panose="02070309020205020404" pitchFamily="49" charset="0"/>
-                <a:cs typeface="Courier New" panose="02070309020205020404" pitchFamily="49" charset="0"/>
-              </a:rPr>
-              <a:t>);</a:t>
-            </a:r>
-            <a:endParaRPr lang="sr-Latn-RS" sz="2800" dirty="0">
-              <a:latin typeface="Courier New" panose="02070309020205020404" pitchFamily="49" charset="0"/>
-              <a:cs typeface="Courier New" panose="02070309020205020404" pitchFamily="49" charset="0"/>
-            </a:endParaRPr>
+              <a:t>$resource sa back end-a može da primi samo JavaScript nizove i </a:t>
+            </a:r>
+            <a:r>
+              <a:rPr lang="sr-Latn-RS" dirty="0" smtClean="0"/>
+              <a:t>obj</a:t>
+            </a:r>
+            <a:r>
+              <a:rPr lang="en-GB" dirty="0" smtClean="0"/>
+              <a:t>e</a:t>
+            </a:r>
+            <a:r>
+              <a:rPr lang="sr-Latn-RS" smtClean="0"/>
+              <a:t>kte</a:t>
+            </a:r>
+            <a:endParaRPr lang="sr-Latn-RS" dirty="0" smtClean="0"/>
+          </a:p>
+          <a:p>
+            <a:r>
+              <a:rPr lang="sr-Latn-RS" dirty="0" smtClean="0"/>
+              <a:t>Primitivni tipovi nisu podržani!</a:t>
+            </a:r>
+            <a:endParaRPr lang="en-GB" dirty="0"/>
+          </a:p>
+          <a:p>
+            <a:r>
+              <a:rPr lang="sr-Latn-RS" dirty="0" smtClean="0"/>
+              <a:t>Metode koje u callback funkcijama imaju nizove (isArray:true) moraju da prime JavaScript niz</a:t>
+            </a:r>
+            <a:r>
+              <a:rPr lang="en-GB" dirty="0" smtClean="0"/>
+              <a:t>. </a:t>
+            </a:r>
+            <a:r>
+              <a:rPr lang="sr-Latn-RS" dirty="0" smtClean="0"/>
+              <a:t>Nizovi wrapovani u JavaScript objekte neće biti adekvatno procesirani.</a:t>
+            </a:r>
+          </a:p>
+          <a:p>
+            <a:r>
+              <a:rPr lang="sr-Latn-RS" dirty="0" smtClean="0"/>
+              <a:t>Za domaći: dodati paginaciju</a:t>
+            </a:r>
           </a:p>
         </p:txBody>
       </p:sp>
     </p:spTree>
     <p:extLst>
       <p:ext uri="{BB962C8B-B14F-4D97-AF65-F5344CB8AC3E}">
-        <p14:creationId xmlns:p14="http://schemas.microsoft.com/office/powerpoint/2010/main" val="2826373671"/>
+        <p14:creationId xmlns:p14="http://schemas.microsoft.com/office/powerpoint/2010/main" val="4017794257"/>
       </p:ext>
     </p:extLst>
   </p:cSld>
@@ -7934,59 +7997,226 @@
         <p:spPr/>
         <p:txBody>
           <a:bodyPr>
-            <a:normAutofit/>
+            <a:normAutofit lnSpcReduction="10000"/>
           </a:bodyPr>
           <a:lstStyle/>
           <a:p>
             <a:r>
-              <a:rPr lang="sr-Latn-RS" dirty="0"/>
-              <a:t>Pozovemo GET za URL koji smo zadali u </a:t>
-            </a:r>
-            <a:r>
-              <a:rPr lang="en-GB" dirty="0" err="1" smtClean="0"/>
-              <a:t>servisu</a:t>
-            </a:r>
-            <a:endParaRPr lang="sr-Latn-RS" dirty="0"/>
-          </a:p>
-          <a:p>
-            <a:r>
-              <a:rPr lang="sr-Latn-RS" dirty="0"/>
-              <a:t>Kada stigne odgovor ($promis.then) ubacimo podatke u $</a:t>
-            </a:r>
-            <a:r>
-              <a:rPr lang="sr-Latn-RS" dirty="0" smtClean="0"/>
-              <a:t>scope.</a:t>
-            </a:r>
-            <a:r>
-              <a:rPr lang="en-GB" dirty="0" err="1" smtClean="0"/>
+              <a:rPr lang="sr-Latn-RS" dirty="0" smtClean="0"/>
+              <a:t>Šta se desi kada pozovemo kod ispod?</a:t>
+            </a:r>
+          </a:p>
+          <a:p>
+            <a:pPr marL="0" indent="0">
+              <a:buNone/>
+            </a:pPr>
+            <a:r>
+              <a:rPr lang="en-GB" sz="2800" dirty="0" err="1" smtClean="0">
+                <a:latin typeface="Courier New" panose="02070309020205020404" pitchFamily="49" charset="0"/>
+                <a:cs typeface="Courier New" panose="02070309020205020404" pitchFamily="49" charset="0"/>
+              </a:rPr>
+              <a:t>BlogEntry</a:t>
+            </a:r>
+            <a:r>
+              <a:rPr lang="sr-Latn-RS" sz="2800" dirty="0" smtClean="0">
+                <a:latin typeface="Courier New" panose="02070309020205020404" pitchFamily="49" charset="0"/>
+                <a:cs typeface="Courier New" panose="02070309020205020404" pitchFamily="49" charset="0"/>
+              </a:rPr>
+              <a:t>.query</a:t>
+            </a:r>
+            <a:r>
+              <a:rPr lang="sr-Latn-RS" sz="2800" dirty="0">
+                <a:latin typeface="Courier New" panose="02070309020205020404" pitchFamily="49" charset="0"/>
+                <a:cs typeface="Courier New" panose="02070309020205020404" pitchFamily="49" charset="0"/>
+              </a:rPr>
+              <a:t>().$promise.then</a:t>
+            </a:r>
+            <a:r>
+              <a:rPr lang="sr-Latn-RS" sz="2800" dirty="0" smtClean="0">
+                <a:latin typeface="Courier New" panose="02070309020205020404" pitchFamily="49" charset="0"/>
+                <a:cs typeface="Courier New" panose="02070309020205020404" pitchFamily="49" charset="0"/>
+              </a:rPr>
+              <a:t>(</a:t>
+            </a:r>
+          </a:p>
+          <a:p>
+            <a:pPr marL="0" indent="0">
+              <a:buNone/>
+            </a:pPr>
+            <a:r>
+              <a:rPr lang="sr-Latn-RS" sz="2800" dirty="0">
+                <a:latin typeface="Courier New" panose="02070309020205020404" pitchFamily="49" charset="0"/>
+                <a:cs typeface="Courier New" panose="02070309020205020404" pitchFamily="49" charset="0"/>
+              </a:rPr>
+              <a:t> </a:t>
+            </a:r>
+            <a:r>
+              <a:rPr lang="sr-Latn-RS" sz="2800" dirty="0" smtClean="0">
+                <a:latin typeface="Courier New" panose="02070309020205020404" pitchFamily="49" charset="0"/>
+                <a:cs typeface="Courier New" panose="02070309020205020404" pitchFamily="49" charset="0"/>
+              </a:rPr>
+              <a:t> function </a:t>
+            </a:r>
+            <a:r>
+              <a:rPr lang="sr-Latn-RS" sz="2800" dirty="0">
+                <a:latin typeface="Courier New" panose="02070309020205020404" pitchFamily="49" charset="0"/>
+                <a:cs typeface="Courier New" panose="02070309020205020404" pitchFamily="49" charset="0"/>
+              </a:rPr>
+              <a:t>(data) {</a:t>
+            </a:r>
+          </a:p>
+          <a:p>
+            <a:pPr marL="0" indent="0">
+              <a:buNone/>
+            </a:pPr>
+            <a:r>
+              <a:rPr lang="sr-Latn-RS" sz="2800" dirty="0">
+                <a:latin typeface="Courier New" panose="02070309020205020404" pitchFamily="49" charset="0"/>
+                <a:cs typeface="Courier New" panose="02070309020205020404" pitchFamily="49" charset="0"/>
+              </a:rPr>
+              <a:t> </a:t>
+            </a:r>
+            <a:r>
+              <a:rPr lang="sr-Latn-RS" sz="2800" dirty="0" smtClean="0">
+                <a:latin typeface="Courier New" panose="02070309020205020404" pitchFamily="49" charset="0"/>
+                <a:cs typeface="Courier New" panose="02070309020205020404" pitchFamily="49" charset="0"/>
+              </a:rPr>
+              <a:t>   $scope.</a:t>
+            </a:r>
+            <a:r>
+              <a:rPr lang="en-GB" sz="2800" dirty="0" err="1" smtClean="0">
+                <a:latin typeface="Courier New" panose="02070309020205020404" pitchFamily="49" charset="0"/>
+                <a:cs typeface="Courier New" panose="02070309020205020404" pitchFamily="49" charset="0"/>
+              </a:rPr>
               <a:t>blogEntries</a:t>
             </a:r>
             <a:r>
-              <a:rPr lang="sr-Latn-RS" dirty="0" smtClean="0"/>
+              <a:rPr lang="sr-Latn-RS" sz="2800" dirty="0" smtClean="0">
+                <a:latin typeface="Courier New" panose="02070309020205020404" pitchFamily="49" charset="0"/>
+                <a:cs typeface="Courier New" panose="02070309020205020404" pitchFamily="49" charset="0"/>
+              </a:rPr>
               <a:t> </a:t>
             </a:r>
             <a:r>
-              <a:rPr lang="sr-Latn-RS" dirty="0"/>
-              <a:t>ili (ako je bila greška) ispišemo grešku u log konzole.</a:t>
-            </a:r>
-          </a:p>
-          <a:p>
-            <a:r>
-              <a:rPr lang="sr-Latn-RS" dirty="0"/>
-              <a:t>Zaključak: podaci se postave na </a:t>
-            </a:r>
-            <a:r>
-              <a:rPr lang="sr-Latn-RS" b="1" dirty="0"/>
-              <a:t>then</a:t>
-            </a:r>
-            <a:endParaRPr lang="en-GB" b="1" dirty="0"/>
+              <a:rPr lang="sr-Latn-RS" sz="2800" dirty="0">
+                <a:latin typeface="Courier New" panose="02070309020205020404" pitchFamily="49" charset="0"/>
+                <a:cs typeface="Courier New" panose="02070309020205020404" pitchFamily="49" charset="0"/>
+              </a:rPr>
+              <a:t>= data;</a:t>
+            </a:r>
+          </a:p>
+          <a:p>
+            <a:pPr marL="0" indent="0">
+              <a:buNone/>
+            </a:pPr>
+            <a:r>
+              <a:rPr lang="sr-Latn-RS" sz="2800" dirty="0">
+                <a:latin typeface="Courier New" panose="02070309020205020404" pitchFamily="49" charset="0"/>
+                <a:cs typeface="Courier New" panose="02070309020205020404" pitchFamily="49" charset="0"/>
+              </a:rPr>
+              <a:t> </a:t>
+            </a:r>
+            <a:r>
+              <a:rPr lang="sr-Latn-RS" sz="2800" dirty="0" smtClean="0">
+                <a:latin typeface="Courier New" panose="02070309020205020404" pitchFamily="49" charset="0"/>
+                <a:cs typeface="Courier New" panose="02070309020205020404" pitchFamily="49" charset="0"/>
+              </a:rPr>
+              <a:t> }, </a:t>
+            </a:r>
+          </a:p>
+          <a:p>
+            <a:pPr marL="0" indent="0">
+              <a:buNone/>
+            </a:pPr>
+            <a:r>
+              <a:rPr lang="sr-Latn-RS" sz="2800" dirty="0">
+                <a:latin typeface="Courier New" panose="02070309020205020404" pitchFamily="49" charset="0"/>
+                <a:cs typeface="Courier New" panose="02070309020205020404" pitchFamily="49" charset="0"/>
+              </a:rPr>
+              <a:t> </a:t>
+            </a:r>
+            <a:r>
+              <a:rPr lang="sr-Latn-RS" sz="2800" dirty="0" smtClean="0">
+                <a:latin typeface="Courier New" panose="02070309020205020404" pitchFamily="49" charset="0"/>
+                <a:cs typeface="Courier New" panose="02070309020205020404" pitchFamily="49" charset="0"/>
+              </a:rPr>
+              <a:t> function </a:t>
+            </a:r>
+            <a:r>
+              <a:rPr lang="sr-Latn-RS" sz="2800" dirty="0">
+                <a:latin typeface="Courier New" panose="02070309020205020404" pitchFamily="49" charset="0"/>
+                <a:cs typeface="Courier New" panose="02070309020205020404" pitchFamily="49" charset="0"/>
+              </a:rPr>
+              <a:t>(error) {</a:t>
+            </a:r>
+          </a:p>
+          <a:p>
+            <a:pPr marL="0" indent="0">
+              <a:buNone/>
+            </a:pPr>
+            <a:r>
+              <a:rPr lang="sr-Latn-RS" sz="2800" dirty="0">
+                <a:latin typeface="Courier New" panose="02070309020205020404" pitchFamily="49" charset="0"/>
+                <a:cs typeface="Courier New" panose="02070309020205020404" pitchFamily="49" charset="0"/>
+              </a:rPr>
+              <a:t> </a:t>
+            </a:r>
+            <a:r>
+              <a:rPr lang="sr-Latn-RS" sz="2800" dirty="0" smtClean="0">
+                <a:latin typeface="Courier New" panose="02070309020205020404" pitchFamily="49" charset="0"/>
+                <a:cs typeface="Courier New" panose="02070309020205020404" pitchFamily="49" charset="0"/>
+              </a:rPr>
+              <a:t>   console.log(error</a:t>
+            </a:r>
+            <a:r>
+              <a:rPr lang="sr-Latn-RS" sz="2800" dirty="0">
+                <a:latin typeface="Courier New" panose="02070309020205020404" pitchFamily="49" charset="0"/>
+                <a:cs typeface="Courier New" panose="02070309020205020404" pitchFamily="49" charset="0"/>
+              </a:rPr>
+              <a:t>);</a:t>
+            </a:r>
+          </a:p>
+          <a:p>
+            <a:pPr marL="0" indent="0">
+              <a:buNone/>
+            </a:pPr>
+            <a:r>
+              <a:rPr lang="sr-Latn-RS" sz="2800" dirty="0">
+                <a:latin typeface="Courier New" panose="02070309020205020404" pitchFamily="49" charset="0"/>
+                <a:cs typeface="Courier New" panose="02070309020205020404" pitchFamily="49" charset="0"/>
+              </a:rPr>
+              <a:t> </a:t>
+            </a:r>
+            <a:r>
+              <a:rPr lang="sr-Latn-RS" sz="2800" dirty="0" smtClean="0">
+                <a:latin typeface="Courier New" panose="02070309020205020404" pitchFamily="49" charset="0"/>
+                <a:cs typeface="Courier New" panose="02070309020205020404" pitchFamily="49" charset="0"/>
+              </a:rPr>
+              <a:t> }</a:t>
+            </a:r>
+          </a:p>
+          <a:p>
+            <a:pPr marL="0" indent="0">
+              <a:buNone/>
+            </a:pPr>
+            <a:r>
+              <a:rPr lang="sr-Latn-RS" sz="2800" dirty="0" smtClean="0">
+                <a:latin typeface="Courier New" panose="02070309020205020404" pitchFamily="49" charset="0"/>
+                <a:cs typeface="Courier New" panose="02070309020205020404" pitchFamily="49" charset="0"/>
+              </a:rPr>
+              <a:t>);</a:t>
+            </a:r>
+            <a:endParaRPr lang="sr-Latn-RS" sz="2800" dirty="0">
+              <a:latin typeface="Courier New" panose="02070309020205020404" pitchFamily="49" charset="0"/>
+              <a:cs typeface="Courier New" panose="02070309020205020404" pitchFamily="49" charset="0"/>
+            </a:endParaRPr>
           </a:p>
         </p:txBody>
       </p:sp>
     </p:spTree>
     <p:extLst>
       <p:ext uri="{BB962C8B-B14F-4D97-AF65-F5344CB8AC3E}">
-        <p14:creationId xmlns:p14="http://schemas.microsoft.com/office/powerpoint/2010/main" val="1410201887"/>
+        <p14:creationId xmlns:p14="http://schemas.microsoft.com/office/powerpoint/2010/main" val="2826373671"/>
       </p:ext>
     </p:extLst>
   </p:cSld>
@@ -8056,128 +8286,58 @@
         <p:spPr/>
         <p:txBody>
           <a:bodyPr>
-            <a:normAutofit fontScale="92500"/>
+            <a:normAutofit/>
           </a:bodyPr>
           <a:lstStyle/>
           <a:p>
             <a:r>
-              <a:rPr lang="sr-Latn-RS" dirty="0" smtClean="0"/>
-              <a:t>Šta se desi kada pozovemo sledeći kod?</a:t>
-            </a:r>
-          </a:p>
-          <a:p>
-            <a:pPr marL="0" indent="0" algn="ctr">
-              <a:buNone/>
-            </a:pPr>
-            <a:r>
-              <a:rPr lang="en-GB" sz="2800" dirty="0" smtClean="0">
-                <a:latin typeface="Courier New" panose="02070309020205020404" pitchFamily="49" charset="0"/>
-                <a:cs typeface="Courier New" panose="02070309020205020404" pitchFamily="49" charset="0"/>
-              </a:rPr>
-              <a:t>$</a:t>
-            </a:r>
-            <a:r>
-              <a:rPr lang="en-GB" sz="2800" dirty="0" err="1" smtClean="0">
-                <a:latin typeface="Courier New" panose="02070309020205020404" pitchFamily="49" charset="0"/>
-                <a:cs typeface="Courier New" panose="02070309020205020404" pitchFamily="49" charset="0"/>
-              </a:rPr>
-              <a:t>scope.blogEntries</a:t>
-            </a:r>
-            <a:r>
-              <a:rPr lang="en-GB" sz="2800" dirty="0" smtClean="0">
-                <a:latin typeface="Courier New" panose="02070309020205020404" pitchFamily="49" charset="0"/>
-                <a:cs typeface="Courier New" panose="02070309020205020404" pitchFamily="49" charset="0"/>
-              </a:rPr>
+              <a:rPr lang="sr-Latn-RS" dirty="0"/>
+              <a:t>Pozovemo GET za URL koji smo zadali u </a:t>
+            </a:r>
+            <a:r>
+              <a:rPr lang="en-GB" dirty="0" err="1" smtClean="0"/>
+              <a:t>servisu</a:t>
+            </a:r>
+            <a:endParaRPr lang="sr-Latn-RS" dirty="0"/>
+          </a:p>
+          <a:p>
+            <a:r>
+              <a:rPr lang="sr-Latn-RS" dirty="0"/>
+              <a:t>Kada stigne odgovor ($promis.then) ubacimo podatke u $</a:t>
+            </a:r>
+            <a:r>
+              <a:rPr lang="sr-Latn-RS" dirty="0" smtClean="0"/>
+              <a:t>scope.</a:t>
+            </a:r>
+            <a:r>
+              <a:rPr lang="en-GB" dirty="0" err="1" smtClean="0"/>
+              <a:t>blogEntries</a:t>
+            </a:r>
+            <a:r>
+              <a:rPr lang="sr-Latn-RS" dirty="0" smtClean="0"/>
               <a:t> </a:t>
             </a:r>
             <a:r>
-              <a:rPr lang="en-GB" sz="2800" dirty="0">
-                <a:latin typeface="Courier New" panose="02070309020205020404" pitchFamily="49" charset="0"/>
-                <a:cs typeface="Courier New" panose="02070309020205020404" pitchFamily="49" charset="0"/>
-              </a:rPr>
-              <a:t>= </a:t>
-            </a:r>
-            <a:r>
-              <a:rPr lang="en-GB" sz="2800" dirty="0" err="1" smtClean="0">
-                <a:latin typeface="Courier New" panose="02070309020205020404" pitchFamily="49" charset="0"/>
-                <a:cs typeface="Courier New" panose="02070309020205020404" pitchFamily="49" charset="0"/>
-              </a:rPr>
-              <a:t>BlogEntries.query</a:t>
-            </a:r>
-            <a:r>
-              <a:rPr lang="en-GB" sz="2800" dirty="0" smtClean="0">
-                <a:latin typeface="Courier New" panose="02070309020205020404" pitchFamily="49" charset="0"/>
-                <a:cs typeface="Courier New" panose="02070309020205020404" pitchFamily="49" charset="0"/>
-              </a:rPr>
-              <a:t>();</a:t>
-            </a:r>
-            <a:endParaRPr lang="sr-Latn-RS" sz="2800" dirty="0" smtClean="0">
-              <a:latin typeface="Courier New" panose="02070309020205020404" pitchFamily="49" charset="0"/>
-              <a:cs typeface="Courier New" panose="02070309020205020404" pitchFamily="49" charset="0"/>
-            </a:endParaRPr>
-          </a:p>
-          <a:p>
-            <a:r>
-              <a:rPr lang="sr-Latn-RS" dirty="0" smtClean="0"/>
-              <a:t>Hipoteza:</a:t>
+              <a:rPr lang="sr-Latn-RS" dirty="0"/>
+              <a:t>ili (ako je bila greška) ispišemo grešku u log konzole.</a:t>
+            </a:r>
+          </a:p>
+          <a:p>
+            <a:r>
+              <a:rPr lang="sr-Latn-RS" dirty="0"/>
+              <a:t>Zaključak: podaci se postave na </a:t>
+            </a:r>
+            <a:r>
+              <a:rPr lang="sr-Latn-RS" b="1" dirty="0" smtClean="0"/>
+              <a:t>then</a:t>
             </a:r>
           </a:p>
           <a:p>
             <a:pPr lvl="1"/>
             <a:r>
-              <a:rPr lang="en-GB" sz="3200" dirty="0"/>
-              <a:t>$</a:t>
-            </a:r>
-            <a:r>
-              <a:rPr lang="en-GB" sz="3200" dirty="0" err="1" smtClean="0"/>
-              <a:t>scope.blogEntries</a:t>
-            </a:r>
-            <a:r>
-              <a:rPr lang="sr-Latn-RS" sz="3200" dirty="0" smtClean="0"/>
-              <a:t> </a:t>
-            </a:r>
-            <a:r>
-              <a:rPr lang="sr-Latn-RS" sz="3200" dirty="0"/>
-              <a:t>sinhrono dobije </a:t>
-            </a:r>
-            <a:r>
-              <a:rPr lang="sr-Latn-RS" sz="3200" dirty="0" smtClean="0"/>
-              <a:t>vrednost</a:t>
-            </a:r>
-          </a:p>
-          <a:p>
-            <a:pPr lvl="1"/>
-            <a:r>
-              <a:rPr lang="sr-Latn-RS" sz="3200" dirty="0" smtClean="0"/>
-              <a:t>Pošto podaci još nisu stigli lista ostane prazna</a:t>
-            </a:r>
-          </a:p>
-          <a:p>
-            <a:pPr lvl="1"/>
-            <a:r>
-              <a:rPr lang="sr-Latn-RS" sz="3200" dirty="0" smtClean="0"/>
-              <a:t>Ali lista se popuni! Kako</a:t>
-            </a:r>
-            <a:r>
-              <a:rPr lang="sr-Latn-RS" sz="3200" dirty="0" smtClean="0"/>
-              <a:t>?</a:t>
-            </a:r>
-          </a:p>
-          <a:p>
-            <a:pPr lvl="1"/>
-            <a:r>
-              <a:rPr lang="sr-Latn-RS" sz="3200" dirty="0" smtClean="0"/>
-              <a:t>Magijski </a:t>
-            </a:r>
-            <a:r>
-              <a:rPr lang="sr-Latn-RS" sz="3200" dirty="0" smtClean="0">
-                <a:sym typeface="Wingdings" panose="05000000000000000000" pitchFamily="2" charset="2"/>
-              </a:rPr>
-              <a:t></a:t>
-            </a:r>
-            <a:endParaRPr lang="en-GB" sz="3200" dirty="0"/>
-          </a:p>
-          <a:p>
+              <a:rPr lang="sr-Latn-RS" dirty="0" smtClean="0"/>
+              <a:t>Baš kao i u $http servisu</a:t>
+            </a:r>
             <a:endParaRPr lang="en-GB" dirty="0"/>
           </a:p>
         </p:txBody>
@@ -8185,7 +8345,7 @@
     </p:spTree>
     <p:extLst>
       <p:ext uri="{BB962C8B-B14F-4D97-AF65-F5344CB8AC3E}">
-        <p14:creationId xmlns:p14="http://schemas.microsoft.com/office/powerpoint/2010/main" val="1609324739"/>
+        <p14:creationId xmlns:p14="http://schemas.microsoft.com/office/powerpoint/2010/main" val="1410201887"/>
       </p:ext>
     </p:extLst>
   </p:cSld>
@@ -8255,64 +8415,132 @@
         <p:spPr/>
         <p:txBody>
           <a:bodyPr>
-            <a:normAutofit/>
+            <a:normAutofit fontScale="92500"/>
           </a:bodyPr>
           <a:lstStyle/>
           <a:p>
             <a:r>
               <a:rPr lang="sr-Latn-RS" dirty="0" smtClean="0"/>
-              <a:t>Nastavi se sa izvršavanjem programa nakon poziva </a:t>
-            </a:r>
-            <a:r>
-              <a:rPr lang="en-GB" sz="3100" dirty="0" err="1" smtClean="0"/>
+              <a:t>Šta se desi kada pozovemo sledeći kod?</a:t>
+            </a:r>
+          </a:p>
+          <a:p>
+            <a:pPr marL="0" indent="0" algn="ctr">
+              <a:buNone/>
+            </a:pPr>
+            <a:r>
+              <a:rPr lang="en-GB" sz="2800" dirty="0" smtClean="0">
+                <a:latin typeface="Courier New" panose="02070309020205020404" pitchFamily="49" charset="0"/>
+                <a:cs typeface="Courier New" panose="02070309020205020404" pitchFamily="49" charset="0"/>
+              </a:rPr>
+              <a:t>$</a:t>
+            </a:r>
+            <a:r>
+              <a:rPr lang="en-GB" sz="2800" dirty="0" err="1" smtClean="0">
+                <a:latin typeface="Courier New" panose="02070309020205020404" pitchFamily="49" charset="0"/>
+                <a:cs typeface="Courier New" panose="02070309020205020404" pitchFamily="49" charset="0"/>
+              </a:rPr>
+              <a:t>scope.blogEntries</a:t>
+            </a:r>
+            <a:r>
+              <a:rPr lang="en-GB" sz="2800" dirty="0" smtClean="0">
+                <a:latin typeface="Courier New" panose="02070309020205020404" pitchFamily="49" charset="0"/>
+                <a:cs typeface="Courier New" panose="02070309020205020404" pitchFamily="49" charset="0"/>
+              </a:rPr>
+              <a:t> </a:t>
+            </a:r>
+            <a:r>
+              <a:rPr lang="en-GB" sz="2800" dirty="0">
+                <a:latin typeface="Courier New" panose="02070309020205020404" pitchFamily="49" charset="0"/>
+                <a:cs typeface="Courier New" panose="02070309020205020404" pitchFamily="49" charset="0"/>
+              </a:rPr>
+              <a:t>= </a:t>
+            </a:r>
+            <a:r>
+              <a:rPr lang="en-GB" sz="2800" dirty="0" err="1" smtClean="0">
+                <a:latin typeface="Courier New" panose="02070309020205020404" pitchFamily="49" charset="0"/>
+                <a:cs typeface="Courier New" panose="02070309020205020404" pitchFamily="49" charset="0"/>
+              </a:rPr>
               <a:t>BlogEntries.query</a:t>
             </a:r>
             <a:r>
-              <a:rPr lang="en-GB" sz="3100" dirty="0" smtClean="0"/>
-              <a:t>()</a:t>
-            </a:r>
-            <a:r>
-              <a:rPr lang="sr-Latn-RS" sz="3100" dirty="0" smtClean="0"/>
+              <a:rPr lang="en-GB" sz="2800" dirty="0" smtClean="0">
+                <a:latin typeface="Courier New" panose="02070309020205020404" pitchFamily="49" charset="0"/>
+                <a:cs typeface="Courier New" panose="02070309020205020404" pitchFamily="49" charset="0"/>
+              </a:rPr>
+              <a:t>();</a:t>
+            </a:r>
+            <a:endParaRPr lang="sr-Latn-RS" sz="2800" dirty="0" smtClean="0">
+              <a:latin typeface="Courier New" panose="02070309020205020404" pitchFamily="49" charset="0"/>
+              <a:cs typeface="Courier New" panose="02070309020205020404" pitchFamily="49" charset="0"/>
+            </a:endParaRPr>
+          </a:p>
+          <a:p>
+            <a:r>
+              <a:rPr lang="sr-Latn-RS" dirty="0" smtClean="0"/>
+              <a:t>Hipoteza:</a:t>
+            </a:r>
+          </a:p>
+          <a:p>
+            <a:pPr lvl="1"/>
+            <a:r>
+              <a:rPr lang="en-GB" sz="3200" dirty="0"/>
+              <a:t>$</a:t>
+            </a:r>
+            <a:r>
+              <a:rPr lang="en-GB" sz="3200" dirty="0" err="1" smtClean="0"/>
+              <a:t>scope.blogEntries</a:t>
+            </a:r>
+            <a:r>
+              <a:rPr lang="sr-Latn-RS" sz="3200" dirty="0" smtClean="0"/>
               <a:t> </a:t>
             </a:r>
-          </a:p>
-          <a:p>
-            <a:r>
-              <a:rPr lang="sr-Latn-RS" sz="3100" dirty="0" smtClean="0"/>
-              <a:t>Ova metod vrati prazan niz</a:t>
-            </a:r>
-            <a:endParaRPr lang="sr-Latn-RS" dirty="0" smtClean="0"/>
-          </a:p>
-          <a:p>
-            <a:r>
-              <a:rPr lang="sr-Latn-RS" dirty="0" smtClean="0"/>
-              <a:t>Kada stignu podaci sa server</a:t>
-            </a:r>
-            <a:r>
-              <a:rPr lang="en-GB" dirty="0" smtClean="0"/>
-              <a:t>a</a:t>
-            </a:r>
-            <a:r>
-              <a:rPr lang="sr-Latn-RS" dirty="0" smtClean="0"/>
-              <a:t>, prazan niz se popuni pristiglim podacima</a:t>
-            </a:r>
-          </a:p>
-          <a:p>
-            <a:r>
-              <a:rPr lang="sr-Latn-RS" dirty="0" smtClean="0"/>
-              <a:t>Angular osveži templejte i podaci se prikažu na </a:t>
-            </a:r>
-            <a:r>
-              <a:rPr lang="sr-Latn-RS" dirty="0" smtClean="0"/>
-              <a:t>stranici</a:t>
-            </a:r>
+            <a:r>
+              <a:rPr lang="sr-Latn-RS" sz="3200" dirty="0"/>
+              <a:t>sinhrono dobije </a:t>
+            </a:r>
+            <a:r>
+              <a:rPr lang="sr-Latn-RS" sz="3200" dirty="0" smtClean="0"/>
+              <a:t>vrednost</a:t>
+            </a:r>
+          </a:p>
+          <a:p>
+            <a:pPr lvl="1"/>
+            <a:r>
+              <a:rPr lang="sr-Latn-RS" sz="3200" dirty="0" smtClean="0"/>
+              <a:t>Pošto podaci još nisu stigli lista ostane prazna</a:t>
+            </a:r>
+          </a:p>
+          <a:p>
+            <a:pPr lvl="1"/>
+            <a:r>
+              <a:rPr lang="sr-Latn-RS" sz="3200" dirty="0" smtClean="0"/>
+              <a:t>Ali lista se popuni! Kako?</a:t>
+            </a:r>
+          </a:p>
+          <a:p>
+            <a:pPr lvl="2"/>
+            <a:r>
+              <a:rPr lang="sr-Latn-RS" sz="3000" b="1" dirty="0" smtClean="0"/>
+              <a:t>Magijski </a:t>
+            </a:r>
+            <a:r>
+              <a:rPr lang="sr-Latn-RS" sz="3000" dirty="0" smtClean="0">
+                <a:sym typeface="Wingdings" panose="05000000000000000000" pitchFamily="2" charset="2"/>
+              </a:rPr>
+              <a:t></a:t>
+            </a:r>
+            <a:endParaRPr lang="en-GB" sz="3000" dirty="0"/>
+          </a:p>
+          <a:p>
+            <a:endParaRPr lang="en-GB" dirty="0"/>
           </a:p>
         </p:txBody>
       </p:sp>
     </p:spTree>
     <p:extLst>
       <p:ext uri="{BB962C8B-B14F-4D97-AF65-F5344CB8AC3E}">
-        <p14:creationId xmlns:p14="http://schemas.microsoft.com/office/powerpoint/2010/main" val="1558471903"/>
+        <p14:creationId xmlns:p14="http://schemas.microsoft.com/office/powerpoint/2010/main" val="1609324739"/>
       </p:ext>
     </p:extLst>
   </p:cSld>
@@ -8388,87 +8616,46 @@
           <a:p>
             <a:r>
               <a:rPr lang="sr-Latn-RS" dirty="0" smtClean="0"/>
-              <a:t>Šta se desi kada se izvrši sledeći kod?</a:t>
-            </a:r>
-          </a:p>
-          <a:p>
+              <a:t>Nastavi se sa izvršavanjem programa nakon poziva </a:t>
+            </a:r>
+            <a:r>
+              <a:rPr lang="en-GB" sz="3100" dirty="0" err="1" smtClean="0"/>
+              <a:t>BlogEntries.query</a:t>
+            </a:r>
+            <a:r>
+              <a:rPr lang="en-GB" sz="3100" dirty="0" smtClean="0"/>
+              <a:t>()</a:t>
+            </a:r>
+            <a:r>
+              <a:rPr lang="sr-Latn-RS" sz="3100" dirty="0" smtClean="0"/>
+              <a:t> </a:t>
+            </a:r>
+          </a:p>
+          <a:p>
+            <a:r>
+              <a:rPr lang="sr-Latn-RS" sz="3100" dirty="0" smtClean="0"/>
+              <a:t>Ova metod vrati prazan niz</a:t>
+            </a:r>
             <a:endParaRPr lang="sr-Latn-RS" dirty="0" smtClean="0"/>
           </a:p>
           <a:p>
-            <a:pPr marL="0" indent="0">
-              <a:buNone/>
-            </a:pPr>
-            <a:r>
-              <a:rPr lang="en-GB" sz="2400" dirty="0" smtClean="0">
-                <a:latin typeface="Courier New" panose="02070309020205020404" pitchFamily="49" charset="0"/>
-                <a:cs typeface="Courier New" panose="02070309020205020404" pitchFamily="49" charset="0"/>
-              </a:rPr>
-              <a:t>$</a:t>
-            </a:r>
-            <a:r>
-              <a:rPr lang="en-GB" sz="2400" dirty="0" err="1" smtClean="0">
-                <a:latin typeface="Courier New" panose="02070309020205020404" pitchFamily="49" charset="0"/>
-                <a:cs typeface="Courier New" panose="02070309020205020404" pitchFamily="49" charset="0"/>
-              </a:rPr>
-              <a:t>scope.blogEntries</a:t>
-            </a:r>
-            <a:r>
-              <a:rPr lang="en-GB" sz="2400" dirty="0" smtClean="0">
-                <a:latin typeface="Courier New" panose="02070309020205020404" pitchFamily="49" charset="0"/>
-                <a:cs typeface="Courier New" panose="02070309020205020404" pitchFamily="49" charset="0"/>
-              </a:rPr>
-              <a:t> </a:t>
-            </a:r>
-            <a:r>
-              <a:rPr lang="en-GB" sz="2400" dirty="0">
-                <a:latin typeface="Courier New" panose="02070309020205020404" pitchFamily="49" charset="0"/>
-                <a:cs typeface="Courier New" panose="02070309020205020404" pitchFamily="49" charset="0"/>
-              </a:rPr>
-              <a:t>= </a:t>
-            </a:r>
-            <a:r>
-              <a:rPr lang="en-GB" sz="2400" dirty="0" err="1" smtClean="0">
-                <a:latin typeface="Courier New" panose="02070309020205020404" pitchFamily="49" charset="0"/>
-                <a:cs typeface="Courier New" panose="02070309020205020404" pitchFamily="49" charset="0"/>
-              </a:rPr>
-              <a:t>BlogEntries.query</a:t>
-            </a:r>
-            <a:r>
-              <a:rPr lang="en-GB" sz="2400" dirty="0">
-                <a:latin typeface="Courier New" panose="02070309020205020404" pitchFamily="49" charset="0"/>
-                <a:cs typeface="Courier New" panose="02070309020205020404" pitchFamily="49" charset="0"/>
-              </a:rPr>
-              <a:t>();</a:t>
-            </a:r>
-            <a:endParaRPr lang="sr-Latn-RS" sz="2400" dirty="0">
-              <a:latin typeface="Courier New" panose="02070309020205020404" pitchFamily="49" charset="0"/>
-              <a:cs typeface="Courier New" panose="02070309020205020404" pitchFamily="49" charset="0"/>
-            </a:endParaRPr>
-          </a:p>
-          <a:p>
-            <a:pPr marL="0" indent="0">
-              <a:buNone/>
-            </a:pPr>
-            <a:r>
-              <a:rPr lang="en-GB" sz="2400" dirty="0">
-                <a:latin typeface="Courier New" panose="02070309020205020404" pitchFamily="49" charset="0"/>
-                <a:cs typeface="Courier New" panose="02070309020205020404" pitchFamily="49" charset="0"/>
-              </a:rPr>
-              <a:t>console.log($scope. </a:t>
-            </a:r>
-            <a:r>
-              <a:rPr lang="en-GB" sz="2400" dirty="0" err="1">
-                <a:latin typeface="Courier New" panose="02070309020205020404" pitchFamily="49" charset="0"/>
-                <a:cs typeface="Courier New" panose="02070309020205020404" pitchFamily="49" charset="0"/>
-              </a:rPr>
-              <a:t>blogEntries.length</a:t>
-            </a:r>
-            <a:r>
-              <a:rPr lang="en-GB" sz="2400" dirty="0">
-                <a:latin typeface="Courier New" panose="02070309020205020404" pitchFamily="49" charset="0"/>
-                <a:cs typeface="Courier New" panose="02070309020205020404" pitchFamily="49" charset="0"/>
-              </a:rPr>
-              <a:t>);</a:t>
+            <a:r>
+              <a:rPr lang="sr-Latn-RS" dirty="0" smtClean="0"/>
+              <a:t>Kada stignu podaci sa server</a:t>
+            </a:r>
+            <a:r>
+              <a:rPr lang="en-GB" dirty="0" smtClean="0"/>
+              <a:t>a</a:t>
+            </a:r>
+            <a:r>
+              <a:rPr lang="sr-Latn-RS" dirty="0" smtClean="0"/>
+              <a:t>, prazan niz se popuni pristiglim podacima</a:t>
+            </a:r>
+          </a:p>
+          <a:p>
+            <a:r>
+              <a:rPr lang="sr-Latn-RS" dirty="0" smtClean="0"/>
+              <a:t>Angular osveži templejte i podaci se prikažu na stranici</a:t>
             </a:r>
           </a:p>
         </p:txBody>
@@ -8476,7 +8663,7 @@
     </p:spTree>
     <p:extLst>
       <p:ext uri="{BB962C8B-B14F-4D97-AF65-F5344CB8AC3E}">
-        <p14:creationId xmlns:p14="http://schemas.microsoft.com/office/powerpoint/2010/main" val="953342636"/>
+        <p14:creationId xmlns:p14="http://schemas.microsoft.com/office/powerpoint/2010/main" val="1558471903"/>
       </p:ext>
     </p:extLst>
   </p:cSld>
@@ -8546,58 +8733,50 @@
         <p:spPr/>
         <p:txBody>
           <a:bodyPr>
-            <a:normAutofit fontScale="92500" lnSpcReduction="10000"/>
+            <a:normAutofit/>
           </a:bodyPr>
           <a:lstStyle/>
           <a:p>
             <a:r>
               <a:rPr lang="sr-Latn-RS" dirty="0" smtClean="0"/>
-              <a:t>Poslali smo HTTP GET zahtev na back end</a:t>
-            </a:r>
-          </a:p>
-          <a:p>
-            <a:r>
-              <a:rPr lang="en-GB" dirty="0"/>
+              <a:t>Šta se desi kada se izvrši sledeći kod?</a:t>
+            </a:r>
+          </a:p>
+          <a:p>
+            <a:endParaRPr lang="sr-Latn-RS" dirty="0" smtClean="0"/>
+          </a:p>
+          <a:p>
+            <a:pPr marL="0" indent="0">
+              <a:buNone/>
+            </a:pPr>
+            <a:r>
+              <a:rPr lang="en-GB" sz="2400" dirty="0" smtClean="0">
+                <a:latin typeface="Courier New" panose="02070309020205020404" pitchFamily="49" charset="0"/>
+                <a:cs typeface="Courier New" panose="02070309020205020404" pitchFamily="49" charset="0"/>
+              </a:rPr>
               <a:t>$</a:t>
             </a:r>
             <a:r>
-              <a:rPr lang="en-GB" dirty="0" err="1" smtClean="0"/>
+              <a:rPr lang="en-GB" sz="2400" dirty="0" err="1" smtClean="0">
+                <a:latin typeface="Courier New" panose="02070309020205020404" pitchFamily="49" charset="0"/>
+                <a:cs typeface="Courier New" panose="02070309020205020404" pitchFamily="49" charset="0"/>
+              </a:rPr>
               <a:t>scope.blogEntries</a:t>
             </a:r>
             <a:r>
-              <a:rPr lang="sr-Latn-RS" dirty="0" smtClean="0"/>
-              <a:t> je inicijalno prazan niz, jer još nisu stigli podaci</a:t>
-            </a:r>
-          </a:p>
-          <a:p>
-            <a:r>
-              <a:rPr lang="sr-Latn-RS" dirty="0" smtClean="0"/>
-              <a:t>Ispišemo u konzolu dužinu tog niza: </a:t>
-            </a:r>
-            <a:r>
-              <a:rPr lang="sr-Latn-RS" b="1" dirty="0" smtClean="0"/>
-              <a:t>0</a:t>
-            </a:r>
-          </a:p>
-          <a:p>
-            <a:r>
-              <a:rPr lang="sr-Latn-RS" dirty="0" smtClean="0"/>
-              <a:t>Kako bi radilo?</a:t>
-            </a:r>
-          </a:p>
-          <a:p>
-            <a:pPr marL="0" indent="0">
-              <a:buNone/>
-            </a:pPr>
-            <a:endParaRPr lang="sr-Latn-RS" sz="2400" dirty="0" smtClean="0">
-              <a:latin typeface="Courier New" panose="02070309020205020404" pitchFamily="49" charset="0"/>
-              <a:cs typeface="Courier New" panose="02070309020205020404" pitchFamily="49" charset="0"/>
-            </a:endParaRPr>
-          </a:p>
-          <a:p>
-            <a:pPr marL="0" indent="0">
-              <a:buNone/>
-            </a:pPr>
+              <a:rPr lang="en-GB" sz="2400" dirty="0" smtClean="0">
+                <a:latin typeface="Courier New" panose="02070309020205020404" pitchFamily="49" charset="0"/>
+                <a:cs typeface="Courier New" panose="02070309020205020404" pitchFamily="49" charset="0"/>
+              </a:rPr>
+              <a:t> </a:t>
+            </a:r>
+            <a:r>
+              <a:rPr lang="en-GB" sz="2400" dirty="0">
+                <a:latin typeface="Courier New" panose="02070309020205020404" pitchFamily="49" charset="0"/>
+                <a:cs typeface="Courier New" panose="02070309020205020404" pitchFamily="49" charset="0"/>
+              </a:rPr>
+              <a:t>= </a:t>
+            </a:r>
             <a:r>
               <a:rPr lang="en-GB" sz="2400" dirty="0" err="1" smtClean="0">
                 <a:latin typeface="Courier New" panose="02070309020205020404" pitchFamily="49" charset="0"/>
@@ -8606,139 +8785,11 @@
               <a:t>BlogEntries.query</a:t>
             </a:r>
             <a:r>
-              <a:rPr lang="en-GB" sz="2400" dirty="0" smtClean="0">
-                <a:latin typeface="Courier New" panose="02070309020205020404" pitchFamily="49" charset="0"/>
-                <a:cs typeface="Courier New" panose="02070309020205020404" pitchFamily="49" charset="0"/>
-              </a:rPr>
-              <a:t>(function(</a:t>
-            </a:r>
-            <a:r>
-              <a:rPr lang="sr-Latn-RS" sz="2400" dirty="0" smtClean="0">
-                <a:latin typeface="Courier New" panose="02070309020205020404" pitchFamily="49" charset="0"/>
-                <a:cs typeface="Courier New" panose="02070309020205020404" pitchFamily="49" charset="0"/>
-              </a:rPr>
-              <a:t>data</a:t>
-            </a:r>
-            <a:r>
-              <a:rPr lang="en-GB" sz="2400" dirty="0" smtClean="0">
-                <a:latin typeface="Courier New" panose="02070309020205020404" pitchFamily="49" charset="0"/>
-                <a:cs typeface="Courier New" panose="02070309020205020404" pitchFamily="49" charset="0"/>
-              </a:rPr>
-              <a:t>){</a:t>
-            </a:r>
-            <a:endParaRPr lang="en-GB" sz="2400" dirty="0">
-              <a:latin typeface="Courier New" panose="02070309020205020404" pitchFamily="49" charset="0"/>
-              <a:cs typeface="Courier New" panose="02070309020205020404" pitchFamily="49" charset="0"/>
-            </a:endParaRPr>
-          </a:p>
-          <a:p>
-            <a:pPr marL="0" indent="0">
-              <a:buNone/>
-            </a:pPr>
-            <a:r>
-              <a:rPr lang="sr-Latn-RS" sz="2400" dirty="0" smtClean="0">
-                <a:latin typeface="Courier New" panose="02070309020205020404" pitchFamily="49" charset="0"/>
-                <a:cs typeface="Courier New" panose="02070309020205020404" pitchFamily="49" charset="0"/>
-              </a:rPr>
-              <a:t>  </a:t>
-            </a:r>
-            <a:r>
-              <a:rPr lang="en-GB" sz="2400" dirty="0" smtClean="0">
-                <a:latin typeface="Courier New" panose="02070309020205020404" pitchFamily="49" charset="0"/>
-                <a:cs typeface="Courier New" panose="02070309020205020404" pitchFamily="49" charset="0"/>
-              </a:rPr>
-              <a:t>$</a:t>
-            </a:r>
-            <a:r>
-              <a:rPr lang="en-GB" sz="2400" dirty="0" err="1" smtClean="0">
-                <a:latin typeface="Courier New" panose="02070309020205020404" pitchFamily="49" charset="0"/>
-                <a:cs typeface="Courier New" panose="02070309020205020404" pitchFamily="49" charset="0"/>
-              </a:rPr>
-              <a:t>scope.blogEntries</a:t>
-            </a:r>
-            <a:r>
-              <a:rPr lang="en-GB" sz="2400" dirty="0" smtClean="0">
-                <a:latin typeface="Courier New" panose="02070309020205020404" pitchFamily="49" charset="0"/>
-                <a:cs typeface="Courier New" panose="02070309020205020404" pitchFamily="49" charset="0"/>
-              </a:rPr>
-              <a:t> </a:t>
-            </a:r>
-            <a:r>
               <a:rPr lang="en-GB" sz="2400" dirty="0">
                 <a:latin typeface="Courier New" panose="02070309020205020404" pitchFamily="49" charset="0"/>
                 <a:cs typeface="Courier New" panose="02070309020205020404" pitchFamily="49" charset="0"/>
               </a:rPr>
-              <a:t>= </a:t>
-            </a:r>
-            <a:r>
-              <a:rPr lang="sr-Latn-RS" sz="2400" dirty="0" smtClean="0">
-                <a:latin typeface="Courier New" panose="02070309020205020404" pitchFamily="49" charset="0"/>
-                <a:cs typeface="Courier New" panose="02070309020205020404" pitchFamily="49" charset="0"/>
-              </a:rPr>
-              <a:t>data</a:t>
-            </a:r>
-            <a:r>
-              <a:rPr lang="en-GB" sz="2400" dirty="0" smtClean="0">
-                <a:latin typeface="Courier New" panose="02070309020205020404" pitchFamily="49" charset="0"/>
-                <a:cs typeface="Courier New" panose="02070309020205020404" pitchFamily="49" charset="0"/>
-              </a:rPr>
-              <a:t>;</a:t>
-            </a:r>
-            <a:endParaRPr lang="en-GB" sz="2400" dirty="0">
-              <a:latin typeface="Courier New" panose="02070309020205020404" pitchFamily="49" charset="0"/>
-              <a:cs typeface="Courier New" panose="02070309020205020404" pitchFamily="49" charset="0"/>
-            </a:endParaRPr>
-          </a:p>
-          <a:p>
-            <a:pPr marL="0" indent="0">
-              <a:buNone/>
-            </a:pPr>
-            <a:r>
-              <a:rPr lang="sr-Latn-RS" sz="2400" dirty="0" smtClean="0">
-                <a:latin typeface="Courier New" panose="02070309020205020404" pitchFamily="49" charset="0"/>
-                <a:cs typeface="Courier New" panose="02070309020205020404" pitchFamily="49" charset="0"/>
-              </a:rPr>
-              <a:t>  </a:t>
-            </a:r>
-            <a:r>
-              <a:rPr lang="en-GB" sz="2400" dirty="0" smtClean="0">
-                <a:latin typeface="Courier New" panose="02070309020205020404" pitchFamily="49" charset="0"/>
-                <a:cs typeface="Courier New" panose="02070309020205020404" pitchFamily="49" charset="0"/>
-              </a:rPr>
-              <a:t>console.log</a:t>
-            </a:r>
-            <a:r>
-              <a:rPr lang="en-GB" sz="2400" dirty="0">
-                <a:latin typeface="Courier New" panose="02070309020205020404" pitchFamily="49" charset="0"/>
-                <a:cs typeface="Courier New" panose="02070309020205020404" pitchFamily="49" charset="0"/>
-              </a:rPr>
-              <a:t>($</a:t>
-            </a:r>
-            <a:r>
-              <a:rPr lang="en-GB" sz="2400" dirty="0" err="1" smtClean="0">
-                <a:latin typeface="Courier New" panose="02070309020205020404" pitchFamily="49" charset="0"/>
-                <a:cs typeface="Courier New" panose="02070309020205020404" pitchFamily="49" charset="0"/>
-              </a:rPr>
-              <a:t>scope.blogEntries.length</a:t>
-            </a:r>
-            <a:r>
-              <a:rPr lang="en-GB" sz="2400" dirty="0">
-                <a:latin typeface="Courier New" panose="02070309020205020404" pitchFamily="49" charset="0"/>
-                <a:cs typeface="Courier New" panose="02070309020205020404" pitchFamily="49" charset="0"/>
-              </a:rPr>
-              <a:t>);</a:t>
-            </a:r>
-          </a:p>
-          <a:p>
-            <a:pPr marL="0" indent="0">
-              <a:buNone/>
-            </a:pPr>
-            <a:r>
-              <a:rPr lang="en-GB" sz="2400" dirty="0">
-                <a:latin typeface="Courier New" panose="02070309020205020404" pitchFamily="49" charset="0"/>
-                <a:cs typeface="Courier New" panose="02070309020205020404" pitchFamily="49" charset="0"/>
-              </a:rPr>
-              <a:t>});</a:t>
+              <a:t>();</a:t>
             </a:r>
             <a:endParaRPr lang="sr-Latn-RS" sz="2400" dirty="0">
               <a:latin typeface="Courier New" panose="02070309020205020404" pitchFamily="49" charset="0"/>
@@ -8746,20 +8797,37 @@
             </a:endParaRPr>
           </a:p>
           <a:p>
-            <a:endParaRPr lang="sr-Latn-RS" dirty="0" smtClean="0"/>
-          </a:p>
-          <a:p>
-            <a:endParaRPr lang="sr-Latn-RS" dirty="0"/>
-          </a:p>
-          <a:p>
-            <a:endParaRPr lang="sr-Latn-RS" dirty="0" smtClean="0"/>
+            <a:pPr marL="0" indent="0">
+              <a:buNone/>
+            </a:pPr>
+            <a:r>
+              <a:rPr lang="en-GB" sz="2400" dirty="0">
+                <a:latin typeface="Courier New" panose="02070309020205020404" pitchFamily="49" charset="0"/>
+                <a:cs typeface="Courier New" panose="02070309020205020404" pitchFamily="49" charset="0"/>
+              </a:rPr>
+              <a:t>console.log($</a:t>
+            </a:r>
+            <a:r>
+              <a:rPr lang="en-GB" sz="2400" dirty="0" err="1" smtClean="0">
+                <a:latin typeface="Courier New" panose="02070309020205020404" pitchFamily="49" charset="0"/>
+                <a:cs typeface="Courier New" panose="02070309020205020404" pitchFamily="49" charset="0"/>
+              </a:rPr>
+              <a:t>scope.blogEntries.length</a:t>
+            </a:r>
+            <a:r>
+              <a:rPr lang="en-GB" sz="2400" dirty="0">
+                <a:latin typeface="Courier New" panose="02070309020205020404" pitchFamily="49" charset="0"/>
+                <a:cs typeface="Courier New" panose="02070309020205020404" pitchFamily="49" charset="0"/>
+              </a:rPr>
+              <a:t>);</a:t>
+            </a:r>
           </a:p>
         </p:txBody>
       </p:sp>
     </p:spTree>
     <p:extLst>
       <p:ext uri="{BB962C8B-B14F-4D97-AF65-F5344CB8AC3E}">
-        <p14:creationId xmlns:p14="http://schemas.microsoft.com/office/powerpoint/2010/main" val="1965385180"/>
+        <p14:creationId xmlns:p14="http://schemas.microsoft.com/office/powerpoint/2010/main" val="953342636"/>
       </p:ext>
     </p:extLst>
   </p:cSld>
@@ -8829,14 +8897,207 @@
         <p:spPr/>
         <p:txBody>
           <a:bodyPr>
-            <a:normAutofit/>
+            <a:normAutofit fontScale="92500" lnSpcReduction="10000"/>
           </a:bodyPr>
           <a:lstStyle/>
           <a:p>
             <a:r>
               <a:rPr lang="sr-Latn-RS" dirty="0" smtClean="0"/>
-              <a:t>Zaključak: i ako Angular od nas to sakriva, pozivi $resource ka back end-u su uvek asinhroni</a:t>
-            </a:r>
+              <a:t>Poslali smo HTTP GET zahtev na back end</a:t>
+            </a:r>
+          </a:p>
+          <a:p>
+            <a:r>
+              <a:rPr lang="en-GB" dirty="0"/>
+              <a:t>$</a:t>
+            </a:r>
+            <a:r>
+              <a:rPr lang="en-GB" dirty="0" err="1" smtClean="0"/>
+              <a:t>scope.blogEntries</a:t>
+            </a:r>
+            <a:r>
+              <a:rPr lang="sr-Latn-RS" dirty="0" smtClean="0"/>
+              <a:t> je inicijalno prazan niz, jer još nisu stigli podaci</a:t>
+            </a:r>
+          </a:p>
+          <a:p>
+            <a:r>
+              <a:rPr lang="sr-Latn-RS" dirty="0" smtClean="0"/>
+              <a:t>Ispišemo u konzolu dužinu tog niza: </a:t>
+            </a:r>
+            <a:r>
+              <a:rPr lang="sr-Latn-RS" b="1" dirty="0" smtClean="0"/>
+              <a:t>0</a:t>
+            </a:r>
+          </a:p>
+          <a:p>
+            <a:r>
+              <a:rPr lang="sr-Latn-RS" dirty="0" smtClean="0"/>
+              <a:t>Kako bi radilo?</a:t>
+            </a:r>
+          </a:p>
+          <a:p>
+            <a:pPr marL="0" indent="0">
+              <a:buNone/>
+            </a:pPr>
+            <a:endParaRPr lang="sr-Latn-RS" sz="2400" dirty="0" smtClean="0">
+              <a:latin typeface="Courier New" panose="02070309020205020404" pitchFamily="49" charset="0"/>
+              <a:cs typeface="Courier New" panose="02070309020205020404" pitchFamily="49" charset="0"/>
+            </a:endParaRPr>
+          </a:p>
+          <a:p>
+            <a:pPr marL="0" indent="0">
+              <a:buNone/>
+            </a:pPr>
+            <a:r>
+              <a:rPr lang="en-GB" sz="2400" dirty="0" err="1" smtClean="0">
+                <a:latin typeface="Courier New" panose="02070309020205020404" pitchFamily="49" charset="0"/>
+                <a:cs typeface="Courier New" panose="02070309020205020404" pitchFamily="49" charset="0"/>
+              </a:rPr>
+              <a:t>BlogEntries.query</a:t>
+            </a:r>
+            <a:r>
+              <a:rPr lang="en-GB" sz="2400" dirty="0" smtClean="0">
+                <a:latin typeface="Courier New" panose="02070309020205020404" pitchFamily="49" charset="0"/>
+                <a:cs typeface="Courier New" panose="02070309020205020404" pitchFamily="49" charset="0"/>
+              </a:rPr>
+              <a:t>(function(</a:t>
+            </a:r>
+            <a:r>
+              <a:rPr lang="sr-Latn-RS" sz="2400" dirty="0" smtClean="0">
+                <a:latin typeface="Courier New" panose="02070309020205020404" pitchFamily="49" charset="0"/>
+                <a:cs typeface="Courier New" panose="02070309020205020404" pitchFamily="49" charset="0"/>
+              </a:rPr>
+              <a:t>data</a:t>
+            </a:r>
+            <a:r>
+              <a:rPr lang="en-GB" sz="2400" dirty="0" smtClean="0">
+                <a:latin typeface="Courier New" panose="02070309020205020404" pitchFamily="49" charset="0"/>
+                <a:cs typeface="Courier New" panose="02070309020205020404" pitchFamily="49" charset="0"/>
+              </a:rPr>
+              <a:t>){</a:t>
+            </a:r>
+            <a:endParaRPr lang="en-GB" sz="2400" dirty="0">
+              <a:latin typeface="Courier New" panose="02070309020205020404" pitchFamily="49" charset="0"/>
+              <a:cs typeface="Courier New" panose="02070309020205020404" pitchFamily="49" charset="0"/>
+            </a:endParaRPr>
+          </a:p>
+          <a:p>
+            <a:pPr marL="0" indent="0">
+              <a:buNone/>
+            </a:pPr>
+            <a:r>
+              <a:rPr lang="sr-Latn-RS" sz="2400" dirty="0" smtClean="0">
+                <a:latin typeface="Courier New" panose="02070309020205020404" pitchFamily="49" charset="0"/>
+                <a:cs typeface="Courier New" panose="02070309020205020404" pitchFamily="49" charset="0"/>
+              </a:rPr>
+              <a:t>  </a:t>
+            </a:r>
+            <a:r>
+              <a:rPr lang="en-GB" sz="2400" dirty="0" smtClean="0">
+                <a:latin typeface="Courier New" panose="02070309020205020404" pitchFamily="49" charset="0"/>
+                <a:cs typeface="Courier New" panose="02070309020205020404" pitchFamily="49" charset="0"/>
+              </a:rPr>
+              <a:t>$</a:t>
+            </a:r>
+            <a:r>
+              <a:rPr lang="en-GB" sz="2400" dirty="0" err="1" smtClean="0">
+                <a:latin typeface="Courier New" panose="02070309020205020404" pitchFamily="49" charset="0"/>
+                <a:cs typeface="Courier New" panose="02070309020205020404" pitchFamily="49" charset="0"/>
+              </a:rPr>
+              <a:t>scope.blogEntries</a:t>
+            </a:r>
+            <a:r>
+              <a:rPr lang="en-GB" sz="2400" dirty="0" smtClean="0">
+                <a:latin typeface="Courier New" panose="02070309020205020404" pitchFamily="49" charset="0"/>
+                <a:cs typeface="Courier New" panose="02070309020205020404" pitchFamily="49" charset="0"/>
+              </a:rPr>
+              <a:t> </a:t>
+            </a:r>
+            <a:r>
+              <a:rPr lang="en-GB" sz="2400" dirty="0">
+                <a:latin typeface="Courier New" panose="02070309020205020404" pitchFamily="49" charset="0"/>
+                <a:cs typeface="Courier New" panose="02070309020205020404" pitchFamily="49" charset="0"/>
+              </a:rPr>
+              <a:t>= </a:t>
+            </a:r>
+            <a:r>
+              <a:rPr lang="sr-Latn-RS" sz="2400" dirty="0" smtClean="0">
+                <a:latin typeface="Courier New" panose="02070309020205020404" pitchFamily="49" charset="0"/>
+                <a:cs typeface="Courier New" panose="02070309020205020404" pitchFamily="49" charset="0"/>
+              </a:rPr>
+              <a:t>data</a:t>
+            </a:r>
+            <a:r>
+              <a:rPr lang="en-GB" sz="2400" dirty="0" smtClean="0">
+                <a:latin typeface="Courier New" panose="02070309020205020404" pitchFamily="49" charset="0"/>
+                <a:cs typeface="Courier New" panose="02070309020205020404" pitchFamily="49" charset="0"/>
+              </a:rPr>
+              <a:t>;</a:t>
+            </a:r>
+            <a:endParaRPr lang="en-GB" sz="2400" dirty="0">
+              <a:latin typeface="Courier New" panose="02070309020205020404" pitchFamily="49" charset="0"/>
+              <a:cs typeface="Courier New" panose="02070309020205020404" pitchFamily="49" charset="0"/>
+            </a:endParaRPr>
+          </a:p>
+          <a:p>
+            <a:pPr marL="0" indent="0">
+              <a:buNone/>
+            </a:pPr>
+            <a:r>
+              <a:rPr lang="sr-Latn-RS" sz="2400" dirty="0" smtClean="0">
+                <a:latin typeface="Courier New" panose="02070309020205020404" pitchFamily="49" charset="0"/>
+                <a:cs typeface="Courier New" panose="02070309020205020404" pitchFamily="49" charset="0"/>
+              </a:rPr>
+              <a:t>  </a:t>
+            </a:r>
+            <a:r>
+              <a:rPr lang="en-GB" sz="2400" dirty="0" smtClean="0">
+                <a:latin typeface="Courier New" panose="02070309020205020404" pitchFamily="49" charset="0"/>
+                <a:cs typeface="Courier New" panose="02070309020205020404" pitchFamily="49" charset="0"/>
+              </a:rPr>
+              <a:t>console.log</a:t>
+            </a:r>
+            <a:r>
+              <a:rPr lang="en-GB" sz="2400" dirty="0">
+                <a:latin typeface="Courier New" panose="02070309020205020404" pitchFamily="49" charset="0"/>
+                <a:cs typeface="Courier New" panose="02070309020205020404" pitchFamily="49" charset="0"/>
+              </a:rPr>
+              <a:t>($</a:t>
+            </a:r>
+            <a:r>
+              <a:rPr lang="en-GB" sz="2400" dirty="0" err="1" smtClean="0">
+                <a:latin typeface="Courier New" panose="02070309020205020404" pitchFamily="49" charset="0"/>
+                <a:cs typeface="Courier New" panose="02070309020205020404" pitchFamily="49" charset="0"/>
+              </a:rPr>
+              <a:t>scope.blogEntries.length</a:t>
+            </a:r>
+            <a:r>
+              <a:rPr lang="en-GB" sz="2400" dirty="0">
+                <a:latin typeface="Courier New" panose="02070309020205020404" pitchFamily="49" charset="0"/>
+                <a:cs typeface="Courier New" panose="02070309020205020404" pitchFamily="49" charset="0"/>
+              </a:rPr>
+              <a:t>);</a:t>
+            </a:r>
+          </a:p>
+          <a:p>
+            <a:pPr marL="0" indent="0">
+              <a:buNone/>
+            </a:pPr>
+            <a:r>
+              <a:rPr lang="en-GB" sz="2400" dirty="0">
+                <a:latin typeface="Courier New" panose="02070309020205020404" pitchFamily="49" charset="0"/>
+                <a:cs typeface="Courier New" panose="02070309020205020404" pitchFamily="49" charset="0"/>
+              </a:rPr>
+              <a:t>});</a:t>
+            </a:r>
+            <a:endParaRPr lang="sr-Latn-RS" sz="2400" dirty="0">
+              <a:latin typeface="Courier New" panose="02070309020205020404" pitchFamily="49" charset="0"/>
+              <a:cs typeface="Courier New" panose="02070309020205020404" pitchFamily="49" charset="0"/>
+            </a:endParaRPr>
+          </a:p>
+          <a:p>
+            <a:endParaRPr lang="sr-Latn-RS" dirty="0" smtClean="0"/>
           </a:p>
           <a:p>
             <a:endParaRPr lang="sr-Latn-RS" dirty="0"/>
@@ -8849,7 +9110,7 @@
     </p:spTree>
     <p:extLst>
       <p:ext uri="{BB962C8B-B14F-4D97-AF65-F5344CB8AC3E}">
-        <p14:creationId xmlns:p14="http://schemas.microsoft.com/office/powerpoint/2010/main" val="4028832774"/>
+        <p14:creationId xmlns:p14="http://schemas.microsoft.com/office/powerpoint/2010/main" val="1965385180"/>
       </p:ext>
     </p:extLst>
   </p:cSld>
@@ -8900,7 +9161,7 @@
           <a:p>
             <a:r>
               <a:rPr lang="sr-Latn-RS" dirty="0" smtClean="0"/>
-              <a:t>$resource i $http zaključak</a:t>
+              <a:t>$resource i asinhroni pozivi</a:t>
             </a:r>
             <a:endParaRPr lang="en-GB" dirty="0"/>
           </a:p>
@@ -8919,80 +9180,43 @@
         <p:spPr/>
         <p:txBody>
           <a:bodyPr>
-            <a:normAutofit fontScale="85000" lnSpcReduction="20000"/>
+            <a:normAutofit/>
           </a:bodyPr>
           <a:lstStyle/>
           <a:p>
             <a:r>
-              <a:rPr lang="en-GB" dirty="0" smtClean="0"/>
-              <a:t>$</a:t>
-            </a:r>
-            <a:r>
-              <a:rPr lang="en-GB" dirty="0"/>
-              <a:t>resource </a:t>
-            </a:r>
-            <a:r>
-              <a:rPr lang="sr-Latn-RS" dirty="0" smtClean="0"/>
-              <a:t>fabrika je praktičan </a:t>
-            </a:r>
-            <a:r>
-              <a:rPr lang="sr-Latn-RS" dirty="0" smtClean="0"/>
-              <a:t>servis </a:t>
-            </a:r>
-            <a:r>
-              <a:rPr lang="sr-Latn-RS" dirty="0" smtClean="0"/>
-              <a:t>i omogućuje jednostavan razvoj REST klijntskih </a:t>
-            </a:r>
-            <a:r>
-              <a:rPr lang="sr-Latn-RS" dirty="0" smtClean="0"/>
-              <a:t>aplikacija</a:t>
-            </a:r>
-          </a:p>
-          <a:p>
-            <a:r>
-              <a:rPr lang="sr-Latn-RS" dirty="0" smtClean="0"/>
-              <a:t>Omogućiće nam da napravimo model podataka na klijentskoj aplikaciji</a:t>
-            </a:r>
-            <a:endParaRPr lang="en-GB" dirty="0"/>
-          </a:p>
-          <a:p>
-            <a:r>
-              <a:rPr lang="en-GB" dirty="0" smtClean="0"/>
-              <a:t>$</a:t>
-            </a:r>
-            <a:r>
-              <a:rPr lang="en-GB" dirty="0"/>
-              <a:t>resource </a:t>
-            </a:r>
-            <a:r>
-              <a:rPr lang="sr-Latn-RS" dirty="0" smtClean="0"/>
-              <a:t>je generički servis i postavlja stroga ograničenja za back-end (na primer, format servisa)</a:t>
-            </a:r>
-          </a:p>
-          <a:p>
-            <a:r>
-              <a:rPr lang="sr-Latn-RS" dirty="0" smtClean="0"/>
-              <a:t>Kada sami razvijamo back-end, možemo da prilagodimo REST api zahtevima $resource servisa</a:t>
-            </a:r>
-          </a:p>
-          <a:p>
-            <a:r>
-              <a:rPr lang="sr-Latn-RS" dirty="0" smtClean="0"/>
-              <a:t>Kada koristimo postojeći back-end, može nam se desiti da $resource nije dovoljan</a:t>
-            </a:r>
-          </a:p>
-          <a:p>
-            <a:r>
-              <a:rPr lang="sr-Latn-RS" dirty="0" smtClean="0"/>
-              <a:t>Onda koristimo $http</a:t>
-            </a:r>
+              <a:rPr lang="sr-Latn-RS" dirty="0" smtClean="0"/>
+              <a:t>Zaključak: i ako </a:t>
+            </a:r>
+            <a:r>
+              <a:rPr lang="sr-Latn-RS" dirty="0"/>
+              <a:t>$resource </a:t>
+            </a:r>
+            <a:r>
+              <a:rPr lang="sr-Latn-RS" dirty="0" smtClean="0"/>
+              <a:t>od nas to sakriva, </a:t>
+            </a:r>
+            <a:r>
+              <a:rPr lang="sr-Latn-RS" smtClean="0"/>
+              <a:t>pozivi ka </a:t>
+            </a:r>
+            <a:r>
+              <a:rPr lang="sr-Latn-RS" dirty="0" smtClean="0"/>
+              <a:t>back end-u su uvek asinhroni</a:t>
+            </a:r>
+          </a:p>
+          <a:p>
+            <a:endParaRPr lang="sr-Latn-RS" dirty="0"/>
+          </a:p>
+          <a:p>
+            <a:endParaRPr lang="sr-Latn-RS" dirty="0" smtClean="0"/>
           </a:p>
         </p:txBody>
       </p:sp>
     </p:spTree>
     <p:extLst>
       <p:ext uri="{BB962C8B-B14F-4D97-AF65-F5344CB8AC3E}">
-        <p14:creationId xmlns:p14="http://schemas.microsoft.com/office/powerpoint/2010/main" val="3938940359"/>
+        <p14:creationId xmlns:p14="http://schemas.microsoft.com/office/powerpoint/2010/main" val="4028832774"/>
       </p:ext>
     </p:extLst>
   </p:cSld>
@@ -9043,7 +9267,7 @@
           <a:p>
             <a:r>
               <a:rPr lang="sr-Latn-RS" dirty="0" smtClean="0"/>
-              <a:t>Restangular</a:t>
+              <a:t>$resource i $http zaključak</a:t>
             </a:r>
             <a:endParaRPr lang="en-GB" dirty="0"/>
           </a:p>
@@ -9061,53 +9285,69 @@
         </p:nvSpPr>
         <p:spPr/>
         <p:txBody>
-          <a:bodyPr/>
+          <a:bodyPr>
+            <a:normAutofit fontScale="85000" lnSpcReduction="20000"/>
+          </a:bodyPr>
           <a:lstStyle/>
           <a:p>
             <a:r>
               <a:rPr lang="en-GB" dirty="0" smtClean="0"/>
-              <a:t>Angular </a:t>
-            </a:r>
-            <a:r>
-              <a:rPr lang="sr-Latn-RS" dirty="0" smtClean="0"/>
-              <a:t>servis</a:t>
-            </a:r>
+              <a:t>$</a:t>
+            </a:r>
+            <a:r>
+              <a:rPr lang="en-GB" dirty="0"/>
+              <a:t>resource </a:t>
+            </a:r>
+            <a:r>
+              <a:rPr lang="sr-Latn-RS" dirty="0" smtClean="0"/>
+              <a:t>servis je praktičan i omogućava jednostavan razvoj REST klijntskih aplikacija</a:t>
+            </a:r>
+          </a:p>
+          <a:p>
+            <a:r>
+              <a:rPr lang="sr-Latn-RS" dirty="0" smtClean="0"/>
+              <a:t>Omogućiće nam da napravimo model podataka na klijentskoj aplikaciji</a:t>
+            </a:r>
+            <a:endParaRPr lang="en-GB" dirty="0"/>
+          </a:p>
+          <a:p>
             <a:r>
               <a:rPr lang="en-GB" dirty="0" smtClean="0"/>
-              <a:t> </a:t>
-            </a:r>
-            <a:r>
-              <a:rPr lang="sr-Latn-RS" dirty="0" smtClean="0"/>
-              <a:t>koji pojednostavljuje HTTP komunikaciju uz minimizovanje klijentskog koda</a:t>
-            </a:r>
-          </a:p>
-          <a:p>
-            <a:r>
-              <a:rPr lang="sr-Latn-RS" dirty="0" smtClean="0"/>
-              <a:t>Razvijen za potrebe Web aplikacija koje </a:t>
-            </a:r>
-            <a:r>
-              <a:rPr lang="sr-Latn-RS" dirty="0" smtClean="0"/>
-              <a:t>konzumiraju čist </a:t>
-            </a:r>
-            <a:r>
-              <a:rPr lang="sr-Latn-RS" dirty="0" smtClean="0"/>
-              <a:t>RESTful API </a:t>
-            </a:r>
-          </a:p>
-          <a:p>
-            <a:r>
-              <a:rPr lang="sr-Latn-RS" dirty="0" smtClean="0"/>
-              <a:t>Kao i $resource, wrapper oko $http</a:t>
-            </a:r>
-            <a:endParaRPr lang="en-GB" dirty="0"/>
+              <a:t>$</a:t>
+            </a:r>
+            <a:r>
+              <a:rPr lang="en-GB" dirty="0"/>
+              <a:t>resource </a:t>
+            </a:r>
+            <a:r>
+              <a:rPr lang="sr-Latn-RS" dirty="0" smtClean="0"/>
+              <a:t>je generički servis i postavlja stroga ograničenja za back-end (na primer, format servisa)</a:t>
+            </a:r>
+          </a:p>
+          <a:p>
+            <a:r>
+              <a:rPr lang="sr-Latn-RS" dirty="0" smtClean="0"/>
+              <a:t>Kada sami razvijamo back-end, možemo da prilagodimo api zahtevima $resource servisa</a:t>
+            </a:r>
+          </a:p>
+          <a:p>
+            <a:r>
+              <a:rPr lang="sr-Latn-RS" dirty="0" smtClean="0"/>
+              <a:t>Kada koristimo postojeći back-end, može nam se desiti da $resource nije dovoljan</a:t>
+            </a:r>
+          </a:p>
+          <a:p>
+            <a:r>
+              <a:rPr lang="sr-Latn-RS" dirty="0" smtClean="0"/>
+              <a:t>Onda koristimo $http</a:t>
+            </a:r>
           </a:p>
         </p:txBody>
       </p:sp>
     </p:spTree>
     <p:extLst>
       <p:ext uri="{BB962C8B-B14F-4D97-AF65-F5344CB8AC3E}">
-        <p14:creationId xmlns:p14="http://schemas.microsoft.com/office/powerpoint/2010/main" val="499386608"/>
+        <p14:creationId xmlns:p14="http://schemas.microsoft.com/office/powerpoint/2010/main" val="3938940359"/>
       </p:ext>
     </p:extLst>
   </p:cSld>
@@ -9158,7 +9398,7 @@
           <a:p>
             <a:r>
               <a:rPr lang="sr-Latn-RS" dirty="0" smtClean="0"/>
-              <a:t>$http</a:t>
+              <a:t>$http pozivi</a:t>
             </a:r>
             <a:endParaRPr lang="en-GB" dirty="0"/>
           </a:p>
@@ -9176,199 +9416,249 @@
         </p:nvSpPr>
         <p:spPr/>
         <p:txBody>
-          <a:bodyPr/>
-          <a:lstStyle/>
-          <a:p>
-            <a:r>
-              <a:rPr lang="en-GB" dirty="0"/>
-              <a:t>GET: $</a:t>
-            </a:r>
-            <a:r>
-              <a:rPr lang="en-GB" dirty="0" err="1"/>
-              <a:t>http.get</a:t>
-            </a:r>
-            <a:r>
-              <a:rPr lang="en-GB" dirty="0"/>
-              <a:t>(</a:t>
-            </a:r>
-            <a:r>
-              <a:rPr lang="en-GB" dirty="0" err="1"/>
-              <a:t>url</a:t>
-            </a:r>
-            <a:r>
-              <a:rPr lang="en-GB" dirty="0"/>
-              <a:t>, </a:t>
-            </a:r>
-            <a:r>
-              <a:rPr lang="en-GB" dirty="0" err="1"/>
-              <a:t>config</a:t>
-            </a:r>
-            <a:r>
-              <a:rPr lang="en-GB" dirty="0"/>
-              <a:t>)</a:t>
-            </a:r>
-          </a:p>
-          <a:p>
-            <a:r>
-              <a:rPr lang="en-GB" dirty="0" smtClean="0"/>
-              <a:t>POST</a:t>
-            </a:r>
-            <a:r>
-              <a:rPr lang="en-GB" dirty="0"/>
-              <a:t>: $</a:t>
-            </a:r>
-            <a:r>
-              <a:rPr lang="en-GB" dirty="0" err="1"/>
-              <a:t>http.post</a:t>
-            </a:r>
-            <a:r>
-              <a:rPr lang="en-GB" dirty="0"/>
-              <a:t>(</a:t>
-            </a:r>
-            <a:r>
-              <a:rPr lang="en-GB" dirty="0" err="1"/>
-              <a:t>url</a:t>
-            </a:r>
-            <a:r>
-              <a:rPr lang="en-GB" dirty="0"/>
-              <a:t>, data, </a:t>
-            </a:r>
-            <a:r>
-              <a:rPr lang="en-GB" dirty="0" err="1"/>
-              <a:t>config</a:t>
-            </a:r>
-            <a:r>
-              <a:rPr lang="en-GB" dirty="0"/>
-              <a:t>)</a:t>
-            </a:r>
-          </a:p>
-          <a:p>
-            <a:r>
-              <a:rPr lang="en-GB" dirty="0" smtClean="0"/>
-              <a:t>PUT</a:t>
-            </a:r>
-            <a:r>
-              <a:rPr lang="en-GB" dirty="0"/>
-              <a:t>: $</a:t>
-            </a:r>
-            <a:r>
-              <a:rPr lang="en-GB" dirty="0" err="1"/>
-              <a:t>http.put</a:t>
-            </a:r>
-            <a:r>
-              <a:rPr lang="en-GB" dirty="0"/>
-              <a:t>(</a:t>
-            </a:r>
-            <a:r>
-              <a:rPr lang="en-GB" dirty="0" err="1"/>
-              <a:t>url</a:t>
-            </a:r>
-            <a:r>
-              <a:rPr lang="en-GB" dirty="0"/>
-              <a:t>, data, </a:t>
-            </a:r>
-            <a:r>
-              <a:rPr lang="en-GB" dirty="0" err="1"/>
-              <a:t>config</a:t>
-            </a:r>
-            <a:r>
-              <a:rPr lang="en-GB" dirty="0"/>
-              <a:t>)</a:t>
-            </a:r>
-          </a:p>
-          <a:p>
-            <a:r>
-              <a:rPr lang="en-GB" dirty="0" smtClean="0"/>
-              <a:t>DELETE</a:t>
-            </a:r>
-            <a:r>
-              <a:rPr lang="en-GB" dirty="0"/>
-              <a:t>: $</a:t>
-            </a:r>
-            <a:r>
-              <a:rPr lang="en-GB" dirty="0" err="1"/>
-              <a:t>http.delete</a:t>
-            </a:r>
-            <a:r>
-              <a:rPr lang="en-GB" dirty="0"/>
-              <a:t>(</a:t>
-            </a:r>
-            <a:r>
-              <a:rPr lang="en-GB" dirty="0" err="1"/>
-              <a:t>url</a:t>
-            </a:r>
-            <a:r>
-              <a:rPr lang="en-GB" dirty="0"/>
-              <a:t>, </a:t>
-            </a:r>
-            <a:r>
-              <a:rPr lang="en-GB" dirty="0" err="1"/>
-              <a:t>config</a:t>
-            </a:r>
-            <a:r>
-              <a:rPr lang="en-GB" dirty="0"/>
-              <a:t>)</a:t>
-            </a:r>
-          </a:p>
-          <a:p>
-            <a:r>
-              <a:rPr lang="en-GB" dirty="0" smtClean="0"/>
-              <a:t>HEAD</a:t>
-            </a:r>
-            <a:r>
-              <a:rPr lang="en-GB" dirty="0"/>
-              <a:t>: $</a:t>
-            </a:r>
-            <a:r>
-              <a:rPr lang="en-GB" dirty="0" err="1" smtClean="0"/>
-              <a:t>http.head</a:t>
-            </a:r>
-            <a:endParaRPr lang="en-GB" dirty="0" smtClean="0"/>
-          </a:p>
-          <a:p>
-            <a:r>
-              <a:rPr lang="sr-Latn-RS" dirty="0" smtClean="0"/>
-              <a:t>Takođe, moguće je poslati jsonp zahtev sa </a:t>
-            </a:r>
-            <a:r>
-              <a:rPr lang="en-GB" dirty="0"/>
-              <a:t>$</a:t>
-            </a:r>
-            <a:r>
-              <a:rPr lang="en-GB" dirty="0" err="1"/>
-              <a:t>http.jsonp</a:t>
-            </a:r>
-            <a:r>
-              <a:rPr lang="en-GB" dirty="0"/>
-              <a:t>(</a:t>
-            </a:r>
-            <a:r>
-              <a:rPr lang="en-GB" dirty="0" err="1"/>
-              <a:t>url</a:t>
-            </a:r>
-            <a:r>
-              <a:rPr lang="en-GB" dirty="0"/>
-              <a:t>, </a:t>
-            </a:r>
-            <a:r>
-              <a:rPr lang="en-GB" dirty="0" err="1"/>
-              <a:t>config</a:t>
-            </a:r>
-            <a:r>
-              <a:rPr lang="en-GB" dirty="0" smtClean="0"/>
-              <a:t>)</a:t>
-            </a:r>
-            <a:endParaRPr lang="sr-Latn-RS" dirty="0" smtClean="0"/>
-          </a:p>
-          <a:p>
-            <a:endParaRPr lang="sr-Latn-RS" dirty="0" smtClean="0"/>
+          <a:bodyPr>
+            <a:normAutofit fontScale="70000" lnSpcReduction="20000"/>
+          </a:bodyPr>
+          <a:lstStyle/>
+          <a:p>
+            <a:pPr marL="0" indent="0">
+              <a:buNone/>
+            </a:pPr>
+            <a:r>
+              <a:rPr lang="en-GB" dirty="0">
+                <a:latin typeface="Courier New" panose="02070309020205020404" pitchFamily="49" charset="0"/>
+                <a:cs typeface="Courier New" panose="02070309020205020404" pitchFamily="49" charset="0"/>
+              </a:rPr>
+              <a:t>// </a:t>
+            </a:r>
+            <a:r>
+              <a:rPr lang="en-GB" dirty="0" smtClean="0">
+                <a:latin typeface="Courier New" panose="02070309020205020404" pitchFamily="49" charset="0"/>
+                <a:cs typeface="Courier New" panose="02070309020205020404" pitchFamily="49" charset="0"/>
+              </a:rPr>
+              <a:t>GET </a:t>
+            </a:r>
+            <a:r>
+              <a:rPr lang="sr-Latn-RS" dirty="0" smtClean="0">
+                <a:latin typeface="Courier New" panose="02070309020205020404" pitchFamily="49" charset="0"/>
+                <a:cs typeface="Courier New" panose="02070309020205020404" pitchFamily="49" charset="0"/>
+              </a:rPr>
+              <a:t>zahtev</a:t>
+            </a:r>
+            <a:r>
+              <a:rPr lang="en-GB" dirty="0" smtClean="0">
+                <a:latin typeface="Courier New" panose="02070309020205020404" pitchFamily="49" charset="0"/>
+                <a:cs typeface="Courier New" panose="02070309020205020404" pitchFamily="49" charset="0"/>
+              </a:rPr>
+              <a:t>:</a:t>
+            </a:r>
+            <a:endParaRPr lang="en-GB" dirty="0">
+              <a:latin typeface="Courier New" panose="02070309020205020404" pitchFamily="49" charset="0"/>
+              <a:cs typeface="Courier New" panose="02070309020205020404" pitchFamily="49" charset="0"/>
+            </a:endParaRPr>
+          </a:p>
+          <a:p>
+            <a:pPr marL="0" indent="0">
+              <a:buNone/>
+            </a:pPr>
+            <a:r>
+              <a:rPr lang="en-GB" dirty="0">
+                <a:latin typeface="Courier New" panose="02070309020205020404" pitchFamily="49" charset="0"/>
+                <a:cs typeface="Courier New" panose="02070309020205020404" pitchFamily="49" charset="0"/>
+              </a:rPr>
+              <a:t>$http({</a:t>
+            </a:r>
+          </a:p>
+          <a:p>
+            <a:pPr marL="0" indent="0">
+              <a:buNone/>
+            </a:pPr>
+            <a:r>
+              <a:rPr lang="en-GB" dirty="0">
+                <a:latin typeface="Courier New" panose="02070309020205020404" pitchFamily="49" charset="0"/>
+                <a:cs typeface="Courier New" panose="02070309020205020404" pitchFamily="49" charset="0"/>
+              </a:rPr>
+              <a:t>  method: 'GET',</a:t>
+            </a:r>
+          </a:p>
+          <a:p>
+            <a:pPr marL="0" indent="0">
+              <a:buNone/>
+            </a:pPr>
+            <a:r>
+              <a:rPr lang="en-GB" dirty="0">
+                <a:latin typeface="Courier New" panose="02070309020205020404" pitchFamily="49" charset="0"/>
+                <a:cs typeface="Courier New" panose="02070309020205020404" pitchFamily="49" charset="0"/>
+              </a:rPr>
+              <a:t>  url: '/</a:t>
+            </a:r>
+            <a:r>
+              <a:rPr lang="en-GB" dirty="0" err="1">
+                <a:latin typeface="Courier New" panose="02070309020205020404" pitchFamily="49" charset="0"/>
+                <a:cs typeface="Courier New" panose="02070309020205020404" pitchFamily="49" charset="0"/>
+              </a:rPr>
+              <a:t>someUrl</a:t>
+            </a:r>
+            <a:r>
+              <a:rPr lang="en-GB" dirty="0">
+                <a:latin typeface="Courier New" panose="02070309020205020404" pitchFamily="49" charset="0"/>
+                <a:cs typeface="Courier New" panose="02070309020205020404" pitchFamily="49" charset="0"/>
+              </a:rPr>
+              <a:t>'</a:t>
+            </a:r>
+          </a:p>
+          <a:p>
+            <a:pPr marL="0" indent="0">
+              <a:buNone/>
+            </a:pPr>
+            <a:r>
+              <a:rPr lang="en-GB" dirty="0">
+                <a:latin typeface="Courier New" panose="02070309020205020404" pitchFamily="49" charset="0"/>
+                <a:cs typeface="Courier New" panose="02070309020205020404" pitchFamily="49" charset="0"/>
+              </a:rPr>
+              <a:t>}).then(function </a:t>
+            </a:r>
+            <a:r>
+              <a:rPr lang="en-GB" dirty="0" err="1">
+                <a:latin typeface="Courier New" panose="02070309020205020404" pitchFamily="49" charset="0"/>
+                <a:cs typeface="Courier New" panose="02070309020205020404" pitchFamily="49" charset="0"/>
+              </a:rPr>
+              <a:t>successCallback</a:t>
+            </a:r>
+            <a:r>
+              <a:rPr lang="en-GB" dirty="0">
+                <a:latin typeface="Courier New" panose="02070309020205020404" pitchFamily="49" charset="0"/>
+                <a:cs typeface="Courier New" panose="02070309020205020404" pitchFamily="49" charset="0"/>
+              </a:rPr>
+              <a:t>(response) {</a:t>
+            </a:r>
+          </a:p>
+          <a:p>
+            <a:pPr marL="0" indent="0">
+              <a:buNone/>
+            </a:pPr>
+            <a:r>
+              <a:rPr lang="sr-Latn-RS" dirty="0" smtClean="0">
+                <a:latin typeface="Courier New" panose="02070309020205020404" pitchFamily="49" charset="0"/>
+                <a:cs typeface="Courier New" panose="02070309020205020404" pitchFamily="49" charset="0"/>
+              </a:rPr>
+              <a:t>    // callback metoda se poziva </a:t>
+            </a:r>
+          </a:p>
+          <a:p>
+            <a:pPr marL="0" indent="0">
+              <a:buNone/>
+            </a:pPr>
+            <a:r>
+              <a:rPr lang="sr-Latn-RS" dirty="0" smtClean="0">
+                <a:latin typeface="Courier New" panose="02070309020205020404" pitchFamily="49" charset="0"/>
+                <a:cs typeface="Courier New" panose="02070309020205020404" pitchFamily="49" charset="0"/>
+              </a:rPr>
+              <a:t>    // kada pristigne odgovor</a:t>
+            </a:r>
+            <a:endParaRPr lang="en-GB" dirty="0">
+              <a:latin typeface="Courier New" panose="02070309020205020404" pitchFamily="49" charset="0"/>
+              <a:cs typeface="Courier New" panose="02070309020205020404" pitchFamily="49" charset="0"/>
+            </a:endParaRPr>
+          </a:p>
+          <a:p>
+            <a:pPr marL="0" indent="0">
+              <a:buNone/>
+            </a:pPr>
+            <a:r>
+              <a:rPr lang="en-GB" dirty="0">
+                <a:latin typeface="Courier New" panose="02070309020205020404" pitchFamily="49" charset="0"/>
+                <a:cs typeface="Courier New" panose="02070309020205020404" pitchFamily="49" charset="0"/>
+              </a:rPr>
+              <a:t>  }, function </a:t>
+            </a:r>
+            <a:r>
+              <a:rPr lang="en-GB" dirty="0" err="1">
+                <a:latin typeface="Courier New" panose="02070309020205020404" pitchFamily="49" charset="0"/>
+                <a:cs typeface="Courier New" panose="02070309020205020404" pitchFamily="49" charset="0"/>
+              </a:rPr>
+              <a:t>errorCallback</a:t>
+            </a:r>
+            <a:r>
+              <a:rPr lang="en-GB" dirty="0">
+                <a:latin typeface="Courier New" panose="02070309020205020404" pitchFamily="49" charset="0"/>
+                <a:cs typeface="Courier New" panose="02070309020205020404" pitchFamily="49" charset="0"/>
+              </a:rPr>
+              <a:t>(response) {</a:t>
+            </a:r>
+          </a:p>
+          <a:p>
+            <a:pPr marL="0" indent="0">
+              <a:buNone/>
+            </a:pPr>
+            <a:r>
+              <a:rPr lang="en-GB" dirty="0">
+                <a:latin typeface="Courier New" panose="02070309020205020404" pitchFamily="49" charset="0"/>
+                <a:cs typeface="Courier New" panose="02070309020205020404" pitchFamily="49" charset="0"/>
+              </a:rPr>
+              <a:t>    // </a:t>
+            </a:r>
+            <a:r>
+              <a:rPr lang="sr-Latn-RS" dirty="0" smtClean="0">
+                <a:latin typeface="Courier New" panose="02070309020205020404" pitchFamily="49" charset="0"/>
+                <a:cs typeface="Courier New" panose="02070309020205020404" pitchFamily="49" charset="0"/>
+              </a:rPr>
+              <a:t>calback se poziva kada se desi greška</a:t>
+            </a:r>
+          </a:p>
+          <a:p>
+            <a:pPr marL="0" indent="0">
+              <a:buNone/>
+            </a:pPr>
+            <a:r>
+              <a:rPr lang="sr-Latn-RS" dirty="0" smtClean="0">
+                <a:latin typeface="Courier New" panose="02070309020205020404" pitchFamily="49" charset="0"/>
+                <a:cs typeface="Courier New" panose="02070309020205020404" pitchFamily="49" charset="0"/>
+              </a:rPr>
+              <a:t>    // ili kada server vrati odgovor </a:t>
+            </a:r>
+          </a:p>
+          <a:p>
+            <a:pPr marL="0" indent="0">
+              <a:buNone/>
+            </a:pPr>
+            <a:r>
+              <a:rPr lang="sr-Latn-RS" dirty="0" smtClean="0">
+                <a:latin typeface="Courier New" panose="02070309020205020404" pitchFamily="49" charset="0"/>
+                <a:cs typeface="Courier New" panose="02070309020205020404" pitchFamily="49" charset="0"/>
+              </a:rPr>
+              <a:t>    // sa statusom greške</a:t>
+            </a:r>
+            <a:endParaRPr lang="en-GB" dirty="0" smtClean="0">
+              <a:latin typeface="Courier New" panose="02070309020205020404" pitchFamily="49" charset="0"/>
+              <a:cs typeface="Courier New" panose="02070309020205020404" pitchFamily="49" charset="0"/>
+            </a:endParaRPr>
+          </a:p>
+          <a:p>
+            <a:pPr marL="0" indent="0">
+              <a:buNone/>
+            </a:pPr>
+            <a:r>
+              <a:rPr lang="en-GB" dirty="0" smtClean="0">
+                <a:latin typeface="Courier New" panose="02070309020205020404" pitchFamily="49" charset="0"/>
+                <a:cs typeface="Courier New" panose="02070309020205020404" pitchFamily="49" charset="0"/>
+              </a:rPr>
+              <a:t>  </a:t>
+            </a:r>
+            <a:r>
+              <a:rPr lang="en-GB" dirty="0">
+                <a:latin typeface="Courier New" panose="02070309020205020404" pitchFamily="49" charset="0"/>
+                <a:cs typeface="Courier New" panose="02070309020205020404" pitchFamily="49" charset="0"/>
+              </a:rPr>
+              <a:t>});</a:t>
+            </a:r>
           </a:p>
         </p:txBody>
       </p:sp>
     </p:spTree>
     <p:extLst>
       <p:ext uri="{BB962C8B-B14F-4D97-AF65-F5344CB8AC3E}">
-        <p14:creationId xmlns:p14="http://schemas.microsoft.com/office/powerpoint/2010/main" val="1974678103"/>
+        <p14:creationId xmlns:p14="http://schemas.microsoft.com/office/powerpoint/2010/main" val="3310309423"/>
       </p:ext>
     </p:extLst>
   </p:cSld>
@@ -9441,57 +9731,33 @@
           <a:lstStyle/>
           <a:p>
             <a:r>
-              <a:rPr lang="sr-Latn-RS" dirty="0" smtClean="0"/>
-              <a:t>Restangular koristi </a:t>
-            </a:r>
-            <a:r>
-              <a:rPr lang="sr-Latn-RS" b="1" dirty="0" smtClean="0"/>
-              <a:t>promise</a:t>
-            </a:r>
-            <a:r>
-              <a:rPr lang="sr-Latn-RS" dirty="0" smtClean="0"/>
-              <a:t> za punjenje objekata</a:t>
-            </a:r>
-            <a:r>
-              <a:rPr lang="sr-Latn-RS" b="1" dirty="0" smtClean="0"/>
+              <a:rPr lang="en-GB" dirty="0" smtClean="0"/>
+              <a:t>Angular </a:t>
+            </a:r>
+            <a:r>
+              <a:rPr lang="sr-Latn-RS" dirty="0" smtClean="0"/>
+              <a:t>servis</a:t>
+            </a:r>
+            <a:r>
+              <a:rPr lang="en-GB" dirty="0" smtClean="0"/>
               <a:t> </a:t>
             </a:r>
             <a:r>
               <a:rPr lang="sr-Latn-RS" dirty="0" smtClean="0"/>
-              <a:t>za razliku od $resource koji objekte puni „magijski“</a:t>
-            </a:r>
-          </a:p>
-          <a:p>
-            <a:r>
-              <a:rPr lang="sr-Latn-RS" dirty="0" smtClean="0"/>
-              <a:t>Podržane su sve HTTP metode</a:t>
-            </a:r>
-          </a:p>
-          <a:p>
-            <a:r>
-              <a:rPr lang="sr-Latn-RS" dirty="0" smtClean="0"/>
-              <a:t>Nije potrebno eksplicitno pisanje URL-ova</a:t>
-            </a:r>
-          </a:p>
-          <a:p>
-            <a:r>
-              <a:rPr lang="sr-Latn-RS" dirty="0" smtClean="0"/>
-              <a:t>Pruža podršku za ugnježdene resurse</a:t>
-            </a:r>
-          </a:p>
-          <a:p>
-            <a:r>
-              <a:rPr lang="sr-Latn-RS" dirty="0" smtClean="0"/>
-              <a:t>Ostavlja mogućnost pisanja custom metoda</a:t>
-            </a:r>
-          </a:p>
-          <a:p>
-            <a:r>
-              <a:rPr lang="sr-Latn-RS" dirty="0" smtClean="0"/>
-              <a:t>Pojednostavljuje preuzimanje metapodataka</a:t>
-            </a:r>
-          </a:p>
-          <a:p>
+              <a:t>koji pojednostavljuje HTTP komunikaciju uz minimizovanje klijentskog koda</a:t>
+            </a:r>
+          </a:p>
+          <a:p>
+            <a:r>
+              <a:rPr lang="sr-Latn-RS" dirty="0" smtClean="0"/>
+              <a:t>Razvijen za potrebe Web aplikacija koje konzumiraju čist RESTful API </a:t>
+            </a:r>
+          </a:p>
+          <a:p>
+            <a:r>
+              <a:rPr lang="sr-Latn-RS" dirty="0" smtClean="0"/>
+              <a:t>Kao i $resource, wrapper oko $http</a:t>
+            </a:r>
             <a:endParaRPr lang="en-GB" dirty="0"/>
           </a:p>
         </p:txBody>
@@ -9499,7 +9765,7 @@
     </p:spTree>
     <p:extLst>
       <p:ext uri="{BB962C8B-B14F-4D97-AF65-F5344CB8AC3E}">
-        <p14:creationId xmlns:p14="http://schemas.microsoft.com/office/powerpoint/2010/main" val="4060200211"/>
+        <p14:creationId xmlns:p14="http://schemas.microsoft.com/office/powerpoint/2010/main" val="499386608"/>
       </p:ext>
     </p:extLst>
   </p:cSld>
@@ -9550,7 +9816,7 @@
           <a:p>
             <a:r>
               <a:rPr lang="sr-Latn-RS" dirty="0" smtClean="0"/>
-              <a:t>Konfigurisanje Restangular</a:t>
+              <a:t>Restangular</a:t>
             </a:r>
             <a:endParaRPr lang="en-GB" dirty="0"/>
           </a:p>
@@ -9568,19 +9834,67 @@
         </p:nvSpPr>
         <p:spPr/>
         <p:txBody>
-          <a:bodyPr/>
-          <a:lstStyle/>
-          <a:p>
-            <a:r>
-              <a:rPr lang="sr-Latn-RS" dirty="0" smtClean="0"/>
-              <a:t>Inicijalno su postavljene default konfiguracije i tipično nije potrebno raditi dodatno konfigurisanje</a:t>
-            </a:r>
-          </a:p>
-          <a:p>
-            <a:r>
-              <a:rPr lang="sr-Latn-RS" dirty="0" smtClean="0"/>
-              <a:t>Ukoliko jeste, to se radi u fazi konfigurisanja aplikacije</a:t>
-            </a:r>
+          <a:bodyPr>
+            <a:normAutofit fontScale="92500"/>
+          </a:bodyPr>
+          <a:lstStyle/>
+          <a:p>
+            <a:r>
+              <a:rPr lang="sr-Latn-RS" dirty="0" smtClean="0"/>
+              <a:t>Restangular koristi </a:t>
+            </a:r>
+            <a:r>
+              <a:rPr lang="sr-Latn-RS" b="1" dirty="0" smtClean="0"/>
+              <a:t>promise</a:t>
+            </a:r>
+            <a:r>
+              <a:rPr lang="sr-Latn-RS" dirty="0" smtClean="0"/>
+              <a:t> za punjenje objekata</a:t>
+            </a:r>
+            <a:r>
+              <a:rPr lang="sr-Latn-RS" b="1" dirty="0" smtClean="0"/>
+              <a:t> </a:t>
+            </a:r>
+            <a:r>
+              <a:rPr lang="sr-Latn-RS" dirty="0" smtClean="0"/>
+              <a:t>za razliku od $resource koji objekte puni „magijski“</a:t>
+            </a:r>
+          </a:p>
+          <a:p>
+            <a:r>
+              <a:rPr lang="sr-Latn-RS" dirty="0" smtClean="0"/>
+              <a:t>Podržane su sve HTTP metode</a:t>
+            </a:r>
+          </a:p>
+          <a:p>
+            <a:r>
+              <a:rPr lang="sr-Latn-RS" b="1" dirty="0" smtClean="0"/>
+              <a:t>Nikada</a:t>
+            </a:r>
+            <a:r>
+              <a:rPr lang="sr-Latn-RS" dirty="0" smtClean="0"/>
+              <a:t> nije potrebno eksplicitno pisanje URL-ova</a:t>
+            </a:r>
+          </a:p>
+          <a:p>
+            <a:r>
+              <a:rPr lang="sr-Latn-RS" dirty="0" smtClean="0"/>
+              <a:t>Pruža podršku za ugnježdene resurse</a:t>
+            </a:r>
+          </a:p>
+          <a:p>
+            <a:r>
+              <a:rPr lang="sr-Latn-RS" dirty="0" smtClean="0"/>
+              <a:t>Ostavlja mogućnost pisanja custom metoda</a:t>
+            </a:r>
+          </a:p>
+          <a:p>
+            <a:r>
+              <a:rPr lang="sr-Latn-RS" dirty="0" smtClean="0"/>
+              <a:t>Pojednostavljuje preuzimanje metapodataka</a:t>
+            </a:r>
+          </a:p>
+          <a:p>
             <a:endParaRPr lang="en-GB" dirty="0"/>
           </a:p>
         </p:txBody>
@@ -9588,7 +9902,7 @@
     </p:spTree>
     <p:extLst>
       <p:ext uri="{BB962C8B-B14F-4D97-AF65-F5344CB8AC3E}">
-        <p14:creationId xmlns:p14="http://schemas.microsoft.com/office/powerpoint/2010/main" val="1408946130"/>
+        <p14:creationId xmlns:p14="http://schemas.microsoft.com/office/powerpoint/2010/main" val="4060200211"/>
       </p:ext>
     </p:extLst>
   </p:cSld>
@@ -9639,7 +9953,7 @@
           <a:p>
             <a:r>
               <a:rPr lang="sr-Latn-RS" dirty="0" smtClean="0"/>
-              <a:t>Dve faze izvršavanja modula</a:t>
+              <a:t>Konfigurisanje Restangular</a:t>
             </a:r>
             <a:endParaRPr lang="en-GB" dirty="0"/>
           </a:p>
@@ -9657,86 +9971,27 @@
         </p:nvSpPr>
         <p:spPr/>
         <p:txBody>
-          <a:bodyPr>
-            <a:normAutofit fontScale="92500" lnSpcReduction="10000"/>
-          </a:bodyPr>
-          <a:lstStyle/>
-          <a:p>
-            <a:r>
-              <a:rPr lang="sr-Latn-RS" dirty="0" smtClean="0"/>
-              <a:t>Modul u AngularJS (pa i modul postavljen u ng-app) ima dva bloka:</a:t>
-            </a:r>
-          </a:p>
-          <a:p>
-            <a:pPr marL="971550" lvl="1" indent="-514350">
-              <a:buFont typeface="+mj-lt"/>
-              <a:buAutoNum type="arabicPeriod"/>
-            </a:pPr>
-            <a:r>
-              <a:rPr lang="sr-Latn-RS" dirty="0" smtClean="0"/>
-              <a:t>Blok konfiguracije – config</a:t>
-            </a:r>
-          </a:p>
-          <a:p>
-            <a:pPr marL="1200150" lvl="2" indent="-342900"/>
-            <a:r>
-              <a:rPr lang="sr-Latn-RS" dirty="0"/>
-              <a:t>I</a:t>
-            </a:r>
-            <a:r>
-              <a:rPr lang="sr-Latn-RS" dirty="0" smtClean="0"/>
-              <a:t>zvršava se u toku registracije provajdera i konfigurisanja aplikacije</a:t>
-            </a:r>
-          </a:p>
-          <a:p>
-            <a:pPr marL="1200150" lvl="2" indent="-342900"/>
-            <a:r>
-              <a:rPr lang="sr-Latn-RS" dirty="0" smtClean="0"/>
-              <a:t>Izdvajanje koda u ovaj blok sprečava da se servisi slučajno injektuju pre nego što su potpuno konfigurisani</a:t>
-            </a:r>
-          </a:p>
-          <a:p>
-            <a:pPr marL="971550" lvl="1" indent="-514350">
-              <a:buFont typeface="+mj-lt"/>
-              <a:buAutoNum type="arabicPeriod"/>
-            </a:pPr>
-            <a:r>
-              <a:rPr lang="sr-Latn-RS" dirty="0" smtClean="0"/>
-              <a:t>Blok izvršavanja – run</a:t>
-            </a:r>
-          </a:p>
-          <a:p>
-            <a:pPr marL="1200150" lvl="2" indent="-342900"/>
-            <a:r>
-              <a:rPr lang="sr-Latn-RS" dirty="0" smtClean="0"/>
-              <a:t>Izvršava se nakon što se injektor kreira</a:t>
-            </a:r>
-          </a:p>
-          <a:p>
-            <a:pPr marL="1200150" lvl="2" indent="-342900"/>
-            <a:r>
-              <a:rPr lang="sr-Latn-RS" dirty="0" smtClean="0"/>
-              <a:t>U ovoj fazi nije moguće dalje </a:t>
-            </a:r>
-            <a:r>
-              <a:rPr lang="sr-Latn-RS" dirty="0" smtClean="0"/>
-              <a:t>konfigurisanje</a:t>
-            </a:r>
-          </a:p>
-          <a:p>
-            <a:pPr marL="400050"/>
-            <a:r>
-              <a:rPr lang="sr-Latn-RS" dirty="0" smtClean="0"/>
-              <a:t>Više o tome kasnije...</a:t>
-            </a:r>
-            <a:endParaRPr lang="sr-Latn-RS" dirty="0" smtClean="0"/>
+          <a:bodyPr/>
+          <a:lstStyle/>
+          <a:p>
+            <a:r>
+              <a:rPr lang="sr-Latn-RS" dirty="0" smtClean="0"/>
+              <a:t>Inicijalno su postavljene default konfiguracije i tipično nije potrebno raditi dodatno konfigurisanje</a:t>
+            </a:r>
+          </a:p>
+          <a:p>
+            <a:r>
+              <a:rPr lang="sr-Latn-RS" dirty="0" smtClean="0"/>
+              <a:t>Ukoliko jeste, to se radi u fazi konfigurisanja aplikacije</a:t>
+            </a:r>
+            <a:endParaRPr lang="en-GB" dirty="0"/>
           </a:p>
         </p:txBody>
       </p:sp>
     </p:spTree>
     <p:extLst>
       <p:ext uri="{BB962C8B-B14F-4D97-AF65-F5344CB8AC3E}">
-        <p14:creationId xmlns:p14="http://schemas.microsoft.com/office/powerpoint/2010/main" val="125955612"/>
+        <p14:creationId xmlns:p14="http://schemas.microsoft.com/office/powerpoint/2010/main" val="1408946130"/>
       </p:ext>
     </p:extLst>
   </p:cSld>
@@ -10036,17 +10291,15 @@
           <a:p>
             <a:r>
               <a:rPr lang="sr-Latn-RS" dirty="0" smtClean="0"/>
-              <a:t>Moguće je postaviti </a:t>
-            </a:r>
-            <a:r>
-              <a:rPr lang="sr-Latn-RS" dirty="0" smtClean="0"/>
-              <a:t>baseURL</a:t>
-            </a:r>
-            <a:r>
-              <a:rPr lang="sr-Latn-RS" dirty="0" smtClean="0"/>
-              <a:t>, ...</a:t>
-            </a:r>
-            <a:endParaRPr lang="sr-Latn-RS" dirty="0" smtClean="0"/>
+              <a:t>Svi resursi se nalaze na baseURL </a:t>
+            </a:r>
+            <a:r>
+              <a:rPr lang="sr-Latn-RS" dirty="0" smtClean="0">
+                <a:latin typeface="Courier New" panose="02070309020205020404" pitchFamily="49" charset="0"/>
+                <a:cs typeface="Courier New" panose="02070309020205020404" pitchFamily="49" charset="0"/>
+              </a:rPr>
+              <a:t>/api</a:t>
+            </a:r>
           </a:p>
           <a:p>
             <a:r>
@@ -10179,7 +10432,7 @@
             </a:r>
             <a:r>
               <a:rPr lang="sr-Latn-RS" dirty="0" smtClean="0"/>
-              <a:t>objekat pokazuje na tačno jedan element sa zadatom rutom i id-om</a:t>
+              <a:t>objekat koji pokazuje na tačno jedan element sa zadatom rutom i id-om</a:t>
             </a:r>
             <a:r>
               <a:rPr lang="en-GB" dirty="0" smtClean="0"/>
@@ -10586,7 +10839,15 @@
             </a:r>
             <a:r>
               <a:rPr lang="sr-Latn-RS" dirty="0" smtClean="0"/>
-              <a:t> – postavljanje konfiguracije za $http za sledeći poziv</a:t>
+              <a:t> – postavljanje konfiguracije za $http za </a:t>
+            </a:r>
+            <a:r>
+              <a:rPr lang="sr-Latn-RS" b="1" dirty="0" smtClean="0"/>
+              <a:t>prvi </a:t>
+            </a:r>
+            <a:r>
+              <a:rPr lang="sr-Latn-RS" dirty="0" smtClean="0"/>
+              <a:t>sledeći poziv</a:t>
             </a:r>
             <a:endParaRPr lang="en-GB" dirty="0"/>
           </a:p>
@@ -10929,7 +11190,7 @@
             </a:r>
             <a:r>
               <a:rPr lang="sr-Latn-RS" dirty="0" smtClean="0"/>
-              <a:t>– pozivi http metoda za zadat path, parametre i zaglavlja zahteva </a:t>
+              <a:t>– pozivi http metoda za zadate path, parametre i zaglavlja zahteva </a:t>
             </a:r>
           </a:p>
           <a:p>
@@ -11630,269 +11891,238 @@
           <a:lstStyle/>
           <a:p>
             <a:r>
+              <a:rPr lang="sr-Latn-RS" dirty="0" smtClean="0"/>
+              <a:t>$http – prečice</a:t>
+            </a:r>
+            <a:endParaRPr lang="en-GB" dirty="0"/>
+          </a:p>
+        </p:txBody>
+      </p:sp>
+      <p:sp>
+        <p:nvSpPr>
+          <p:cNvPr id="3" name="Content Placeholder 2"/>
+          <p:cNvSpPr>
+            <a:spLocks noGrp="1"/>
+          </p:cNvSpPr>
+          <p:nvPr>
+            <p:ph idx="1"/>
+          </p:nvPr>
+        </p:nvSpPr>
+        <p:spPr/>
+        <p:txBody>
+          <a:bodyPr/>
+          <a:lstStyle/>
+          <a:p>
+            <a:r>
+              <a:rPr lang="en-GB" dirty="0"/>
+              <a:t>GET: $</a:t>
+            </a:r>
+            <a:r>
+              <a:rPr lang="en-GB" dirty="0" err="1"/>
+              <a:t>http.get</a:t>
+            </a:r>
+            <a:r>
+              <a:rPr lang="en-GB" dirty="0"/>
+              <a:t>(</a:t>
+            </a:r>
+            <a:r>
+              <a:rPr lang="en-GB" dirty="0" err="1"/>
+              <a:t>url</a:t>
+            </a:r>
+            <a:r>
+              <a:rPr lang="en-GB" dirty="0"/>
+              <a:t>, </a:t>
+            </a:r>
+            <a:r>
+              <a:rPr lang="en-GB" dirty="0" err="1"/>
+              <a:t>config</a:t>
+            </a:r>
+            <a:r>
+              <a:rPr lang="en-GB" dirty="0"/>
+              <a:t>)</a:t>
+            </a:r>
+          </a:p>
+          <a:p>
+            <a:r>
               <a:rPr lang="en-GB" dirty="0" smtClean="0"/>
-              <a:t>Primer 1</a:t>
-            </a:r>
-            <a:endParaRPr lang="en-GB" dirty="0"/>
-          </a:p>
-        </p:txBody>
-      </p:sp>
-      <p:sp>
-        <p:nvSpPr>
-          <p:cNvPr id="3" name="Content Placeholder 2"/>
-          <p:cNvSpPr>
-            <a:spLocks noGrp="1"/>
-          </p:cNvSpPr>
-          <p:nvPr>
-            <p:ph idx="1"/>
-          </p:nvPr>
-        </p:nvSpPr>
-        <p:spPr/>
-        <p:txBody>
-          <a:bodyPr>
-            <a:noAutofit/>
-          </a:bodyPr>
-          <a:lstStyle/>
-          <a:p>
-            <a:pPr marL="0" indent="0">
-              <a:buNone/>
-            </a:pPr>
-            <a:r>
-              <a:rPr lang="en-GB" sz="2000" dirty="0" err="1">
-                <a:latin typeface="Courier New" panose="02070309020205020404" pitchFamily="49" charset="0"/>
-                <a:cs typeface="Courier New" panose="02070309020205020404" pitchFamily="49" charset="0"/>
-              </a:rPr>
-              <a:t>var</a:t>
-            </a:r>
-            <a:r>
-              <a:rPr lang="en-GB" sz="2000" dirty="0">
-                <a:latin typeface="Courier New" panose="02070309020205020404" pitchFamily="49" charset="0"/>
-                <a:cs typeface="Courier New" panose="02070309020205020404" pitchFamily="49" charset="0"/>
-              </a:rPr>
-              <a:t> </a:t>
-            </a:r>
-            <a:r>
-              <a:rPr lang="en-GB" sz="2000" dirty="0" err="1">
-                <a:latin typeface="Courier New" panose="02070309020205020404" pitchFamily="49" charset="0"/>
-                <a:cs typeface="Courier New" panose="02070309020205020404" pitchFamily="49" charset="0"/>
-              </a:rPr>
-              <a:t>loadEntries</a:t>
-            </a:r>
-            <a:r>
-              <a:rPr lang="en-GB" sz="2000" dirty="0">
-                <a:latin typeface="Courier New" panose="02070309020205020404" pitchFamily="49" charset="0"/>
-                <a:cs typeface="Courier New" panose="02070309020205020404" pitchFamily="49" charset="0"/>
-              </a:rPr>
-              <a:t> = function () {</a:t>
-            </a:r>
-          </a:p>
-          <a:p>
-            <a:pPr marL="0" indent="0">
-              <a:buNone/>
-            </a:pPr>
-            <a:r>
-              <a:rPr lang="en-GB" sz="2000" dirty="0">
-                <a:latin typeface="Courier New" panose="02070309020205020404" pitchFamily="49" charset="0"/>
-                <a:cs typeface="Courier New" panose="02070309020205020404" pitchFamily="49" charset="0"/>
-              </a:rPr>
-              <a:t>	$</a:t>
-            </a:r>
-            <a:r>
-              <a:rPr lang="en-GB" sz="2000" dirty="0" err="1">
-                <a:latin typeface="Courier New" panose="02070309020205020404" pitchFamily="49" charset="0"/>
-                <a:cs typeface="Courier New" panose="02070309020205020404" pitchFamily="49" charset="0"/>
-              </a:rPr>
-              <a:t>http.get</a:t>
-            </a:r>
-            <a:r>
-              <a:rPr lang="en-GB" sz="2000" dirty="0">
-                <a:latin typeface="Courier New" panose="02070309020205020404" pitchFamily="49" charset="0"/>
-                <a:cs typeface="Courier New" panose="02070309020205020404" pitchFamily="49" charset="0"/>
-              </a:rPr>
-              <a:t>('/</a:t>
-            </a:r>
-            <a:r>
-              <a:rPr lang="en-GB" sz="2000" dirty="0" err="1">
-                <a:latin typeface="Courier New" panose="02070309020205020404" pitchFamily="49" charset="0"/>
-                <a:cs typeface="Courier New" panose="02070309020205020404" pitchFamily="49" charset="0"/>
-              </a:rPr>
-              <a:t>api</a:t>
-            </a:r>
-            <a:r>
-              <a:rPr lang="en-GB" sz="2000" dirty="0">
-                <a:latin typeface="Courier New" panose="02070309020205020404" pitchFamily="49" charset="0"/>
-                <a:cs typeface="Courier New" panose="02070309020205020404" pitchFamily="49" charset="0"/>
-              </a:rPr>
-              <a:t>/</a:t>
-            </a:r>
-            <a:r>
-              <a:rPr lang="en-GB" sz="2000" dirty="0" err="1">
-                <a:latin typeface="Courier New" panose="02070309020205020404" pitchFamily="49" charset="0"/>
-                <a:cs typeface="Courier New" panose="02070309020205020404" pitchFamily="49" charset="0"/>
-              </a:rPr>
-              <a:t>blogEntries</a:t>
-            </a:r>
-            <a:r>
-              <a:rPr lang="en-GB" sz="2000" dirty="0">
-                <a:latin typeface="Courier New" panose="02070309020205020404" pitchFamily="49" charset="0"/>
-                <a:cs typeface="Courier New" panose="02070309020205020404" pitchFamily="49" charset="0"/>
-              </a:rPr>
-              <a:t>').</a:t>
-            </a:r>
-          </a:p>
-          <a:p>
-            <a:pPr marL="0" indent="0">
-              <a:buNone/>
-            </a:pPr>
-            <a:r>
-              <a:rPr lang="en-GB" sz="2000" dirty="0">
-                <a:latin typeface="Courier New" panose="02070309020205020404" pitchFamily="49" charset="0"/>
-                <a:cs typeface="Courier New" panose="02070309020205020404" pitchFamily="49" charset="0"/>
-              </a:rPr>
-              <a:t>	success(function (data, status) {</a:t>
-            </a:r>
-          </a:p>
-          <a:p>
-            <a:pPr marL="0" indent="0">
-              <a:buNone/>
-            </a:pPr>
-            <a:r>
-              <a:rPr lang="en-GB" sz="2000" dirty="0">
-                <a:latin typeface="Courier New" panose="02070309020205020404" pitchFamily="49" charset="0"/>
-                <a:cs typeface="Courier New" panose="02070309020205020404" pitchFamily="49" charset="0"/>
-              </a:rPr>
-              <a:t>		$</a:t>
-            </a:r>
-            <a:r>
-              <a:rPr lang="en-GB" sz="2000" dirty="0" err="1">
-                <a:latin typeface="Courier New" panose="02070309020205020404" pitchFamily="49" charset="0"/>
-                <a:cs typeface="Courier New" panose="02070309020205020404" pitchFamily="49" charset="0"/>
-              </a:rPr>
-              <a:t>scope.blogEntries</a:t>
-            </a:r>
-            <a:r>
-              <a:rPr lang="en-GB" sz="2000" dirty="0">
-                <a:latin typeface="Courier New" panose="02070309020205020404" pitchFamily="49" charset="0"/>
-                <a:cs typeface="Courier New" panose="02070309020205020404" pitchFamily="49" charset="0"/>
-              </a:rPr>
-              <a:t> = data; 		</a:t>
-            </a:r>
-          </a:p>
-          <a:p>
-            <a:pPr marL="0" indent="0">
-              <a:buNone/>
-            </a:pPr>
-            <a:r>
-              <a:rPr lang="en-GB" sz="2000" dirty="0">
-                <a:latin typeface="Courier New" panose="02070309020205020404" pitchFamily="49" charset="0"/>
-                <a:cs typeface="Courier New" panose="02070309020205020404" pitchFamily="49" charset="0"/>
-              </a:rPr>
-              <a:t>		$</a:t>
-            </a:r>
-            <a:r>
-              <a:rPr lang="en-GB" sz="2000" dirty="0" err="1">
-                <a:latin typeface="Courier New" panose="02070309020205020404" pitchFamily="49" charset="0"/>
-                <a:cs typeface="Courier New" panose="02070309020205020404" pitchFamily="49" charset="0"/>
-              </a:rPr>
-              <a:t>scope.blogEntry</a:t>
-            </a:r>
-            <a:r>
-              <a:rPr lang="en-GB" sz="2000" dirty="0">
-                <a:latin typeface="Courier New" panose="02070309020205020404" pitchFamily="49" charset="0"/>
-                <a:cs typeface="Courier New" panose="02070309020205020404" pitchFamily="49" charset="0"/>
-              </a:rPr>
-              <a:t> = {};</a:t>
-            </a:r>
-          </a:p>
-          <a:p>
-            <a:pPr marL="0" indent="0">
-              <a:buNone/>
-            </a:pPr>
-            <a:r>
-              <a:rPr lang="en-GB" sz="2000" dirty="0">
-                <a:latin typeface="Courier New" panose="02070309020205020404" pitchFamily="49" charset="0"/>
-                <a:cs typeface="Courier New" panose="02070309020205020404" pitchFamily="49" charset="0"/>
-              </a:rPr>
-              <a:t>	})</a:t>
-            </a:r>
-          </a:p>
-          <a:p>
-            <a:pPr marL="0" indent="0">
-              <a:buNone/>
-            </a:pPr>
-            <a:r>
-              <a:rPr lang="en-GB" sz="2000" dirty="0">
-                <a:latin typeface="Courier New" panose="02070309020205020404" pitchFamily="49" charset="0"/>
-                <a:cs typeface="Courier New" panose="02070309020205020404" pitchFamily="49" charset="0"/>
-              </a:rPr>
-              <a:t>	.error(function (data, status) {</a:t>
-            </a:r>
-          </a:p>
-          <a:p>
-            <a:pPr marL="0" indent="0">
-              <a:buNone/>
-            </a:pPr>
-            <a:r>
-              <a:rPr lang="en-GB" sz="2000" dirty="0">
-                <a:latin typeface="Courier New" panose="02070309020205020404" pitchFamily="49" charset="0"/>
-                <a:cs typeface="Courier New" panose="02070309020205020404" pitchFamily="49" charset="0"/>
-              </a:rPr>
-              <a:t>		console.log('error!',</a:t>
-            </a:r>
-            <a:r>
-              <a:rPr lang="en-GB" sz="2000" dirty="0" err="1">
-                <a:latin typeface="Courier New" panose="02070309020205020404" pitchFamily="49" charset="0"/>
-                <a:cs typeface="Courier New" panose="02070309020205020404" pitchFamily="49" charset="0"/>
-              </a:rPr>
-              <a:t>data,status</a:t>
-            </a:r>
-            <a:r>
-              <a:rPr lang="en-GB" sz="2000" dirty="0">
-                <a:latin typeface="Courier New" panose="02070309020205020404" pitchFamily="49" charset="0"/>
-                <a:cs typeface="Courier New" panose="02070309020205020404" pitchFamily="49" charset="0"/>
-              </a:rPr>
-              <a:t>);</a:t>
-            </a:r>
-          </a:p>
-          <a:p>
-            <a:pPr marL="0" indent="0">
-              <a:buNone/>
-            </a:pPr>
-            <a:r>
-              <a:rPr lang="en-GB" sz="2000" dirty="0">
-                <a:latin typeface="Courier New" panose="02070309020205020404" pitchFamily="49" charset="0"/>
-                <a:cs typeface="Courier New" panose="02070309020205020404" pitchFamily="49" charset="0"/>
-              </a:rPr>
-              <a:t>	});</a:t>
-            </a:r>
-          </a:p>
-          <a:p>
-            <a:pPr marL="0" indent="0">
-              <a:buNone/>
-            </a:pPr>
-            <a:r>
-              <a:rPr lang="en-GB" sz="2000" dirty="0">
-                <a:latin typeface="Courier New" panose="02070309020205020404" pitchFamily="49" charset="0"/>
-                <a:cs typeface="Courier New" panose="02070309020205020404" pitchFamily="49" charset="0"/>
-              </a:rPr>
-              <a:t>}</a:t>
-            </a:r>
-          </a:p>
-          <a:p>
-            <a:pPr marL="0" indent="0">
-              <a:buNone/>
-            </a:pPr>
-            <a:endParaRPr lang="en-GB" sz="2000" dirty="0">
-              <a:latin typeface="Courier New" panose="02070309020205020404" pitchFamily="49" charset="0"/>
-              <a:cs typeface="Courier New" panose="02070309020205020404" pitchFamily="49" charset="0"/>
-            </a:endParaRPr>
+              <a:t>POST</a:t>
+            </a:r>
+            <a:r>
+              <a:rPr lang="en-GB" dirty="0"/>
+              <a:t>: $</a:t>
+            </a:r>
+            <a:r>
+              <a:rPr lang="en-GB" dirty="0" err="1"/>
+              <a:t>http.post</a:t>
+            </a:r>
+            <a:r>
+              <a:rPr lang="en-GB" dirty="0"/>
+              <a:t>(</a:t>
+            </a:r>
+            <a:r>
+              <a:rPr lang="en-GB" dirty="0" err="1"/>
+              <a:t>url</a:t>
+            </a:r>
+            <a:r>
+              <a:rPr lang="en-GB" dirty="0"/>
+              <a:t>, data, </a:t>
+            </a:r>
+            <a:r>
+              <a:rPr lang="en-GB" dirty="0" err="1"/>
+              <a:t>config</a:t>
+            </a:r>
+            <a:r>
+              <a:rPr lang="en-GB" dirty="0"/>
+              <a:t>)</a:t>
+            </a:r>
+          </a:p>
+          <a:p>
+            <a:r>
+              <a:rPr lang="en-GB" dirty="0" smtClean="0"/>
+              <a:t>PUT</a:t>
+            </a:r>
+            <a:r>
+              <a:rPr lang="en-GB" dirty="0"/>
+              <a:t>: $</a:t>
+            </a:r>
+            <a:r>
+              <a:rPr lang="en-GB" dirty="0" err="1"/>
+              <a:t>http.put</a:t>
+            </a:r>
+            <a:r>
+              <a:rPr lang="en-GB" dirty="0"/>
+              <a:t>(</a:t>
+            </a:r>
+            <a:r>
+              <a:rPr lang="en-GB" dirty="0" err="1"/>
+              <a:t>url</a:t>
+            </a:r>
+            <a:r>
+              <a:rPr lang="en-GB" dirty="0"/>
+              <a:t>, data, </a:t>
+            </a:r>
+            <a:r>
+              <a:rPr lang="en-GB" dirty="0" err="1"/>
+              <a:t>config</a:t>
+            </a:r>
+            <a:r>
+              <a:rPr lang="en-GB" dirty="0"/>
+              <a:t>)</a:t>
+            </a:r>
+          </a:p>
+          <a:p>
+            <a:r>
+              <a:rPr lang="en-GB" dirty="0" smtClean="0"/>
+              <a:t>DELETE</a:t>
+            </a:r>
+            <a:r>
+              <a:rPr lang="en-GB" dirty="0"/>
+              <a:t>: $</a:t>
+            </a:r>
+            <a:r>
+              <a:rPr lang="en-GB" dirty="0" err="1"/>
+              <a:t>http.delete</a:t>
+            </a:r>
+            <a:r>
+              <a:rPr lang="en-GB" dirty="0"/>
+              <a:t>(</a:t>
+            </a:r>
+            <a:r>
+              <a:rPr lang="en-GB" dirty="0" err="1"/>
+              <a:t>url</a:t>
+            </a:r>
+            <a:r>
+              <a:rPr lang="en-GB" dirty="0"/>
+              <a:t>, </a:t>
+            </a:r>
+            <a:r>
+              <a:rPr lang="en-GB" dirty="0" err="1"/>
+              <a:t>config</a:t>
+            </a:r>
+            <a:r>
+              <a:rPr lang="en-GB" dirty="0"/>
+              <a:t>)</a:t>
+            </a:r>
+          </a:p>
+          <a:p>
+            <a:r>
+              <a:rPr lang="en-GB" dirty="0" smtClean="0"/>
+              <a:t>HEAD</a:t>
+            </a:r>
+            <a:r>
+              <a:rPr lang="en-GB" dirty="0"/>
+              <a:t>: $</a:t>
+            </a:r>
+            <a:r>
+              <a:rPr lang="en-GB" dirty="0" err="1"/>
+              <a:t>http.head</a:t>
+            </a:r>
+            <a:r>
+              <a:rPr lang="en-GB" dirty="0"/>
+              <a:t>(</a:t>
+            </a:r>
+            <a:r>
+              <a:rPr lang="en-GB" dirty="0" err="1"/>
+              <a:t>url</a:t>
+            </a:r>
+            <a:r>
+              <a:rPr lang="en-GB" dirty="0"/>
+              <a:t>, </a:t>
+            </a:r>
+            <a:r>
+              <a:rPr lang="en-GB" dirty="0" err="1"/>
+              <a:t>config</a:t>
+            </a:r>
+            <a:r>
+              <a:rPr lang="en-GB" dirty="0"/>
+              <a:t>)</a:t>
+            </a:r>
+            <a:endParaRPr lang="en-GB" dirty="0" smtClean="0"/>
+          </a:p>
+          <a:p>
+            <a:r>
+              <a:rPr lang="sr-Latn-RS" dirty="0" smtClean="0"/>
+              <a:t>Takođe, moguće je poslati jsonp zahtev prečicom </a:t>
+            </a:r>
+            <a:r>
+              <a:rPr lang="en-GB" dirty="0"/>
+              <a:t>$</a:t>
+            </a:r>
+            <a:r>
+              <a:rPr lang="en-GB" dirty="0" err="1"/>
+              <a:t>http.jsonp</a:t>
+            </a:r>
+            <a:r>
+              <a:rPr lang="en-GB" dirty="0"/>
+              <a:t>(</a:t>
+            </a:r>
+            <a:r>
+              <a:rPr lang="en-GB" dirty="0" err="1"/>
+              <a:t>url</a:t>
+            </a:r>
+            <a:r>
+              <a:rPr lang="en-GB" dirty="0"/>
+              <a:t>, </a:t>
+            </a:r>
+            <a:r>
+              <a:rPr lang="en-GB" dirty="0" err="1"/>
+              <a:t>config</a:t>
+            </a:r>
+            <a:r>
+              <a:rPr lang="en-GB" dirty="0" smtClean="0"/>
+              <a:t>)</a:t>
+            </a:r>
+            <a:endParaRPr lang="sr-Latn-RS" dirty="0" smtClean="0"/>
+          </a:p>
+          <a:p>
+            <a:endParaRPr lang="sr-Latn-RS" dirty="0" smtClean="0"/>
           </a:p>
         </p:txBody>
       </p:sp>
     </p:spTree>
     <p:extLst>
       <p:ext uri="{BB962C8B-B14F-4D97-AF65-F5344CB8AC3E}">
-        <p14:creationId xmlns:p14="http://schemas.microsoft.com/office/powerpoint/2010/main" val="1059652280"/>
+        <p14:creationId xmlns:p14="http://schemas.microsoft.com/office/powerpoint/2010/main" val="1974678103"/>
       </p:ext>
     </p:extLst>
   </p:cSld>
@@ -12074,8 +12304,8 @@
           <a:lstStyle/>
           <a:p>
             <a:r>
-              <a:rPr lang="sr-Latn-RS" dirty="0" smtClean="0"/>
-              <a:t>$http parametri metoda</a:t>
+              <a:rPr lang="en-GB" dirty="0" smtClean="0"/>
+              <a:t>Primer 1</a:t>
             </a:r>
             <a:endParaRPr lang="en-GB" dirty="0"/>
           </a:p>
@@ -12091,186 +12321,257 @@
             <p:ph idx="1"/>
           </p:nvPr>
         </p:nvSpPr>
-        <p:spPr/>
+        <p:spPr>
+          <a:xfrm>
+            <a:off x="457200" y="1639341"/>
+            <a:ext cx="8229600" cy="4525963"/>
+          </a:xfrm>
+        </p:spPr>
         <p:txBody>
           <a:bodyPr>
             <a:noAutofit/>
           </a:bodyPr>
           <a:lstStyle/>
           <a:p>
-            <a:r>
-              <a:rPr lang="en-GB" sz="2200" b="1" dirty="0"/>
-              <a:t>url</a:t>
-            </a:r>
-            <a:r>
-              <a:rPr lang="en-GB" sz="2200" dirty="0"/>
-              <a:t>: </a:t>
-            </a:r>
-            <a:r>
-              <a:rPr lang="sr-Latn-RS" sz="2200" dirty="0"/>
-              <a:t>url na koji se šalje zahtev</a:t>
-            </a:r>
-            <a:endParaRPr lang="en-GB" sz="2200" dirty="0"/>
-          </a:p>
-          <a:p>
-            <a:r>
-              <a:rPr lang="en-GB" sz="2200" b="1" dirty="0"/>
-              <a:t>data</a:t>
-            </a:r>
-            <a:r>
-              <a:rPr lang="en-GB" sz="2200" dirty="0"/>
-              <a:t>: </a:t>
-            </a:r>
-            <a:r>
-              <a:rPr lang="sr-Latn-RS" sz="2200" dirty="0"/>
-              <a:t>podaci koji se šalju sa zahtevom</a:t>
-            </a:r>
-            <a:endParaRPr lang="en-GB" sz="2200" dirty="0"/>
-          </a:p>
-          <a:p>
-            <a:r>
-              <a:rPr lang="en-GB" sz="2200" b="1" dirty="0" err="1"/>
-              <a:t>config</a:t>
-            </a:r>
-            <a:r>
-              <a:rPr lang="en-GB" sz="2200" dirty="0"/>
-              <a:t>: </a:t>
-            </a:r>
-            <a:r>
-              <a:rPr lang="sr-Latn-RS" sz="2200" dirty="0"/>
-              <a:t>JavaScript objekta koji sadrži dodatne konfiguracije koje utiču na zahtev i odgovor</a:t>
-            </a:r>
-          </a:p>
-          <a:p>
-            <a:pPr lvl="1"/>
-            <a:r>
-              <a:rPr lang="en-GB" sz="1800" b="1" dirty="0"/>
-              <a:t>method</a:t>
-            </a:r>
-            <a:r>
-              <a:rPr lang="en-GB" sz="1800" dirty="0"/>
-              <a:t>: HTTP </a:t>
-            </a:r>
-            <a:r>
-              <a:rPr lang="sr-Latn-RS" sz="1800" dirty="0" smtClean="0"/>
-              <a:t>metoda (kao što smo videli, Angular ’prečice’ ne omogućuju PATCH i OPTIONS)</a:t>
-            </a:r>
-            <a:endParaRPr lang="en-GB" sz="1800" dirty="0"/>
-          </a:p>
-          <a:p>
-            <a:pPr lvl="1"/>
-            <a:r>
-              <a:rPr lang="en-GB" sz="1800" b="1" dirty="0" smtClean="0"/>
-              <a:t>url</a:t>
-            </a:r>
-            <a:r>
-              <a:rPr lang="en-GB" sz="1800" dirty="0" smtClean="0"/>
-              <a:t>: </a:t>
-            </a:r>
-            <a:r>
-              <a:rPr lang="en-GB" sz="1800" dirty="0"/>
-              <a:t>URL </a:t>
-            </a:r>
-            <a:r>
-              <a:rPr lang="sr-Latn-RS" sz="1800" dirty="0" smtClean="0"/>
-              <a:t>na koji se šalje zahtev ($http može da se pozove kao funkcija $http(configObject) i onda se sve prosleđuje kroz config)</a:t>
-            </a:r>
-            <a:endParaRPr lang="en-GB" sz="1800" dirty="0"/>
-          </a:p>
-          <a:p>
-            <a:pPr lvl="1"/>
-            <a:r>
-              <a:rPr lang="en-GB" sz="1800" b="1" dirty="0" err="1"/>
-              <a:t>params</a:t>
-            </a:r>
-            <a:r>
-              <a:rPr lang="en-GB" sz="1800" dirty="0"/>
-              <a:t>: </a:t>
-            </a:r>
-            <a:r>
-              <a:rPr lang="sr-Latn-RS" sz="1800" dirty="0" smtClean="0"/>
-              <a:t>parametri koji se prosleđuju kroz URL string</a:t>
-            </a:r>
-            <a:endParaRPr lang="en-GB" sz="1800" dirty="0"/>
-          </a:p>
-          <a:p>
-            <a:pPr lvl="1"/>
-            <a:r>
-              <a:rPr lang="en-GB" sz="1800" b="1" dirty="0"/>
-              <a:t>headers</a:t>
-            </a:r>
-            <a:r>
-              <a:rPr lang="en-GB" sz="1800" dirty="0"/>
-              <a:t>: </a:t>
-            </a:r>
-            <a:r>
-              <a:rPr lang="sr-Latn-RS" sz="1800" dirty="0" smtClean="0"/>
-              <a:t>dodatna zaglavlja zahteva</a:t>
-            </a:r>
-            <a:endParaRPr lang="en-GB" sz="1800" dirty="0"/>
-          </a:p>
-          <a:p>
-            <a:pPr lvl="1"/>
-            <a:r>
-              <a:rPr lang="en-GB" sz="1800" b="1" dirty="0"/>
-              <a:t>timeout</a:t>
-            </a:r>
-            <a:r>
-              <a:rPr lang="en-GB" sz="1800" dirty="0"/>
-              <a:t>: </a:t>
-            </a:r>
-            <a:r>
-              <a:rPr lang="sr-Latn-RS" sz="1800" dirty="0" smtClean="0"/>
-              <a:t>nakon koliko vremena (milisekundi) će XHR zahtev da istekne</a:t>
-            </a:r>
-            <a:endParaRPr lang="en-GB" sz="1800" dirty="0"/>
-          </a:p>
-          <a:p>
-            <a:pPr lvl="1"/>
-            <a:r>
-              <a:rPr lang="en-GB" sz="1800" b="1" dirty="0" smtClean="0"/>
-              <a:t>cache</a:t>
-            </a:r>
-            <a:r>
-              <a:rPr lang="en-GB" sz="1800" dirty="0" smtClean="0"/>
-              <a:t>: </a:t>
-            </a:r>
-            <a:r>
-              <a:rPr lang="sr-Latn-RS" sz="1800" dirty="0" smtClean="0"/>
-              <a:t>omogućuje XHR GET keširanje zahteva</a:t>
-            </a:r>
-            <a:endParaRPr lang="en-GB" sz="1800" dirty="0"/>
-          </a:p>
-          <a:p>
-            <a:pPr lvl="1"/>
-            <a:r>
-              <a:rPr lang="fr-FR" sz="1800" b="1" dirty="0" err="1"/>
-              <a:t>transformRequest</a:t>
-            </a:r>
-            <a:r>
-              <a:rPr lang="fr-FR" sz="1800" dirty="0"/>
-              <a:t>, </a:t>
-            </a:r>
-            <a:r>
-              <a:rPr lang="fr-FR" sz="1800" b="1" dirty="0" err="1"/>
-              <a:t>transformResponse</a:t>
-            </a:r>
-            <a:r>
-              <a:rPr lang="fr-FR" sz="1800" dirty="0"/>
-              <a:t>: </a:t>
-            </a:r>
-            <a:r>
-              <a:rPr lang="sr-Latn-RS" sz="1800" dirty="0" smtClean="0"/>
-              <a:t>funkcije za predprocesiranje i postporcesiranje podataka koji se razmenjuju sa serverom</a:t>
-            </a:r>
-            <a:endParaRPr lang="sr-Latn-RS" sz="1800" dirty="0"/>
+            <a:pPr marL="0" indent="0">
+              <a:buNone/>
+            </a:pPr>
+            <a:r>
+              <a:rPr lang="en-GB" sz="2000" dirty="0" err="1">
+                <a:latin typeface="Courier New" panose="02070309020205020404" pitchFamily="49" charset="0"/>
+                <a:cs typeface="Courier New" panose="02070309020205020404" pitchFamily="49" charset="0"/>
+              </a:rPr>
+              <a:t>var</a:t>
+            </a:r>
+            <a:r>
+              <a:rPr lang="en-GB" sz="2000" dirty="0">
+                <a:latin typeface="Courier New" panose="02070309020205020404" pitchFamily="49" charset="0"/>
+                <a:cs typeface="Courier New" panose="02070309020205020404" pitchFamily="49" charset="0"/>
+              </a:rPr>
+              <a:t> </a:t>
+            </a:r>
+            <a:r>
+              <a:rPr lang="en-GB" sz="2000" dirty="0" err="1">
+                <a:latin typeface="Courier New" panose="02070309020205020404" pitchFamily="49" charset="0"/>
+                <a:cs typeface="Courier New" panose="02070309020205020404" pitchFamily="49" charset="0"/>
+              </a:rPr>
+              <a:t>loadEntries</a:t>
+            </a:r>
+            <a:r>
+              <a:rPr lang="en-GB" sz="2000" dirty="0">
+                <a:latin typeface="Courier New" panose="02070309020205020404" pitchFamily="49" charset="0"/>
+                <a:cs typeface="Courier New" panose="02070309020205020404" pitchFamily="49" charset="0"/>
+              </a:rPr>
+              <a:t> = function () {</a:t>
+            </a:r>
+          </a:p>
+          <a:p>
+            <a:pPr marL="0" indent="0">
+              <a:buNone/>
+            </a:pPr>
+            <a:r>
+              <a:rPr lang="en-GB" sz="2000" dirty="0">
+                <a:latin typeface="Courier New" panose="02070309020205020404" pitchFamily="49" charset="0"/>
+                <a:cs typeface="Courier New" panose="02070309020205020404" pitchFamily="49" charset="0"/>
+              </a:rPr>
+              <a:t>	$</a:t>
+            </a:r>
+            <a:r>
+              <a:rPr lang="en-GB" sz="2000" dirty="0" err="1">
+                <a:latin typeface="Courier New" panose="02070309020205020404" pitchFamily="49" charset="0"/>
+                <a:cs typeface="Courier New" panose="02070309020205020404" pitchFamily="49" charset="0"/>
+              </a:rPr>
+              <a:t>http.get</a:t>
+            </a:r>
+            <a:r>
+              <a:rPr lang="en-GB" sz="2000" dirty="0">
+                <a:latin typeface="Courier New" panose="02070309020205020404" pitchFamily="49" charset="0"/>
+                <a:cs typeface="Courier New" panose="02070309020205020404" pitchFamily="49" charset="0"/>
+              </a:rPr>
+              <a:t>('/</a:t>
+            </a:r>
+            <a:r>
+              <a:rPr lang="en-GB" sz="2000" dirty="0" err="1">
+                <a:latin typeface="Courier New" panose="02070309020205020404" pitchFamily="49" charset="0"/>
+                <a:cs typeface="Courier New" panose="02070309020205020404" pitchFamily="49" charset="0"/>
+              </a:rPr>
+              <a:t>api</a:t>
+            </a:r>
+            <a:r>
+              <a:rPr lang="en-GB" sz="2000" dirty="0">
+                <a:latin typeface="Courier New" panose="02070309020205020404" pitchFamily="49" charset="0"/>
+                <a:cs typeface="Courier New" panose="02070309020205020404" pitchFamily="49" charset="0"/>
+              </a:rPr>
+              <a:t>/</a:t>
+            </a:r>
+            <a:r>
+              <a:rPr lang="en-GB" sz="2000" dirty="0" err="1">
+                <a:latin typeface="Courier New" panose="02070309020205020404" pitchFamily="49" charset="0"/>
+                <a:cs typeface="Courier New" panose="02070309020205020404" pitchFamily="49" charset="0"/>
+              </a:rPr>
+              <a:t>blogEntries</a:t>
+            </a:r>
+            <a:r>
+              <a:rPr lang="en-GB" sz="2000" dirty="0">
+                <a:latin typeface="Courier New" panose="02070309020205020404" pitchFamily="49" charset="0"/>
+                <a:cs typeface="Courier New" panose="02070309020205020404" pitchFamily="49" charset="0"/>
+              </a:rPr>
+              <a:t>').</a:t>
+            </a:r>
+          </a:p>
+          <a:p>
+            <a:pPr marL="0" indent="0">
+              <a:buNone/>
+            </a:pPr>
+            <a:r>
+              <a:rPr lang="en-GB" sz="2000" dirty="0">
+                <a:latin typeface="Courier New" panose="02070309020205020404" pitchFamily="49" charset="0"/>
+                <a:cs typeface="Courier New" panose="02070309020205020404" pitchFamily="49" charset="0"/>
+              </a:rPr>
+              <a:t>	success(function (data, status) {</a:t>
+            </a:r>
+          </a:p>
+          <a:p>
+            <a:pPr marL="0" indent="0">
+              <a:buNone/>
+            </a:pPr>
+            <a:r>
+              <a:rPr lang="en-GB" sz="2000" dirty="0">
+                <a:latin typeface="Courier New" panose="02070309020205020404" pitchFamily="49" charset="0"/>
+                <a:cs typeface="Courier New" panose="02070309020205020404" pitchFamily="49" charset="0"/>
+              </a:rPr>
+              <a:t>		$</a:t>
+            </a:r>
+            <a:r>
+              <a:rPr lang="en-GB" sz="2000" dirty="0" err="1">
+                <a:latin typeface="Courier New" panose="02070309020205020404" pitchFamily="49" charset="0"/>
+                <a:cs typeface="Courier New" panose="02070309020205020404" pitchFamily="49" charset="0"/>
+              </a:rPr>
+              <a:t>scope.blogEntries</a:t>
+            </a:r>
+            <a:r>
+              <a:rPr lang="en-GB" sz="2000" dirty="0">
+                <a:latin typeface="Courier New" panose="02070309020205020404" pitchFamily="49" charset="0"/>
+                <a:cs typeface="Courier New" panose="02070309020205020404" pitchFamily="49" charset="0"/>
+              </a:rPr>
+              <a:t> = data; 		</a:t>
+            </a:r>
+          </a:p>
+          <a:p>
+            <a:pPr marL="0" indent="0">
+              <a:buNone/>
+            </a:pPr>
+            <a:r>
+              <a:rPr lang="en-GB" sz="2000" dirty="0">
+                <a:latin typeface="Courier New" panose="02070309020205020404" pitchFamily="49" charset="0"/>
+                <a:cs typeface="Courier New" panose="02070309020205020404" pitchFamily="49" charset="0"/>
+              </a:rPr>
+              <a:t>		$</a:t>
+            </a:r>
+            <a:r>
+              <a:rPr lang="en-GB" sz="2000" dirty="0" err="1">
+                <a:latin typeface="Courier New" panose="02070309020205020404" pitchFamily="49" charset="0"/>
+                <a:cs typeface="Courier New" panose="02070309020205020404" pitchFamily="49" charset="0"/>
+              </a:rPr>
+              <a:t>scope.blogEntry</a:t>
+            </a:r>
+            <a:r>
+              <a:rPr lang="en-GB" sz="2000" dirty="0">
+                <a:latin typeface="Courier New" panose="02070309020205020404" pitchFamily="49" charset="0"/>
+                <a:cs typeface="Courier New" panose="02070309020205020404" pitchFamily="49" charset="0"/>
+              </a:rPr>
+              <a:t> = {};</a:t>
+            </a:r>
+          </a:p>
+          <a:p>
+            <a:pPr marL="0" indent="0">
+              <a:buNone/>
+            </a:pPr>
+            <a:r>
+              <a:rPr lang="en-GB" sz="2000" dirty="0">
+                <a:latin typeface="Courier New" panose="02070309020205020404" pitchFamily="49" charset="0"/>
+                <a:cs typeface="Courier New" panose="02070309020205020404" pitchFamily="49" charset="0"/>
+              </a:rPr>
+              <a:t>	})</a:t>
+            </a:r>
+          </a:p>
+          <a:p>
+            <a:pPr marL="0" indent="0">
+              <a:buNone/>
+            </a:pPr>
+            <a:r>
+              <a:rPr lang="en-GB" sz="2000" dirty="0">
+                <a:latin typeface="Courier New" panose="02070309020205020404" pitchFamily="49" charset="0"/>
+                <a:cs typeface="Courier New" panose="02070309020205020404" pitchFamily="49" charset="0"/>
+              </a:rPr>
+              <a:t>	.error(function (data, status) {</a:t>
+            </a:r>
+          </a:p>
+          <a:p>
+            <a:pPr marL="0" indent="0">
+              <a:buNone/>
+            </a:pPr>
+            <a:r>
+              <a:rPr lang="en-GB" sz="2000" dirty="0">
+                <a:latin typeface="Courier New" panose="02070309020205020404" pitchFamily="49" charset="0"/>
+                <a:cs typeface="Courier New" panose="02070309020205020404" pitchFamily="49" charset="0"/>
+              </a:rPr>
+              <a:t>		console.log('error!',</a:t>
+            </a:r>
+            <a:r>
+              <a:rPr lang="en-GB" sz="2000" dirty="0" err="1">
+                <a:latin typeface="Courier New" panose="02070309020205020404" pitchFamily="49" charset="0"/>
+                <a:cs typeface="Courier New" panose="02070309020205020404" pitchFamily="49" charset="0"/>
+              </a:rPr>
+              <a:t>data,status</a:t>
+            </a:r>
+            <a:r>
+              <a:rPr lang="en-GB" sz="2000" dirty="0">
+                <a:latin typeface="Courier New" panose="02070309020205020404" pitchFamily="49" charset="0"/>
+                <a:cs typeface="Courier New" panose="02070309020205020404" pitchFamily="49" charset="0"/>
+              </a:rPr>
+              <a:t>);</a:t>
+            </a:r>
+          </a:p>
+          <a:p>
+            <a:pPr marL="0" indent="0">
+              <a:buNone/>
+            </a:pPr>
+            <a:r>
+              <a:rPr lang="en-GB" sz="2000" dirty="0">
+                <a:latin typeface="Courier New" panose="02070309020205020404" pitchFamily="49" charset="0"/>
+                <a:cs typeface="Courier New" panose="02070309020205020404" pitchFamily="49" charset="0"/>
+              </a:rPr>
+              <a:t>	});</a:t>
+            </a:r>
+          </a:p>
+          <a:p>
+            <a:pPr marL="0" indent="0">
+              <a:buNone/>
+            </a:pPr>
+            <a:r>
+              <a:rPr lang="en-GB" sz="2000" dirty="0">
+                <a:latin typeface="Courier New" panose="02070309020205020404" pitchFamily="49" charset="0"/>
+                <a:cs typeface="Courier New" panose="02070309020205020404" pitchFamily="49" charset="0"/>
+              </a:rPr>
+              <a:t>}</a:t>
+            </a:r>
+          </a:p>
+          <a:p>
+            <a:pPr marL="0" indent="0">
+              <a:buNone/>
+            </a:pPr>
+            <a:endParaRPr lang="en-GB" sz="2000" dirty="0">
+              <a:latin typeface="Courier New" panose="02070309020205020404" pitchFamily="49" charset="0"/>
+              <a:cs typeface="Courier New" panose="02070309020205020404" pitchFamily="49" charset="0"/>
+            </a:endParaRPr>
           </a:p>
         </p:txBody>
       </p:sp>
     </p:spTree>
     <p:extLst>
       <p:ext uri="{BB962C8B-B14F-4D97-AF65-F5344CB8AC3E}">
-        <p14:creationId xmlns:p14="http://schemas.microsoft.com/office/powerpoint/2010/main" val="2984699111"/>
+        <p14:creationId xmlns:p14="http://schemas.microsoft.com/office/powerpoint/2010/main" val="1059652280"/>
       </p:ext>
     </p:extLst>
   </p:cSld>
@@ -12321,7 +12622,7 @@
           <a:p>
             <a:r>
               <a:rPr lang="sr-Latn-RS" dirty="0" smtClean="0"/>
-              <a:t>$http reakcija na odgovor</a:t>
+              <a:t>$http parametri metoda</a:t>
             </a:r>
             <a:endParaRPr lang="en-GB" dirty="0"/>
           </a:p>
@@ -12345,66 +12646,89 @@
           <a:lstStyle/>
           <a:p>
             <a:r>
-              <a:rPr lang="sr-Latn-RS" sz="2400" dirty="0"/>
-              <a:t>$http </a:t>
-            </a:r>
-            <a:r>
-              <a:rPr lang="sr-Latn-RS" sz="2400" dirty="0" smtClean="0"/>
-              <a:t>omogućuje dve callback funkcije za reakciju na odogovor:</a:t>
+              <a:rPr lang="en-GB" sz="2200" b="1" dirty="0"/>
+              <a:t>url</a:t>
+            </a:r>
+            <a:r>
+              <a:rPr lang="en-GB" sz="2200" dirty="0"/>
+              <a:t>: </a:t>
+            </a:r>
+            <a:r>
+              <a:rPr lang="sr-Latn-RS" sz="2200" dirty="0"/>
+              <a:t>url na koji se šalje zahtev</a:t>
+            </a:r>
+            <a:endParaRPr lang="en-GB" sz="2200" dirty="0"/>
+          </a:p>
+          <a:p>
+            <a:r>
+              <a:rPr lang="en-GB" sz="2200" b="1" dirty="0"/>
+              <a:t>data</a:t>
+            </a:r>
+            <a:r>
+              <a:rPr lang="en-GB" sz="2200" dirty="0"/>
+              <a:t>: </a:t>
+            </a:r>
+            <a:r>
+              <a:rPr lang="sr-Latn-RS" sz="2200" dirty="0"/>
+              <a:t>podaci koji se šalju sa zahtevom</a:t>
+            </a:r>
+            <a:endParaRPr lang="en-GB" sz="2200" dirty="0"/>
+          </a:p>
+          <a:p>
+            <a:r>
+              <a:rPr lang="en-GB" sz="2200" b="1" dirty="0" err="1"/>
+              <a:t>config</a:t>
+            </a:r>
+            <a:r>
+              <a:rPr lang="en-GB" sz="2200" dirty="0"/>
+              <a:t>: </a:t>
+            </a:r>
+            <a:r>
+              <a:rPr lang="sr-Latn-RS" sz="2200" dirty="0"/>
+              <a:t>JavaScript objekta koji sadrži dodatne konfiguracije koje utiču na zahtev i odgovor</a:t>
             </a:r>
           </a:p>
           <a:p>
             <a:pPr lvl="1"/>
             <a:r>
-              <a:rPr lang="sr-Latn-RS" sz="2000" dirty="0" smtClean="0"/>
-              <a:t>success – poziva se za odgovore sa statusom 2xx</a:t>
-            </a:r>
+              <a:rPr lang="en-GB" sz="1800" b="1" dirty="0"/>
+              <a:t>method</a:t>
+            </a:r>
+            <a:r>
+              <a:rPr lang="en-GB" sz="1800" dirty="0"/>
+              <a:t>: HTTP </a:t>
+            </a:r>
+            <a:r>
+              <a:rPr lang="sr-Latn-RS" sz="1800" dirty="0" smtClean="0"/>
+              <a:t>metoda (kao što smo videli, Angular ’prečice’ ne omogućuju PATCH i OPTIONS)</a:t>
+            </a:r>
+            <a:endParaRPr lang="en-GB" sz="1800" dirty="0"/>
           </a:p>
           <a:p>
             <a:pPr lvl="1"/>
             <a:r>
-              <a:rPr lang="sr-Latn-RS" sz="2000" dirty="0"/>
-              <a:t>e</a:t>
-            </a:r>
-            <a:r>
-              <a:rPr lang="sr-Latn-RS" sz="2000" dirty="0" smtClean="0"/>
-              <a:t>rror – poziva se za sve ostale odgovore, osim za odgovore sa statusom 3xx (za njih bowser automatski radi redirekciju)</a:t>
-            </a:r>
-          </a:p>
-          <a:p>
-            <a:r>
-              <a:rPr lang="sr-Latn-RS" sz="2400" dirty="0" smtClean="0"/>
-              <a:t>Obe metode su opcione – ako se ne navedu, odgovor će biti „tiho ignorisan“.</a:t>
-            </a:r>
-            <a:endParaRPr lang="sr-Latn-RS" sz="2800" dirty="0"/>
-          </a:p>
-          <a:p>
-            <a:r>
-              <a:rPr lang="sr-Latn-RS" sz="2400" dirty="0" smtClean="0"/>
-              <a:t>Ove metode imaju sledeće parametre:</a:t>
-            </a:r>
+              <a:rPr lang="en-GB" sz="1800" b="1" dirty="0" smtClean="0"/>
+              <a:t>url</a:t>
+            </a:r>
+            <a:r>
+              <a:rPr lang="en-GB" sz="1800" dirty="0" smtClean="0"/>
+              <a:t>: </a:t>
+            </a:r>
+            <a:r>
+              <a:rPr lang="en-GB" sz="1800" dirty="0"/>
+              <a:t>URL </a:t>
+            </a:r>
+            <a:r>
+              <a:rPr lang="sr-Latn-RS" sz="1800" dirty="0" smtClean="0"/>
+              <a:t>na koji se šalje zahtev ($http može da se pozove kao funkcija $http(configObject) i onda se sve prosleđuje kroz config)</a:t>
+            </a:r>
+            <a:endParaRPr lang="en-GB" sz="1800" dirty="0"/>
           </a:p>
           <a:p>
             <a:pPr lvl="1"/>
             <a:r>
-              <a:rPr lang="en-GB" sz="1800" dirty="0"/>
-              <a:t>data: </a:t>
-            </a:r>
-            <a:r>
-              <a:rPr lang="sr-Latn-RS" sz="1800" dirty="0" smtClean="0"/>
-              <a:t>podaci iz odgovora</a:t>
-            </a:r>
-            <a:r>
-              <a:rPr lang="en-GB" sz="1800" dirty="0" smtClean="0"/>
-              <a:t>data</a:t>
-            </a:r>
-            <a:endParaRPr lang="en-GB" sz="1800" dirty="0"/>
-          </a:p>
-          <a:p>
-            <a:pPr lvl="1"/>
-            <a:r>
-              <a:rPr lang="en-GB" sz="1800" dirty="0" smtClean="0"/>
-              <a:t>status</a:t>
+              <a:rPr lang="en-GB" sz="1800" b="1" dirty="0" err="1"/>
+              <a:t>params</a:t>
             </a:r>
             <a:r>
               <a:rPr lang="en-GB" sz="1800" dirty="0"/>
@@ -12412,14 +12736,14 @@
             </a:r>
             <a:r>
               <a:rPr lang="sr-Latn-RS" sz="1800" dirty="0" smtClean="0"/>
-              <a:t>HTTP status odgovora</a:t>
+              <a:t>parametri koji se prosleđuju kroz URL string</a:t>
             </a:r>
             <a:endParaRPr lang="en-GB" sz="1800" dirty="0"/>
           </a:p>
           <a:p>
             <a:pPr lvl="1"/>
             <a:r>
-              <a:rPr lang="en-GB" sz="1800" dirty="0" smtClean="0"/>
+              <a:rPr lang="en-GB" sz="1800" b="1" dirty="0"/>
               <a:t>headers</a:t>
             </a:r>
             <a:r>
@@ -12428,15 +12752,15 @@
             </a:r>
             <a:r>
               <a:rPr lang="sr-Latn-RS" sz="1800" dirty="0" smtClean="0"/>
-              <a:t>zaglavlja odgovora</a:t>
+              <a:t>dodatna zaglavlja zahteva</a:t>
             </a:r>
             <a:endParaRPr lang="en-GB" sz="1800" dirty="0"/>
           </a:p>
           <a:p>
             <a:pPr lvl="1"/>
             <a:r>
-              <a:rPr lang="en-GB" sz="1800" dirty="0" err="1" smtClean="0"/>
-              <a:t>config</a:t>
+              <a:rPr lang="en-GB" sz="1800" b="1" dirty="0"/>
+              <a:t>timeout</a:t>
             </a:r>
             <a:r>
               <a:rPr lang="en-GB" sz="1800" dirty="0"/>
@@ -12444,7 +12768,47 @@
             </a:r>
             <a:r>
               <a:rPr lang="sr-Latn-RS" sz="1800" dirty="0" smtClean="0"/>
-              <a:t>konfiguracija koja je poslata prilikom slanja zahteva</a:t>
+              <a:t>nakon koliko vremena (milisekundi) će XHR zahtev da istekne</a:t>
+            </a:r>
+            <a:endParaRPr lang="en-GB" sz="1800" dirty="0"/>
+          </a:p>
+          <a:p>
+            <a:pPr lvl="1"/>
+            <a:r>
+              <a:rPr lang="en-GB" sz="1800" b="1" dirty="0" smtClean="0"/>
+              <a:t>cache</a:t>
+            </a:r>
+            <a:r>
+              <a:rPr lang="en-GB" sz="1800" dirty="0" smtClean="0"/>
+              <a:t>: </a:t>
+            </a:r>
+            <a:r>
+              <a:rPr lang="sr-Latn-RS" sz="1800" dirty="0" smtClean="0"/>
+              <a:t>omogućuje XHR GET keširanje zahteva</a:t>
+            </a:r>
+            <a:endParaRPr lang="en-GB" sz="1800" dirty="0"/>
+          </a:p>
+          <a:p>
+            <a:pPr lvl="1"/>
+            <a:r>
+              <a:rPr lang="fr-FR" sz="1800" b="1" dirty="0" err="1"/>
+              <a:t>transformRequest</a:t>
+            </a:r>
+            <a:r>
+              <a:rPr lang="fr-FR" sz="1800" dirty="0"/>
+              <a:t>, </a:t>
+            </a:r>
+            <a:r>
+              <a:rPr lang="fr-FR" sz="1800" b="1" dirty="0" err="1"/>
+              <a:t>transformResponse</a:t>
+            </a:r>
+            <a:r>
+              <a:rPr lang="fr-FR" sz="1800" dirty="0"/>
+              <a:t>: </a:t>
+            </a:r>
+            <a:r>
+              <a:rPr lang="sr-Latn-RS" sz="1800" dirty="0" smtClean="0"/>
+              <a:t>funkcije za predprocesiranje i postporcesiranje podataka koji se razmenjuju sa serverom</a:t>
             </a:r>
             <a:endParaRPr lang="sr-Latn-RS" sz="1800" dirty="0"/>
           </a:p>
@@ -12453,7 +12817,7 @@
     </p:spTree>
     <p:extLst>
       <p:ext uri="{BB962C8B-B14F-4D97-AF65-F5344CB8AC3E}">
-        <p14:creationId xmlns:p14="http://schemas.microsoft.com/office/powerpoint/2010/main" val="3193945211"/>
+        <p14:creationId xmlns:p14="http://schemas.microsoft.com/office/powerpoint/2010/main" val="2984699111"/>
       </p:ext>
     </p:extLst>
   </p:cSld>
@@ -12504,7 +12868,7 @@
           <a:p>
             <a:r>
               <a:rPr lang="sr-Latn-RS" dirty="0" smtClean="0"/>
-              <a:t>$http</a:t>
+              <a:t>$http reakcija na odgovor</a:t>
             </a:r>
             <a:endParaRPr lang="en-GB" dirty="0"/>
           </a:p>
@@ -12527,306 +12891,116 @@
           </a:bodyPr>
           <a:lstStyle/>
           <a:p>
-            <a:pPr marL="0" indent="0">
-              <a:buNone/>
-            </a:pPr>
-            <a:r>
-              <a:rPr lang="en-GB" sz="2000" dirty="0">
-                <a:solidFill>
-                  <a:schemeClr val="bg1">
-                    <a:lumMod val="65000"/>
-                  </a:schemeClr>
-                </a:solidFill>
-                <a:latin typeface="Courier New" panose="02070309020205020404" pitchFamily="49" charset="0"/>
-                <a:cs typeface="Courier New" panose="02070309020205020404" pitchFamily="49" charset="0"/>
-              </a:rPr>
-              <a:t>// </a:t>
-            </a:r>
-            <a:r>
-              <a:rPr lang="sr-Latn-RS" sz="2000" dirty="0" smtClean="0">
-                <a:solidFill>
-                  <a:schemeClr val="bg1">
-                    <a:lumMod val="65000"/>
-                  </a:schemeClr>
-                </a:solidFill>
-                <a:latin typeface="Courier New" panose="02070309020205020404" pitchFamily="49" charset="0"/>
-                <a:cs typeface="Courier New" panose="02070309020205020404" pitchFamily="49" charset="0"/>
-              </a:rPr>
-              <a:t>Primer POST zahteva</a:t>
-            </a:r>
-            <a:r>
-              <a:rPr lang="en-GB" sz="2000" dirty="0" smtClean="0">
-                <a:solidFill>
-                  <a:schemeClr val="bg1">
-                    <a:lumMod val="65000"/>
-                  </a:schemeClr>
-                </a:solidFill>
-                <a:latin typeface="Courier New" panose="02070309020205020404" pitchFamily="49" charset="0"/>
-                <a:cs typeface="Courier New" panose="02070309020205020404" pitchFamily="49" charset="0"/>
-              </a:rPr>
+            <a:r>
+              <a:rPr lang="sr-Latn-RS" sz="2400" dirty="0"/>
+              <a:t>$http </a:t>
+            </a:r>
+            <a:r>
+              <a:rPr lang="sr-Latn-RS" sz="2400" dirty="0" smtClean="0"/>
+              <a:t>omogućuje dve callback funkcije za reakciju na odogovor:</a:t>
+            </a:r>
+          </a:p>
+          <a:p>
+            <a:pPr lvl="1"/>
+            <a:r>
+              <a:rPr lang="sr-Latn-RS" sz="2000" dirty="0" smtClean="0"/>
+              <a:t>success – poziva se za odgovore sa statusom 2xx</a:t>
+            </a:r>
+          </a:p>
+          <a:p>
+            <a:pPr lvl="1"/>
+            <a:r>
+              <a:rPr lang="sr-Latn-RS" sz="2000" dirty="0"/>
+              <a:t>e</a:t>
+            </a:r>
+            <a:r>
+              <a:rPr lang="sr-Latn-RS" sz="2000" dirty="0" smtClean="0"/>
+              <a:t>rror – poziva se za sve ostale odgovore, osim za odgovore sa statusom 3xx (za njih bowser automatski radi redirekciju)</a:t>
+            </a:r>
+          </a:p>
+          <a:p>
+            <a:r>
+              <a:rPr lang="sr-Latn-RS" sz="2400" dirty="0" smtClean="0"/>
+              <a:t>Obe metode su opcione – ako se ne navedu, odgovor će biti „tiho ignorisan“.</a:t>
+            </a:r>
+            <a:endParaRPr lang="sr-Latn-RS" sz="2800" dirty="0"/>
+          </a:p>
+          <a:p>
+            <a:r>
+              <a:rPr lang="sr-Latn-RS" sz="2400" dirty="0" smtClean="0"/>
+              <a:t>Ove metode imaju sledeće parametre:</a:t>
+            </a:r>
+          </a:p>
+          <a:p>
+            <a:pPr lvl="1"/>
+            <a:r>
+              <a:rPr lang="en-GB" sz="1800" dirty="0"/>
+              <a:t>data: </a:t>
+            </a:r>
+            <a:r>
+              <a:rPr lang="sr-Latn-RS" sz="1800" dirty="0" smtClean="0"/>
+              <a:t>podaci iz odgovora</a:t>
+            </a:r>
+            <a:r>
+              <a:rPr lang="en-GB" sz="1800" dirty="0" smtClean="0"/>
+              <a:t>data</a:t>
+            </a:r>
+            <a:endParaRPr lang="en-GB" sz="1800" dirty="0"/>
+          </a:p>
+          <a:p>
+            <a:pPr lvl="1"/>
+            <a:r>
+              <a:rPr lang="en-GB" sz="1800" dirty="0" smtClean="0"/>
+              <a:t>status</a:t>
+            </a:r>
+            <a:r>
+              <a:rPr lang="en-GB" sz="1800" dirty="0"/>
               <a:t>: </a:t>
             </a:r>
-            <a:endParaRPr lang="sr-Latn-RS" sz="2000" dirty="0" smtClean="0">
-              <a:solidFill>
-                <a:schemeClr val="bg1">
-                  <a:lumMod val="65000"/>
-                </a:schemeClr>
-              </a:solidFill>
-              <a:latin typeface="Courier New" panose="02070309020205020404" pitchFamily="49" charset="0"/>
-              <a:cs typeface="Courier New" panose="02070309020205020404" pitchFamily="49" charset="0"/>
-            </a:endParaRPr>
-          </a:p>
-          <a:p>
-            <a:pPr marL="0" indent="0">
-              <a:buNone/>
-            </a:pPr>
-            <a:r>
-              <a:rPr lang="en-GB" sz="2000" dirty="0" smtClean="0">
-                <a:latin typeface="Courier New" panose="02070309020205020404" pitchFamily="49" charset="0"/>
-                <a:cs typeface="Courier New" panose="02070309020205020404" pitchFamily="49" charset="0"/>
-              </a:rPr>
-              <a:t>$</a:t>
-            </a:r>
-            <a:r>
-              <a:rPr lang="en-GB" sz="2000" dirty="0" err="1">
-                <a:latin typeface="Courier New" panose="02070309020205020404" pitchFamily="49" charset="0"/>
-                <a:cs typeface="Courier New" panose="02070309020205020404" pitchFamily="49" charset="0"/>
-              </a:rPr>
-              <a:t>http.post</a:t>
-            </a:r>
-            <a:r>
-              <a:rPr lang="en-GB" sz="2000" dirty="0">
-                <a:latin typeface="Courier New" panose="02070309020205020404" pitchFamily="49" charset="0"/>
-                <a:cs typeface="Courier New" panose="02070309020205020404" pitchFamily="49" charset="0"/>
-              </a:rPr>
-              <a:t>('/</a:t>
-            </a:r>
-            <a:r>
-              <a:rPr lang="en-GB" sz="2000" dirty="0" err="1">
-                <a:latin typeface="Courier New" panose="02070309020205020404" pitchFamily="49" charset="0"/>
-                <a:cs typeface="Courier New" panose="02070309020205020404" pitchFamily="49" charset="0"/>
-              </a:rPr>
-              <a:t>someUrl</a:t>
-            </a:r>
-            <a:r>
-              <a:rPr lang="en-GB" sz="2000" dirty="0">
-                <a:latin typeface="Courier New" panose="02070309020205020404" pitchFamily="49" charset="0"/>
-                <a:cs typeface="Courier New" panose="02070309020205020404" pitchFamily="49" charset="0"/>
-              </a:rPr>
-              <a:t>', {</a:t>
-            </a:r>
-            <a:r>
-              <a:rPr lang="en-GB" sz="2000" dirty="0" err="1">
-                <a:latin typeface="Courier New" panose="02070309020205020404" pitchFamily="49" charset="0"/>
-                <a:cs typeface="Courier New" panose="02070309020205020404" pitchFamily="49" charset="0"/>
-              </a:rPr>
-              <a:t>msg</a:t>
-            </a:r>
-            <a:r>
-              <a:rPr lang="en-GB" sz="2000" dirty="0">
-                <a:latin typeface="Courier New" panose="02070309020205020404" pitchFamily="49" charset="0"/>
-                <a:cs typeface="Courier New" panose="02070309020205020404" pitchFamily="49" charset="0"/>
-              </a:rPr>
-              <a:t>:'hello word</a:t>
-            </a:r>
-            <a:r>
-              <a:rPr lang="en-GB" sz="2000" dirty="0" smtClean="0">
-                <a:latin typeface="Courier New" panose="02070309020205020404" pitchFamily="49" charset="0"/>
-                <a:cs typeface="Courier New" panose="02070309020205020404" pitchFamily="49" charset="0"/>
-              </a:rPr>
-              <a:t>!'}</a:t>
-            </a:r>
-            <a:r>
-              <a:rPr lang="sr-Latn-RS" sz="2000" dirty="0" smtClean="0">
-                <a:latin typeface="Courier New" panose="02070309020205020404" pitchFamily="49" charset="0"/>
-                <a:cs typeface="Courier New" panose="02070309020205020404" pitchFamily="49" charset="0"/>
-              </a:rPr>
-              <a:t>, conf</a:t>
-            </a:r>
-            <a:r>
-              <a:rPr lang="en-GB" sz="2000" dirty="0" smtClean="0">
-                <a:latin typeface="Courier New" panose="02070309020205020404" pitchFamily="49" charset="0"/>
-                <a:cs typeface="Courier New" panose="02070309020205020404" pitchFamily="49" charset="0"/>
-              </a:rPr>
-              <a:t>).success(function(data</a:t>
-            </a:r>
-            <a:r>
-              <a:rPr lang="en-GB" sz="2000" dirty="0">
-                <a:latin typeface="Courier New" panose="02070309020205020404" pitchFamily="49" charset="0"/>
-                <a:cs typeface="Courier New" panose="02070309020205020404" pitchFamily="49" charset="0"/>
-              </a:rPr>
-              <a:t>, status, headers, </a:t>
-            </a:r>
-            <a:r>
-              <a:rPr lang="en-GB" sz="2000" dirty="0" err="1">
-                <a:latin typeface="Courier New" panose="02070309020205020404" pitchFamily="49" charset="0"/>
-                <a:cs typeface="Courier New" panose="02070309020205020404" pitchFamily="49" charset="0"/>
-              </a:rPr>
+            <a:r>
+              <a:rPr lang="sr-Latn-RS" sz="1800" dirty="0" smtClean="0"/>
+              <a:t>HTTP status odgovora</a:t>
+            </a:r>
+            <a:endParaRPr lang="en-GB" sz="1800" dirty="0"/>
+          </a:p>
+          <a:p>
+            <a:pPr lvl="1"/>
+            <a:r>
+              <a:rPr lang="en-GB" sz="1800" dirty="0" smtClean="0"/>
+              <a:t>headers</a:t>
+            </a:r>
+            <a:r>
+              <a:rPr lang="en-GB" sz="1800" dirty="0"/>
+              <a:t>: </a:t>
+            </a:r>
+            <a:r>
+              <a:rPr lang="sr-Latn-RS" sz="1800" dirty="0" smtClean="0"/>
+              <a:t>zaglavlja odgovora</a:t>
+            </a:r>
+            <a:endParaRPr lang="en-GB" sz="1800" dirty="0"/>
+          </a:p>
+          <a:p>
+            <a:pPr lvl="1"/>
+            <a:r>
+              <a:rPr lang="en-GB" sz="1800" dirty="0" err="1" smtClean="0"/>
               <a:t>config</a:t>
             </a:r>
             <a:r>
-              <a:rPr lang="en-GB" sz="2000" dirty="0">
-                <a:latin typeface="Courier New" panose="02070309020205020404" pitchFamily="49" charset="0"/>
-                <a:cs typeface="Courier New" panose="02070309020205020404" pitchFamily="49" charset="0"/>
-              </a:rPr>
-              <a:t>) { </a:t>
-            </a:r>
-            <a:endParaRPr lang="sr-Latn-RS" sz="2000" dirty="0">
-              <a:latin typeface="Courier New" panose="02070309020205020404" pitchFamily="49" charset="0"/>
-              <a:cs typeface="Courier New" panose="02070309020205020404" pitchFamily="49" charset="0"/>
-            </a:endParaRPr>
-          </a:p>
-          <a:p>
-            <a:pPr marL="0" indent="0">
-              <a:buNone/>
-            </a:pPr>
-            <a:r>
-              <a:rPr lang="en-GB" sz="2000" dirty="0">
-                <a:solidFill>
-                  <a:schemeClr val="bg1">
-                    <a:lumMod val="65000"/>
-                  </a:schemeClr>
-                </a:solidFill>
-                <a:latin typeface="Courier New" panose="02070309020205020404" pitchFamily="49" charset="0"/>
-                <a:cs typeface="Courier New" panose="02070309020205020404" pitchFamily="49" charset="0"/>
-              </a:rPr>
-              <a:t>// </a:t>
-            </a:r>
-            <a:r>
-              <a:rPr lang="sr-Latn-RS" sz="2000" dirty="0" smtClean="0">
-                <a:solidFill>
-                  <a:schemeClr val="bg1">
-                    <a:lumMod val="65000"/>
-                  </a:schemeClr>
-                </a:solidFill>
-                <a:latin typeface="Courier New" panose="02070309020205020404" pitchFamily="49" charset="0"/>
-                <a:cs typeface="Courier New" panose="02070309020205020404" pitchFamily="49" charset="0"/>
-              </a:rPr>
-              <a:t>callback se poziva asinhrono, kada stigne odgovor </a:t>
-            </a:r>
-          </a:p>
-          <a:p>
-            <a:pPr marL="0" indent="0">
-              <a:buNone/>
-            </a:pPr>
-            <a:r>
-              <a:rPr lang="sr-Latn-RS" sz="2000" dirty="0" smtClean="0">
-                <a:solidFill>
-                  <a:schemeClr val="bg1">
-                    <a:lumMod val="65000"/>
-                  </a:schemeClr>
-                </a:solidFill>
-                <a:latin typeface="Courier New" panose="02070309020205020404" pitchFamily="49" charset="0"/>
-                <a:cs typeface="Courier New" panose="02070309020205020404" pitchFamily="49" charset="0"/>
-              </a:rPr>
-              <a:t>//sa servera sa kodom 2xx</a:t>
-            </a:r>
-            <a:endParaRPr lang="sr-Latn-RS" sz="2000" dirty="0">
-              <a:solidFill>
-                <a:schemeClr val="bg1">
-                  <a:lumMod val="65000"/>
-                </a:schemeClr>
-              </a:solidFill>
-              <a:latin typeface="Courier New" panose="02070309020205020404" pitchFamily="49" charset="0"/>
-              <a:cs typeface="Courier New" panose="02070309020205020404" pitchFamily="49" charset="0"/>
-            </a:endParaRPr>
-          </a:p>
-          <a:p>
-            <a:pPr marL="0" indent="0">
-              <a:buNone/>
-            </a:pPr>
-            <a:r>
-              <a:rPr lang="en-GB" sz="2000" dirty="0" smtClean="0">
-                <a:latin typeface="Courier New" panose="02070309020205020404" pitchFamily="49" charset="0"/>
-                <a:cs typeface="Courier New" panose="02070309020205020404" pitchFamily="49" charset="0"/>
-              </a:rPr>
-              <a:t>}).error(function(data</a:t>
-            </a:r>
-            <a:r>
-              <a:rPr lang="en-GB" sz="2000" dirty="0">
-                <a:latin typeface="Courier New" panose="02070309020205020404" pitchFamily="49" charset="0"/>
-                <a:cs typeface="Courier New" panose="02070309020205020404" pitchFamily="49" charset="0"/>
-              </a:rPr>
-              <a:t>, status, headers, </a:t>
-            </a:r>
-            <a:r>
-              <a:rPr lang="en-GB" sz="2000" dirty="0" err="1">
-                <a:latin typeface="Courier New" panose="02070309020205020404" pitchFamily="49" charset="0"/>
-                <a:cs typeface="Courier New" panose="02070309020205020404" pitchFamily="49" charset="0"/>
-              </a:rPr>
-              <a:t>config</a:t>
-            </a:r>
-            <a:r>
-              <a:rPr lang="en-GB" sz="2000" dirty="0">
-                <a:latin typeface="Courier New" panose="02070309020205020404" pitchFamily="49" charset="0"/>
-                <a:cs typeface="Courier New" panose="02070309020205020404" pitchFamily="49" charset="0"/>
-              </a:rPr>
-              <a:t>) { </a:t>
-            </a:r>
-            <a:r>
-              <a:rPr lang="en-GB" sz="2000" dirty="0">
-                <a:solidFill>
-                  <a:schemeClr val="bg1">
-                    <a:lumMod val="65000"/>
-                  </a:schemeClr>
-                </a:solidFill>
-                <a:latin typeface="Courier New" panose="02070309020205020404" pitchFamily="49" charset="0"/>
-                <a:cs typeface="Courier New" panose="02070309020205020404" pitchFamily="49" charset="0"/>
-              </a:rPr>
-              <a:t>// </a:t>
-            </a:r>
-            <a:r>
-              <a:rPr lang="sr-Latn-RS" sz="2000" dirty="0" smtClean="0">
-                <a:solidFill>
-                  <a:schemeClr val="bg1">
-                    <a:lumMod val="65000"/>
-                  </a:schemeClr>
-                </a:solidFill>
-                <a:latin typeface="Courier New" panose="02070309020205020404" pitchFamily="49" charset="0"/>
-                <a:cs typeface="Courier New" panose="02070309020205020404" pitchFamily="49" charset="0"/>
-              </a:rPr>
-              <a:t>callback se poziva asinhrono, kada stigne </a:t>
-            </a:r>
-          </a:p>
-          <a:p>
-            <a:pPr marL="0" indent="0">
-              <a:buNone/>
-            </a:pPr>
-            <a:r>
-              <a:rPr lang="sr-Latn-RS" sz="2000" dirty="0" smtClean="0">
-                <a:solidFill>
-                  <a:schemeClr val="bg1">
-                    <a:lumMod val="65000"/>
-                  </a:schemeClr>
-                </a:solidFill>
-                <a:latin typeface="Courier New" panose="02070309020205020404" pitchFamily="49" charset="0"/>
-                <a:cs typeface="Courier New" panose="02070309020205020404" pitchFamily="49" charset="0"/>
-              </a:rPr>
-              <a:t>// odogovor sa statusom greške</a:t>
-            </a:r>
-          </a:p>
-          <a:p>
-            <a:pPr marL="0" indent="0">
-              <a:buNone/>
-            </a:pPr>
-            <a:r>
-              <a:rPr lang="en-GB" sz="2000" dirty="0" smtClean="0">
-                <a:latin typeface="Courier New" panose="02070309020205020404" pitchFamily="49" charset="0"/>
-                <a:cs typeface="Courier New" panose="02070309020205020404" pitchFamily="49" charset="0"/>
-              </a:rPr>
-              <a:t>});</a:t>
-            </a:r>
-            <a:endParaRPr lang="en-GB" sz="2000" dirty="0">
-              <a:latin typeface="Courier New" panose="02070309020205020404" pitchFamily="49" charset="0"/>
-              <a:cs typeface="Courier New" panose="02070309020205020404" pitchFamily="49" charset="0"/>
-            </a:endParaRPr>
+              <a:rPr lang="en-GB" sz="1800" dirty="0"/>
+              <a:t>: </a:t>
+            </a:r>
+            <a:r>
+              <a:rPr lang="sr-Latn-RS" sz="1800" dirty="0" smtClean="0"/>
+              <a:t>konfiguracija koja je poslata prilikom slanja zahteva</a:t>
+            </a:r>
+            <a:endParaRPr lang="sr-Latn-RS" sz="1800" dirty="0"/>
           </a:p>
         </p:txBody>
       </p:sp>
     </p:spTree>
     <p:extLst>
       <p:ext uri="{BB962C8B-B14F-4D97-AF65-F5344CB8AC3E}">
-        <p14:creationId xmlns:p14="http://schemas.microsoft.com/office/powerpoint/2010/main" val="1941028652"/>
+        <p14:creationId xmlns:p14="http://schemas.microsoft.com/office/powerpoint/2010/main" val="3193945211"/>
       </p:ext>
     </p:extLst>
   </p:cSld>
